--- a/apres-intelxdk.pptx
+++ b/apres-intelxdk.pptx
@@ -6,12 +6,14 @@
   </p:sldMasterIdLst>
   <p:sldIdLst>
     <p:sldId id="260" r:id="rId2"/>
-    <p:sldId id="274" r:id="rId3"/>
-    <p:sldId id="300" r:id="rId4"/>
-    <p:sldId id="276" r:id="rId5"/>
-    <p:sldId id="275" r:id="rId6"/>
-    <p:sldId id="303" r:id="rId7"/>
-    <p:sldId id="294" r:id="rId8"/>
+    <p:sldId id="303" r:id="rId3"/>
+    <p:sldId id="304" r:id="rId4"/>
+    <p:sldId id="305" r:id="rId5"/>
+    <p:sldId id="300" r:id="rId6"/>
+    <p:sldId id="276" r:id="rId7"/>
+    <p:sldId id="274" r:id="rId8"/>
+    <p:sldId id="275" r:id="rId9"/>
+    <p:sldId id="294" r:id="rId10"/>
   </p:sldIdLst>
   <p:sldSz cx="9144000" cy="6858000" type="screen4x3"/>
   <p:notesSz cx="6858000" cy="9144000"/>
@@ -295,7 +297,7 @@
             <a:fld id="{8CA2D1AF-7BE9-439B-8DFF-1FD9A655D9FA}" type="datetimeFigureOut">
               <a:rPr lang="pt-BR" smtClean="0"/>
               <a:pPr/>
-              <a:t>10/09/2018</a:t>
+              <a:t>13/09/2018</a:t>
             </a:fld>
             <a:endParaRPr lang="pt-BR" dirty="0"/>
           </a:p>
@@ -467,7 +469,7 @@
             <a:fld id="{8CA2D1AF-7BE9-439B-8DFF-1FD9A655D9FA}" type="datetimeFigureOut">
               <a:rPr lang="pt-BR" smtClean="0"/>
               <a:pPr/>
-              <a:t>10/09/2018</a:t>
+              <a:t>13/09/2018</a:t>
             </a:fld>
             <a:endParaRPr lang="pt-BR" dirty="0"/>
           </a:p>
@@ -649,7 +651,7 @@
             <a:fld id="{8CA2D1AF-7BE9-439B-8DFF-1FD9A655D9FA}" type="datetimeFigureOut">
               <a:rPr lang="pt-BR" smtClean="0"/>
               <a:pPr/>
-              <a:t>10/09/2018</a:t>
+              <a:t>13/09/2018</a:t>
             </a:fld>
             <a:endParaRPr lang="pt-BR" dirty="0"/>
           </a:p>
@@ -821,7 +823,7 @@
             <a:fld id="{8CA2D1AF-7BE9-439B-8DFF-1FD9A655D9FA}" type="datetimeFigureOut">
               <a:rPr lang="pt-BR" smtClean="0"/>
               <a:pPr/>
-              <a:t>10/09/2018</a:t>
+              <a:t>13/09/2018</a:t>
             </a:fld>
             <a:endParaRPr lang="pt-BR" dirty="0"/>
           </a:p>
@@ -1069,7 +1071,7 @@
             <a:fld id="{8CA2D1AF-7BE9-439B-8DFF-1FD9A655D9FA}" type="datetimeFigureOut">
               <a:rPr lang="pt-BR" smtClean="0"/>
               <a:pPr/>
-              <a:t>10/09/2018</a:t>
+              <a:t>13/09/2018</a:t>
             </a:fld>
             <a:endParaRPr lang="pt-BR" dirty="0"/>
           </a:p>
@@ -1359,7 +1361,7 @@
             <a:fld id="{8CA2D1AF-7BE9-439B-8DFF-1FD9A655D9FA}" type="datetimeFigureOut">
               <a:rPr lang="pt-BR" smtClean="0"/>
               <a:pPr/>
-              <a:t>10/09/2018</a:t>
+              <a:t>13/09/2018</a:t>
             </a:fld>
             <a:endParaRPr lang="pt-BR" dirty="0"/>
           </a:p>
@@ -1783,7 +1785,7 @@
             <a:fld id="{8CA2D1AF-7BE9-439B-8DFF-1FD9A655D9FA}" type="datetimeFigureOut">
               <a:rPr lang="pt-BR" smtClean="0"/>
               <a:pPr/>
-              <a:t>10/09/2018</a:t>
+              <a:t>13/09/2018</a:t>
             </a:fld>
             <a:endParaRPr lang="pt-BR" dirty="0"/>
           </a:p>
@@ -1903,7 +1905,7 @@
             <a:fld id="{8CA2D1AF-7BE9-439B-8DFF-1FD9A655D9FA}" type="datetimeFigureOut">
               <a:rPr lang="pt-BR" smtClean="0"/>
               <a:pPr/>
-              <a:t>10/09/2018</a:t>
+              <a:t>13/09/2018</a:t>
             </a:fld>
             <a:endParaRPr lang="pt-BR" dirty="0"/>
           </a:p>
@@ -2000,7 +2002,7 @@
             <a:fld id="{8CA2D1AF-7BE9-439B-8DFF-1FD9A655D9FA}" type="datetimeFigureOut">
               <a:rPr lang="pt-BR" smtClean="0"/>
               <a:pPr/>
-              <a:t>10/09/2018</a:t>
+              <a:t>13/09/2018</a:t>
             </a:fld>
             <a:endParaRPr lang="pt-BR" dirty="0"/>
           </a:p>
@@ -2279,7 +2281,7 @@
             <a:fld id="{8CA2D1AF-7BE9-439B-8DFF-1FD9A655D9FA}" type="datetimeFigureOut">
               <a:rPr lang="pt-BR" smtClean="0"/>
               <a:pPr/>
-              <a:t>10/09/2018</a:t>
+              <a:t>13/09/2018</a:t>
             </a:fld>
             <a:endParaRPr lang="pt-BR" dirty="0"/>
           </a:p>
@@ -2534,7 +2536,7 @@
             <a:fld id="{8CA2D1AF-7BE9-439B-8DFF-1FD9A655D9FA}" type="datetimeFigureOut">
               <a:rPr lang="pt-BR" smtClean="0"/>
               <a:pPr/>
-              <a:t>10/09/2018</a:t>
+              <a:t>13/09/2018</a:t>
             </a:fld>
             <a:endParaRPr lang="pt-BR" dirty="0"/>
           </a:p>
@@ -2773,7 +2775,7 @@
             <a:fld id="{8CA2D1AF-7BE9-439B-8DFF-1FD9A655D9FA}" type="datetimeFigureOut">
               <a:rPr lang="pt-BR" smtClean="0"/>
               <a:pPr/>
-              <a:t>10/09/2018</a:t>
+              <a:t>13/09/2018</a:t>
             </a:fld>
             <a:endParaRPr lang="pt-BR" dirty="0"/>
           </a:p>
@@ -3452,11 +3454,7 @@
             </a:r>
             <a:r>
               <a:rPr lang="pt-BR" altLang="pt-BR" sz="2400" b="1" dirty="0" smtClean="0"/>
-              <a:t>Intel </a:t>
-            </a:r>
-            <a:r>
-              <a:rPr lang="pt-BR" altLang="pt-BR" sz="2400" b="1" dirty="0" smtClean="0"/>
-              <a:t>XDK</a:t>
+              <a:t>Intel XDK</a:t>
             </a:r>
             <a:endParaRPr lang="pt-BR" altLang="pt-BR" sz="2400" dirty="0" smtClean="0">
               <a:latin typeface="Times New Roman" pitchFamily="18" charset="0"/>
@@ -4063,6 +4061,4491 @@
           <a:chExt cx="0" cy="0"/>
         </a:xfrm>
       </p:grpSpPr>
+      <p:sp>
+        <p:nvSpPr>
+          <p:cNvPr id="10" name="Rectangle 1"/>
+          <p:cNvSpPr txBox="1">
+            <a:spLocks noChangeArrowheads="1"/>
+          </p:cNvSpPr>
+          <p:nvPr/>
+        </p:nvSpPr>
+        <p:spPr>
+          <a:xfrm>
+            <a:off x="45787" y="28863"/>
+            <a:ext cx="9064625" cy="1255713"/>
+          </a:xfrm>
+          <a:prstGeom prst="rect">
+            <a:avLst/>
+          </a:prstGeom>
+        </p:spPr>
+        <p:txBody>
+          <a:bodyPr vert="horz" lIns="91440" tIns="45720" rIns="91440" bIns="45720" rtlCol="0" anchor="ctr">
+            <a:normAutofit/>
+          </a:bodyPr>
+          <a:lstStyle>
+            <a:lvl1pPr algn="ctr" defTabSz="914400" rtl="0" eaLnBrk="1" latinLnBrk="0" hangingPunct="1">
+              <a:spcBef>
+                <a:spcPct val="0"/>
+              </a:spcBef>
+              <a:buNone/>
+              <a:defRPr sz="4400" kern="1200">
+                <a:solidFill>
+                  <a:schemeClr val="tx1"/>
+                </a:solidFill>
+                <a:latin typeface="+mj-lt"/>
+                <a:ea typeface="+mj-ea"/>
+                <a:cs typeface="+mj-cs"/>
+              </a:defRPr>
+            </a:lvl1pPr>
+          </a:lstStyle>
+          <a:p>
+            <a:pPr>
+              <a:tabLst>
+                <a:tab pos="0" algn="l"/>
+                <a:tab pos="447675" algn="l"/>
+                <a:tab pos="896938" algn="l"/>
+                <a:tab pos="1346200" algn="l"/>
+                <a:tab pos="1795463" algn="l"/>
+                <a:tab pos="2244725" algn="l"/>
+                <a:tab pos="2693988" algn="l"/>
+                <a:tab pos="3143250" algn="l"/>
+                <a:tab pos="3592513" algn="l"/>
+                <a:tab pos="4041775" algn="l"/>
+                <a:tab pos="4491038" algn="l"/>
+                <a:tab pos="4940300" algn="l"/>
+                <a:tab pos="5389563" algn="l"/>
+                <a:tab pos="5838825" algn="l"/>
+                <a:tab pos="6288088" algn="l"/>
+                <a:tab pos="6737350" algn="l"/>
+                <a:tab pos="7186613" algn="l"/>
+                <a:tab pos="7635875" algn="l"/>
+                <a:tab pos="8085138" algn="l"/>
+                <a:tab pos="8534400" algn="l"/>
+                <a:tab pos="8983663" algn="l"/>
+              </a:tabLst>
+            </a:pPr>
+            <a:r>
+              <a:rPr lang="pt-BR" altLang="pt-BR" dirty="0" smtClean="0">
+                <a:solidFill>
+                  <a:srgbClr val="92D050"/>
+                </a:solidFill>
+                <a:latin typeface="Castellar" pitchFamily="18" charset="0"/>
+              </a:rPr>
+              <a:t>   </a:t>
+            </a:r>
+            <a:r>
+              <a:rPr lang="pt-BR" altLang="pt-BR" sz="5400" b="1" dirty="0" smtClean="0">
+                <a:ln w="17780" cmpd="sng">
+                  <a:solidFill>
+                    <a:srgbClr val="FFFFFF"/>
+                  </a:solidFill>
+                  <a:prstDash val="solid"/>
+                  <a:miter lim="800000"/>
+                </a:ln>
+                <a:gradFill rotWithShape="1">
+                  <a:gsLst>
+                    <a:gs pos="0">
+                      <a:srgbClr val="000000">
+                        <a:tint val="92000"/>
+                        <a:shade val="100000"/>
+                        <a:satMod val="150000"/>
+                      </a:srgbClr>
+                    </a:gs>
+                    <a:gs pos="49000">
+                      <a:srgbClr val="000000">
+                        <a:tint val="89000"/>
+                        <a:shade val="90000"/>
+                        <a:satMod val="150000"/>
+                      </a:srgbClr>
+                    </a:gs>
+                    <a:gs pos="50000">
+                      <a:srgbClr val="000000">
+                        <a:tint val="100000"/>
+                        <a:shade val="75000"/>
+                        <a:satMod val="150000"/>
+                      </a:srgbClr>
+                    </a:gs>
+                    <a:gs pos="95000">
+                      <a:srgbClr val="000000">
+                        <a:shade val="47000"/>
+                        <a:satMod val="150000"/>
+                      </a:srgbClr>
+                    </a:gs>
+                    <a:gs pos="100000">
+                      <a:srgbClr val="000000">
+                        <a:shade val="39000"/>
+                        <a:satMod val="150000"/>
+                      </a:srgbClr>
+                    </a:gs>
+                  </a:gsLst>
+                  <a:lin ang="5400000"/>
+                </a:gradFill>
+                <a:effectLst>
+                  <a:outerShdw blurRad="50800" algn="tl" rotWithShape="0">
+                    <a:srgbClr val="000000"/>
+                  </a:outerShdw>
+                </a:effectLst>
+                <a:latin typeface="+mn-lt"/>
+                <a:ea typeface="+mn-ea"/>
+                <a:cs typeface="+mn-cs"/>
+              </a:rPr>
+              <a:t>Introdução</a:t>
+            </a:r>
+            <a:endParaRPr lang="pt-BR" altLang="pt-BR" sz="5400" b="1" dirty="0">
+              <a:ln w="17780" cmpd="sng">
+                <a:solidFill>
+                  <a:srgbClr val="FFFFFF"/>
+                </a:solidFill>
+                <a:prstDash val="solid"/>
+                <a:miter lim="800000"/>
+              </a:ln>
+              <a:gradFill rotWithShape="1">
+                <a:gsLst>
+                  <a:gs pos="0">
+                    <a:srgbClr val="000000">
+                      <a:tint val="92000"/>
+                      <a:shade val="100000"/>
+                      <a:satMod val="150000"/>
+                    </a:srgbClr>
+                  </a:gs>
+                  <a:gs pos="49000">
+                    <a:srgbClr val="000000">
+                      <a:tint val="89000"/>
+                      <a:shade val="90000"/>
+                      <a:satMod val="150000"/>
+                    </a:srgbClr>
+                  </a:gs>
+                  <a:gs pos="50000">
+                    <a:srgbClr val="000000">
+                      <a:tint val="100000"/>
+                      <a:shade val="75000"/>
+                      <a:satMod val="150000"/>
+                    </a:srgbClr>
+                  </a:gs>
+                  <a:gs pos="95000">
+                    <a:srgbClr val="000000">
+                      <a:shade val="47000"/>
+                      <a:satMod val="150000"/>
+                    </a:srgbClr>
+                  </a:gs>
+                  <a:gs pos="100000">
+                    <a:srgbClr val="000000">
+                      <a:shade val="39000"/>
+                      <a:satMod val="150000"/>
+                    </a:srgbClr>
+                  </a:gs>
+                </a:gsLst>
+                <a:lin ang="5400000"/>
+              </a:gradFill>
+              <a:effectLst>
+                <a:outerShdw blurRad="50800" algn="tl" rotWithShape="0">
+                  <a:srgbClr val="000000"/>
+                </a:outerShdw>
+              </a:effectLst>
+              <a:latin typeface="+mn-lt"/>
+              <a:ea typeface="+mn-ea"/>
+              <a:cs typeface="+mn-cs"/>
+            </a:endParaRPr>
+          </a:p>
+        </p:txBody>
+      </p:sp>
+      <p:pic>
+        <p:nvPicPr>
+          <p:cNvPr id="7" name="Imagem 6"/>
+          <p:cNvPicPr/>
+          <p:nvPr/>
+        </p:nvPicPr>
+        <p:blipFill>
+          <a:blip r:embed="rId2" cstate="print"/>
+          <a:srcRect/>
+          <a:stretch>
+            <a:fillRect/>
+          </a:stretch>
+        </p:blipFill>
+        <p:spPr bwMode="auto">
+          <a:xfrm>
+            <a:off x="7668344" y="5877272"/>
+            <a:ext cx="1440160" cy="936103"/>
+          </a:xfrm>
+          <a:prstGeom prst="rect">
+            <a:avLst/>
+          </a:prstGeom>
+          <a:noFill/>
+          <a:ln w="9525">
+            <a:noFill/>
+            <a:miter lim="800000"/>
+            <a:headEnd/>
+            <a:tailEnd/>
+          </a:ln>
+        </p:spPr>
+      </p:pic>
+      <p:sp>
+        <p:nvSpPr>
+          <p:cNvPr id="8" name="Elipse 7"/>
+          <p:cNvSpPr/>
+          <p:nvPr/>
+        </p:nvSpPr>
+        <p:spPr>
+          <a:xfrm>
+            <a:off x="7926880" y="5978776"/>
+            <a:ext cx="908340" cy="720080"/>
+          </a:xfrm>
+          <a:prstGeom prst="ellipse">
+            <a:avLst/>
+          </a:prstGeom>
+          <a:noFill/>
+          <a:ln>
+            <a:solidFill>
+              <a:schemeClr val="bg1">
+                <a:lumMod val="95000"/>
+              </a:schemeClr>
+            </a:solidFill>
+          </a:ln>
+          <a:effectLst>
+            <a:outerShdw blurRad="50800" dist="50800" dir="5400000" algn="ctr" rotWithShape="0">
+              <a:schemeClr val="tx1"/>
+            </a:outerShdw>
+          </a:effectLst>
+        </p:spPr>
+        <p:style>
+          <a:lnRef idx="2">
+            <a:schemeClr val="accent1">
+              <a:shade val="50000"/>
+            </a:schemeClr>
+          </a:lnRef>
+          <a:fillRef idx="1">
+            <a:schemeClr val="accent1"/>
+          </a:fillRef>
+          <a:effectRef idx="0">
+            <a:schemeClr val="accent1"/>
+          </a:effectRef>
+          <a:fontRef idx="minor">
+            <a:schemeClr val="lt1"/>
+          </a:fontRef>
+        </p:style>
+        <p:txBody>
+          <a:bodyPr rtlCol="0" anchor="ctr"/>
+          <a:lstStyle/>
+          <a:p>
+            <a:pPr algn="ctr"/>
+            <a:endParaRPr lang="pt-BR" dirty="0"/>
+          </a:p>
+        </p:txBody>
+      </p:sp>
+      <p:sp>
+        <p:nvSpPr>
+          <p:cNvPr id="11" name="Text Box 3"/>
+          <p:cNvSpPr txBox="1">
+            <a:spLocks noChangeArrowheads="1"/>
+          </p:cNvSpPr>
+          <p:nvPr/>
+        </p:nvSpPr>
+        <p:spPr bwMode="auto">
+          <a:xfrm>
+            <a:off x="467544" y="1052736"/>
+            <a:ext cx="8187521" cy="4536504"/>
+          </a:xfrm>
+          <a:prstGeom prst="rect">
+            <a:avLst/>
+          </a:prstGeom>
+          <a:noFill/>
+          <a:ln>
+            <a:noFill/>
+          </a:ln>
+          <a:extLst>
+            <a:ext uri="{909E8E84-426E-40DD-AFC4-6F175D3DCCD1}">
+              <a14:hiddenFill xmlns:a14="http://schemas.microsoft.com/office/drawing/2010/main">
+                <a:solidFill>
+                  <a:srgbClr val="FFFFFF"/>
+                </a:solidFill>
+              </a14:hiddenFill>
+            </a:ext>
+            <a:ext uri="{91240B29-F687-4F45-9708-019B960494DF}">
+              <a14:hiddenLine xmlns:a14="http://schemas.microsoft.com/office/drawing/2010/main" w="9525">
+                <a:solidFill>
+                  <a:srgbClr val="000000"/>
+                </a:solidFill>
+                <a:round/>
+                <a:headEnd/>
+                <a:tailEnd/>
+              </a14:hiddenLine>
+            </a:ext>
+          </a:extLst>
+        </p:spPr>
+        <p:txBody>
+          <a:bodyPr lIns="0" tIns="28080" rIns="0" bIns="0"/>
+          <a:lstStyle>
+            <a:lvl1pPr marL="682625" indent="-681038" eaLnBrk="0">
+              <a:tabLst>
+                <a:tab pos="682625" algn="l"/>
+                <a:tab pos="1130300" algn="l"/>
+                <a:tab pos="1579563" algn="l"/>
+                <a:tab pos="2028825" algn="l"/>
+                <a:tab pos="2478088" algn="l"/>
+                <a:tab pos="2927350" algn="l"/>
+                <a:tab pos="3376613" algn="l"/>
+                <a:tab pos="3825875" algn="l"/>
+                <a:tab pos="4275138" algn="l"/>
+                <a:tab pos="4724400" algn="l"/>
+                <a:tab pos="5173663" algn="l"/>
+                <a:tab pos="5622925" algn="l"/>
+                <a:tab pos="6072188" algn="l"/>
+                <a:tab pos="6521450" algn="l"/>
+                <a:tab pos="6970713" algn="l"/>
+                <a:tab pos="7419975" algn="l"/>
+                <a:tab pos="7869238" algn="l"/>
+                <a:tab pos="8318500" algn="l"/>
+                <a:tab pos="8767763" algn="l"/>
+                <a:tab pos="9217025" algn="l"/>
+                <a:tab pos="9666288" algn="l"/>
+              </a:tabLst>
+              <a:defRPr>
+                <a:solidFill>
+                  <a:schemeClr val="bg1"/>
+                </a:solidFill>
+                <a:latin typeface="Arial" charset="0"/>
+                <a:ea typeface="DejaVu Sans" charset="0"/>
+                <a:cs typeface="DejaVu Sans" charset="0"/>
+              </a:defRPr>
+            </a:lvl1pPr>
+            <a:lvl2pPr marL="1425575" indent="-681038" eaLnBrk="0">
+              <a:tabLst>
+                <a:tab pos="682625" algn="l"/>
+                <a:tab pos="1130300" algn="l"/>
+                <a:tab pos="1579563" algn="l"/>
+                <a:tab pos="2028825" algn="l"/>
+                <a:tab pos="2478088" algn="l"/>
+                <a:tab pos="2927350" algn="l"/>
+                <a:tab pos="3376613" algn="l"/>
+                <a:tab pos="3825875" algn="l"/>
+                <a:tab pos="4275138" algn="l"/>
+                <a:tab pos="4724400" algn="l"/>
+                <a:tab pos="5173663" algn="l"/>
+                <a:tab pos="5622925" algn="l"/>
+                <a:tab pos="6072188" algn="l"/>
+                <a:tab pos="6521450" algn="l"/>
+                <a:tab pos="6970713" algn="l"/>
+                <a:tab pos="7419975" algn="l"/>
+                <a:tab pos="7869238" algn="l"/>
+                <a:tab pos="8318500" algn="l"/>
+                <a:tab pos="8767763" algn="l"/>
+                <a:tab pos="9217025" algn="l"/>
+                <a:tab pos="9666288" algn="l"/>
+              </a:tabLst>
+              <a:defRPr>
+                <a:solidFill>
+                  <a:schemeClr val="bg1"/>
+                </a:solidFill>
+                <a:latin typeface="Arial" charset="0"/>
+                <a:ea typeface="DejaVu Sans" charset="0"/>
+                <a:cs typeface="DejaVu Sans" charset="0"/>
+              </a:defRPr>
+            </a:lvl2pPr>
+            <a:lvl3pPr eaLnBrk="0">
+              <a:tabLst>
+                <a:tab pos="682625" algn="l"/>
+                <a:tab pos="1130300" algn="l"/>
+                <a:tab pos="1579563" algn="l"/>
+                <a:tab pos="2028825" algn="l"/>
+                <a:tab pos="2478088" algn="l"/>
+                <a:tab pos="2927350" algn="l"/>
+                <a:tab pos="3376613" algn="l"/>
+                <a:tab pos="3825875" algn="l"/>
+                <a:tab pos="4275138" algn="l"/>
+                <a:tab pos="4724400" algn="l"/>
+                <a:tab pos="5173663" algn="l"/>
+                <a:tab pos="5622925" algn="l"/>
+                <a:tab pos="6072188" algn="l"/>
+                <a:tab pos="6521450" algn="l"/>
+                <a:tab pos="6970713" algn="l"/>
+                <a:tab pos="7419975" algn="l"/>
+                <a:tab pos="7869238" algn="l"/>
+                <a:tab pos="8318500" algn="l"/>
+                <a:tab pos="8767763" algn="l"/>
+                <a:tab pos="9217025" algn="l"/>
+                <a:tab pos="9666288" algn="l"/>
+              </a:tabLst>
+              <a:defRPr>
+                <a:solidFill>
+                  <a:schemeClr val="bg1"/>
+                </a:solidFill>
+                <a:latin typeface="Arial" charset="0"/>
+                <a:ea typeface="DejaVu Sans" charset="0"/>
+                <a:cs typeface="DejaVu Sans" charset="0"/>
+              </a:defRPr>
+            </a:lvl3pPr>
+            <a:lvl4pPr eaLnBrk="0">
+              <a:tabLst>
+                <a:tab pos="682625" algn="l"/>
+                <a:tab pos="1130300" algn="l"/>
+                <a:tab pos="1579563" algn="l"/>
+                <a:tab pos="2028825" algn="l"/>
+                <a:tab pos="2478088" algn="l"/>
+                <a:tab pos="2927350" algn="l"/>
+                <a:tab pos="3376613" algn="l"/>
+                <a:tab pos="3825875" algn="l"/>
+                <a:tab pos="4275138" algn="l"/>
+                <a:tab pos="4724400" algn="l"/>
+                <a:tab pos="5173663" algn="l"/>
+                <a:tab pos="5622925" algn="l"/>
+                <a:tab pos="6072188" algn="l"/>
+                <a:tab pos="6521450" algn="l"/>
+                <a:tab pos="6970713" algn="l"/>
+                <a:tab pos="7419975" algn="l"/>
+                <a:tab pos="7869238" algn="l"/>
+                <a:tab pos="8318500" algn="l"/>
+                <a:tab pos="8767763" algn="l"/>
+                <a:tab pos="9217025" algn="l"/>
+                <a:tab pos="9666288" algn="l"/>
+              </a:tabLst>
+              <a:defRPr>
+                <a:solidFill>
+                  <a:schemeClr val="bg1"/>
+                </a:solidFill>
+                <a:latin typeface="Arial" charset="0"/>
+                <a:ea typeface="DejaVu Sans" charset="0"/>
+                <a:cs typeface="DejaVu Sans" charset="0"/>
+              </a:defRPr>
+            </a:lvl4pPr>
+            <a:lvl5pPr eaLnBrk="0">
+              <a:tabLst>
+                <a:tab pos="682625" algn="l"/>
+                <a:tab pos="1130300" algn="l"/>
+                <a:tab pos="1579563" algn="l"/>
+                <a:tab pos="2028825" algn="l"/>
+                <a:tab pos="2478088" algn="l"/>
+                <a:tab pos="2927350" algn="l"/>
+                <a:tab pos="3376613" algn="l"/>
+                <a:tab pos="3825875" algn="l"/>
+                <a:tab pos="4275138" algn="l"/>
+                <a:tab pos="4724400" algn="l"/>
+                <a:tab pos="5173663" algn="l"/>
+                <a:tab pos="5622925" algn="l"/>
+                <a:tab pos="6072188" algn="l"/>
+                <a:tab pos="6521450" algn="l"/>
+                <a:tab pos="6970713" algn="l"/>
+                <a:tab pos="7419975" algn="l"/>
+                <a:tab pos="7869238" algn="l"/>
+                <a:tab pos="8318500" algn="l"/>
+                <a:tab pos="8767763" algn="l"/>
+                <a:tab pos="9217025" algn="l"/>
+                <a:tab pos="9666288" algn="l"/>
+              </a:tabLst>
+              <a:defRPr>
+                <a:solidFill>
+                  <a:schemeClr val="bg1"/>
+                </a:solidFill>
+                <a:latin typeface="Arial" charset="0"/>
+                <a:ea typeface="DejaVu Sans" charset="0"/>
+                <a:cs typeface="DejaVu Sans" charset="0"/>
+              </a:defRPr>
+            </a:lvl5pPr>
+            <a:lvl6pPr marL="2514600" indent="-228600" defTabSz="449263" eaLnBrk="0" fontAlgn="base" hangingPunct="0">
+              <a:lnSpc>
+                <a:spcPct val="93000"/>
+              </a:lnSpc>
+              <a:spcBef>
+                <a:spcPct val="0"/>
+              </a:spcBef>
+              <a:spcAft>
+                <a:spcPct val="0"/>
+              </a:spcAft>
+              <a:buClr>
+                <a:srgbClr val="000000"/>
+              </a:buClr>
+              <a:buSzPct val="100000"/>
+              <a:buFont typeface="Times New Roman" pitchFamily="18" charset="0"/>
+              <a:tabLst>
+                <a:tab pos="682625" algn="l"/>
+                <a:tab pos="1130300" algn="l"/>
+                <a:tab pos="1579563" algn="l"/>
+                <a:tab pos="2028825" algn="l"/>
+                <a:tab pos="2478088" algn="l"/>
+                <a:tab pos="2927350" algn="l"/>
+                <a:tab pos="3376613" algn="l"/>
+                <a:tab pos="3825875" algn="l"/>
+                <a:tab pos="4275138" algn="l"/>
+                <a:tab pos="4724400" algn="l"/>
+                <a:tab pos="5173663" algn="l"/>
+                <a:tab pos="5622925" algn="l"/>
+                <a:tab pos="6072188" algn="l"/>
+                <a:tab pos="6521450" algn="l"/>
+                <a:tab pos="6970713" algn="l"/>
+                <a:tab pos="7419975" algn="l"/>
+                <a:tab pos="7869238" algn="l"/>
+                <a:tab pos="8318500" algn="l"/>
+                <a:tab pos="8767763" algn="l"/>
+                <a:tab pos="9217025" algn="l"/>
+                <a:tab pos="9666288" algn="l"/>
+              </a:tabLst>
+              <a:defRPr>
+                <a:solidFill>
+                  <a:schemeClr val="bg1"/>
+                </a:solidFill>
+                <a:latin typeface="Arial" charset="0"/>
+                <a:ea typeface="DejaVu Sans" charset="0"/>
+                <a:cs typeface="DejaVu Sans" charset="0"/>
+              </a:defRPr>
+            </a:lvl6pPr>
+            <a:lvl7pPr marL="2971800" indent="-228600" defTabSz="449263" eaLnBrk="0" fontAlgn="base" hangingPunct="0">
+              <a:lnSpc>
+                <a:spcPct val="93000"/>
+              </a:lnSpc>
+              <a:spcBef>
+                <a:spcPct val="0"/>
+              </a:spcBef>
+              <a:spcAft>
+                <a:spcPct val="0"/>
+              </a:spcAft>
+              <a:buClr>
+                <a:srgbClr val="000000"/>
+              </a:buClr>
+              <a:buSzPct val="100000"/>
+              <a:buFont typeface="Times New Roman" pitchFamily="18" charset="0"/>
+              <a:tabLst>
+                <a:tab pos="682625" algn="l"/>
+                <a:tab pos="1130300" algn="l"/>
+                <a:tab pos="1579563" algn="l"/>
+                <a:tab pos="2028825" algn="l"/>
+                <a:tab pos="2478088" algn="l"/>
+                <a:tab pos="2927350" algn="l"/>
+                <a:tab pos="3376613" algn="l"/>
+                <a:tab pos="3825875" algn="l"/>
+                <a:tab pos="4275138" algn="l"/>
+                <a:tab pos="4724400" algn="l"/>
+                <a:tab pos="5173663" algn="l"/>
+                <a:tab pos="5622925" algn="l"/>
+                <a:tab pos="6072188" algn="l"/>
+                <a:tab pos="6521450" algn="l"/>
+                <a:tab pos="6970713" algn="l"/>
+                <a:tab pos="7419975" algn="l"/>
+                <a:tab pos="7869238" algn="l"/>
+                <a:tab pos="8318500" algn="l"/>
+                <a:tab pos="8767763" algn="l"/>
+                <a:tab pos="9217025" algn="l"/>
+                <a:tab pos="9666288" algn="l"/>
+              </a:tabLst>
+              <a:defRPr>
+                <a:solidFill>
+                  <a:schemeClr val="bg1"/>
+                </a:solidFill>
+                <a:latin typeface="Arial" charset="0"/>
+                <a:ea typeface="DejaVu Sans" charset="0"/>
+                <a:cs typeface="DejaVu Sans" charset="0"/>
+              </a:defRPr>
+            </a:lvl7pPr>
+            <a:lvl8pPr marL="3429000" indent="-228600" defTabSz="449263" eaLnBrk="0" fontAlgn="base" hangingPunct="0">
+              <a:lnSpc>
+                <a:spcPct val="93000"/>
+              </a:lnSpc>
+              <a:spcBef>
+                <a:spcPct val="0"/>
+              </a:spcBef>
+              <a:spcAft>
+                <a:spcPct val="0"/>
+              </a:spcAft>
+              <a:buClr>
+                <a:srgbClr val="000000"/>
+              </a:buClr>
+              <a:buSzPct val="100000"/>
+              <a:buFont typeface="Times New Roman" pitchFamily="18" charset="0"/>
+              <a:tabLst>
+                <a:tab pos="682625" algn="l"/>
+                <a:tab pos="1130300" algn="l"/>
+                <a:tab pos="1579563" algn="l"/>
+                <a:tab pos="2028825" algn="l"/>
+                <a:tab pos="2478088" algn="l"/>
+                <a:tab pos="2927350" algn="l"/>
+                <a:tab pos="3376613" algn="l"/>
+                <a:tab pos="3825875" algn="l"/>
+                <a:tab pos="4275138" algn="l"/>
+                <a:tab pos="4724400" algn="l"/>
+                <a:tab pos="5173663" algn="l"/>
+                <a:tab pos="5622925" algn="l"/>
+                <a:tab pos="6072188" algn="l"/>
+                <a:tab pos="6521450" algn="l"/>
+                <a:tab pos="6970713" algn="l"/>
+                <a:tab pos="7419975" algn="l"/>
+                <a:tab pos="7869238" algn="l"/>
+                <a:tab pos="8318500" algn="l"/>
+                <a:tab pos="8767763" algn="l"/>
+                <a:tab pos="9217025" algn="l"/>
+                <a:tab pos="9666288" algn="l"/>
+              </a:tabLst>
+              <a:defRPr>
+                <a:solidFill>
+                  <a:schemeClr val="bg1"/>
+                </a:solidFill>
+                <a:latin typeface="Arial" charset="0"/>
+                <a:ea typeface="DejaVu Sans" charset="0"/>
+                <a:cs typeface="DejaVu Sans" charset="0"/>
+              </a:defRPr>
+            </a:lvl8pPr>
+            <a:lvl9pPr marL="3886200" indent="-228600" defTabSz="449263" eaLnBrk="0" fontAlgn="base" hangingPunct="0">
+              <a:lnSpc>
+                <a:spcPct val="93000"/>
+              </a:lnSpc>
+              <a:spcBef>
+                <a:spcPct val="0"/>
+              </a:spcBef>
+              <a:spcAft>
+                <a:spcPct val="0"/>
+              </a:spcAft>
+              <a:buClr>
+                <a:srgbClr val="000000"/>
+              </a:buClr>
+              <a:buSzPct val="100000"/>
+              <a:buFont typeface="Times New Roman" pitchFamily="18" charset="0"/>
+              <a:tabLst>
+                <a:tab pos="682625" algn="l"/>
+                <a:tab pos="1130300" algn="l"/>
+                <a:tab pos="1579563" algn="l"/>
+                <a:tab pos="2028825" algn="l"/>
+                <a:tab pos="2478088" algn="l"/>
+                <a:tab pos="2927350" algn="l"/>
+                <a:tab pos="3376613" algn="l"/>
+                <a:tab pos="3825875" algn="l"/>
+                <a:tab pos="4275138" algn="l"/>
+                <a:tab pos="4724400" algn="l"/>
+                <a:tab pos="5173663" algn="l"/>
+                <a:tab pos="5622925" algn="l"/>
+                <a:tab pos="6072188" algn="l"/>
+                <a:tab pos="6521450" algn="l"/>
+                <a:tab pos="6970713" algn="l"/>
+                <a:tab pos="7419975" algn="l"/>
+                <a:tab pos="7869238" algn="l"/>
+                <a:tab pos="8318500" algn="l"/>
+                <a:tab pos="8767763" algn="l"/>
+                <a:tab pos="9217025" algn="l"/>
+                <a:tab pos="9666288" algn="l"/>
+              </a:tabLst>
+              <a:defRPr>
+                <a:solidFill>
+                  <a:schemeClr val="bg1"/>
+                </a:solidFill>
+                <a:latin typeface="Arial" charset="0"/>
+                <a:ea typeface="DejaVu Sans" charset="0"/>
+                <a:cs typeface="DejaVu Sans" charset="0"/>
+              </a:defRPr>
+            </a:lvl9pPr>
+          </a:lstStyle>
+          <a:p>
+            <a:pPr marL="1588" lvl="1" indent="0" eaLnBrk="1">
+              <a:lnSpc>
+                <a:spcPct val="80000"/>
+              </a:lnSpc>
+              <a:spcBef>
+                <a:spcPct val="20000"/>
+              </a:spcBef>
+              <a:spcAft>
+                <a:spcPts val="1425"/>
+              </a:spcAft>
+              <a:buClr>
+                <a:schemeClr val="tx2"/>
+              </a:buClr>
+              <a:tabLst>
+                <a:tab pos="684213" algn="l"/>
+                <a:tab pos="788988" algn="l"/>
+                <a:tab pos="1238250" algn="l"/>
+                <a:tab pos="1687513" algn="l"/>
+                <a:tab pos="2136775" algn="l"/>
+                <a:tab pos="2586038" algn="l"/>
+                <a:tab pos="3035300" algn="l"/>
+                <a:tab pos="3484563" algn="l"/>
+                <a:tab pos="3933825" algn="l"/>
+                <a:tab pos="4383088" algn="l"/>
+                <a:tab pos="4832350" algn="l"/>
+                <a:tab pos="5281613" algn="l"/>
+                <a:tab pos="5730875" algn="l"/>
+                <a:tab pos="6180138" algn="l"/>
+                <a:tab pos="6629400" algn="l"/>
+                <a:tab pos="7078663" algn="l"/>
+                <a:tab pos="7527925" algn="l"/>
+                <a:tab pos="7977188" algn="l"/>
+                <a:tab pos="8426450" algn="l"/>
+                <a:tab pos="8875713" algn="l"/>
+                <a:tab pos="9324975" algn="l"/>
+              </a:tabLst>
+            </a:pPr>
+            <a:r>
+              <a:rPr lang="pt-BR" altLang="pt-BR" sz="2800" dirty="0" smtClean="0">
+                <a:solidFill>
+                  <a:schemeClr val="tx1"/>
+                </a:solidFill>
+                <a:latin typeface="Times New Roman" pitchFamily="18" charset="0"/>
+                <a:ea typeface="+mn-ea"/>
+                <a:cs typeface="Times New Roman" pitchFamily="18" charset="0"/>
+              </a:rPr>
+              <a:t>Histórico</a:t>
+            </a:r>
+            <a:r>
+              <a:rPr lang="pt-BR" altLang="pt-BR" sz="2800" dirty="0" smtClean="0">
+                <a:solidFill>
+                  <a:schemeClr val="tx1"/>
+                </a:solidFill>
+                <a:latin typeface="Times New Roman" pitchFamily="18" charset="0"/>
+                <a:ea typeface="+mn-ea"/>
+                <a:cs typeface="Times New Roman" pitchFamily="18" charset="0"/>
+              </a:rPr>
+              <a:t>:</a:t>
+            </a:r>
+            <a:endParaRPr lang="pt-BR" altLang="pt-BR" sz="2800" dirty="0" smtClean="0">
+              <a:solidFill>
+                <a:schemeClr val="tx1"/>
+              </a:solidFill>
+              <a:latin typeface="Times New Roman" pitchFamily="18" charset="0"/>
+              <a:ea typeface="+mn-ea"/>
+              <a:cs typeface="Times New Roman" pitchFamily="18" charset="0"/>
+            </a:endParaRPr>
+          </a:p>
+          <a:p>
+            <a:pPr marL="1588" lvl="1" indent="0" algn="just" eaLnBrk="1">
+              <a:lnSpc>
+                <a:spcPct val="150000"/>
+              </a:lnSpc>
+              <a:spcBef>
+                <a:spcPct val="20000"/>
+              </a:spcBef>
+              <a:spcAft>
+                <a:spcPts val="1425"/>
+              </a:spcAft>
+              <a:buClr>
+                <a:schemeClr val="tx2"/>
+              </a:buClr>
+              <a:tabLst>
+                <a:tab pos="684213" algn="l"/>
+                <a:tab pos="788988" algn="l"/>
+                <a:tab pos="1238250" algn="l"/>
+                <a:tab pos="1687513" algn="l"/>
+                <a:tab pos="2136775" algn="l"/>
+                <a:tab pos="2586038" algn="l"/>
+                <a:tab pos="3035300" algn="l"/>
+                <a:tab pos="3484563" algn="l"/>
+                <a:tab pos="3933825" algn="l"/>
+                <a:tab pos="4383088" algn="l"/>
+                <a:tab pos="4832350" algn="l"/>
+                <a:tab pos="5281613" algn="l"/>
+                <a:tab pos="5730875" algn="l"/>
+                <a:tab pos="6180138" algn="l"/>
+                <a:tab pos="6629400" algn="l"/>
+                <a:tab pos="7078663" algn="l"/>
+                <a:tab pos="7527925" algn="l"/>
+                <a:tab pos="7977188" algn="l"/>
+                <a:tab pos="8426450" algn="l"/>
+                <a:tab pos="8875713" algn="l"/>
+                <a:tab pos="9324975" algn="l"/>
+              </a:tabLst>
+            </a:pPr>
+            <a:r>
+              <a:rPr lang="pt-BR" sz="1600" dirty="0" smtClean="0">
+                <a:solidFill>
+                  <a:schemeClr val="tx1"/>
+                </a:solidFill>
+              </a:rPr>
+              <a:t>O </a:t>
+            </a:r>
+            <a:r>
+              <a:rPr lang="pt-BR" sz="1600" dirty="0">
+                <a:solidFill>
+                  <a:schemeClr val="tx1"/>
+                </a:solidFill>
+              </a:rPr>
+              <a:t>Intel XDK foi um </a:t>
+            </a:r>
+            <a:r>
+              <a:rPr lang="pt-BR" sz="1600" dirty="0" smtClean="0">
+                <a:solidFill>
+                  <a:schemeClr val="tx1"/>
+                </a:solidFill>
+              </a:rPr>
+              <a:t>ambiente </a:t>
+            </a:r>
+            <a:r>
+              <a:rPr lang="pt-BR" sz="1600" dirty="0">
+                <a:solidFill>
+                  <a:schemeClr val="tx1"/>
+                </a:solidFill>
+              </a:rPr>
+              <a:t>de </a:t>
+            </a:r>
+            <a:r>
+              <a:rPr lang="pt-BR" sz="1600" dirty="0" smtClean="0">
+                <a:solidFill>
+                  <a:schemeClr val="tx1"/>
+                </a:solidFill>
+              </a:rPr>
+              <a:t>desenvolvimento, s</a:t>
+            </a:r>
+            <a:r>
+              <a:rPr lang="pt-BR" sz="1600" dirty="0" smtClean="0">
+                <a:solidFill>
+                  <a:schemeClr val="tx1"/>
+                </a:solidFill>
+              </a:rPr>
+              <a:t>ua primeira </a:t>
+            </a:r>
+            <a:r>
+              <a:rPr lang="pt-BR" sz="1600" dirty="0">
+                <a:solidFill>
+                  <a:schemeClr val="tx1"/>
+                </a:solidFill>
+              </a:rPr>
+              <a:t>versão do XDK foi feita pela APPMobi e rodava diretamente </a:t>
+            </a:r>
+            <a:r>
+              <a:rPr lang="pt-BR" sz="1600" dirty="0" smtClean="0">
+                <a:solidFill>
+                  <a:schemeClr val="tx1"/>
+                </a:solidFill>
+              </a:rPr>
+              <a:t>no navegador</a:t>
+            </a:r>
+            <a:r>
+              <a:rPr lang="pt-BR" sz="1600" dirty="0">
+                <a:solidFill>
+                  <a:schemeClr val="tx1"/>
+                </a:solidFill>
+              </a:rPr>
+              <a:t>, sem necessitar de donwloas ou </a:t>
+            </a:r>
+            <a:r>
+              <a:rPr lang="pt-BR" sz="1600" dirty="0" smtClean="0">
+                <a:solidFill>
+                  <a:schemeClr val="tx1"/>
+                </a:solidFill>
+              </a:rPr>
+              <a:t>instalações. Com </a:t>
+            </a:r>
+            <a:r>
+              <a:rPr lang="pt-BR" sz="1600" dirty="0">
+                <a:solidFill>
+                  <a:schemeClr val="tx1"/>
+                </a:solidFill>
+              </a:rPr>
+              <a:t>o tempo o </a:t>
+            </a:r>
+            <a:r>
+              <a:rPr lang="pt-BR" sz="1600" b="1" dirty="0" smtClean="0">
+                <a:solidFill>
+                  <a:schemeClr val="tx1"/>
+                </a:solidFill>
+              </a:rPr>
+              <a:t>APPMobi </a:t>
+            </a:r>
+            <a:r>
+              <a:rPr lang="pt-BR" sz="1600" b="1" dirty="0">
+                <a:solidFill>
+                  <a:schemeClr val="tx1"/>
+                </a:solidFill>
+              </a:rPr>
+              <a:t>XDK</a:t>
+            </a:r>
+            <a:r>
+              <a:rPr lang="pt-BR" sz="1600" dirty="0">
+                <a:solidFill>
+                  <a:schemeClr val="tx1"/>
+                </a:solidFill>
+              </a:rPr>
+              <a:t> foi evoluindo e chamou a atenção da Intel, </a:t>
+            </a:r>
+            <a:r>
+              <a:rPr lang="pt-BR" sz="1600" dirty="0" smtClean="0">
+                <a:solidFill>
+                  <a:schemeClr val="tx1"/>
+                </a:solidFill>
+              </a:rPr>
+              <a:t>que adquiriu </a:t>
+            </a:r>
+            <a:r>
+              <a:rPr lang="pt-BR" sz="1600" dirty="0">
+                <a:solidFill>
+                  <a:schemeClr val="tx1"/>
+                </a:solidFill>
+              </a:rPr>
+              <a:t>os direitos da ferramenta e a rebatizou como </a:t>
+            </a:r>
+            <a:r>
+              <a:rPr lang="pt-BR" sz="1600" b="1" dirty="0">
+                <a:solidFill>
+                  <a:schemeClr val="tx1"/>
+                </a:solidFill>
+              </a:rPr>
+              <a:t>Intel </a:t>
+            </a:r>
+            <a:r>
+              <a:rPr lang="pt-BR" sz="1600" b="1" dirty="0" smtClean="0">
+                <a:solidFill>
+                  <a:schemeClr val="tx1"/>
+                </a:solidFill>
+              </a:rPr>
+              <a:t>XDK</a:t>
+            </a:r>
+            <a:r>
+              <a:rPr lang="pt-BR" sz="1600" dirty="0" smtClean="0">
+                <a:solidFill>
+                  <a:schemeClr val="tx1"/>
+                </a:solidFill>
+              </a:rPr>
+              <a:t>. Desde </a:t>
+            </a:r>
+            <a:r>
+              <a:rPr lang="pt-BR" sz="1600" dirty="0">
+                <a:solidFill>
+                  <a:schemeClr val="tx1"/>
+                </a:solidFill>
+              </a:rPr>
+              <a:t>o inicio a ferramenta pareceu promissora e os Devs brasileiros foram os maiores apoiadores, deixando o país em primeiro lugar na quantidade de </a:t>
+            </a:r>
+            <a:r>
+              <a:rPr lang="pt-BR" sz="1600" dirty="0" smtClean="0">
+                <a:solidFill>
+                  <a:schemeClr val="tx1"/>
+                </a:solidFill>
+              </a:rPr>
+              <a:t>downloads efetuados. Infelizmente </a:t>
+            </a:r>
+            <a:r>
+              <a:rPr lang="pt-BR" sz="1600" dirty="0">
+                <a:solidFill>
+                  <a:schemeClr val="tx1"/>
+                </a:solidFill>
+              </a:rPr>
+              <a:t>a Intel mudou seus planos estratégicos para o mercado móvel e abandonou seus principais planos para esta área, inclusive deixando de produzir microprocessadores para smartphones e </a:t>
+            </a:r>
+            <a:r>
+              <a:rPr lang="pt-BR" sz="1600" dirty="0" smtClean="0">
+                <a:solidFill>
+                  <a:schemeClr val="tx1"/>
+                </a:solidFill>
+              </a:rPr>
+              <a:t>tablets. Com </a:t>
+            </a:r>
+            <a:r>
+              <a:rPr lang="pt-BR" sz="1600" dirty="0">
+                <a:solidFill>
+                  <a:schemeClr val="tx1"/>
+                </a:solidFill>
+              </a:rPr>
+              <a:t>esta nova visão, o XDK virou um peso morto e aos poucos foi perdendo sua importância dentro da empresa, até que foi descontinuado oficialmente.</a:t>
+            </a:r>
+          </a:p>
+        </p:txBody>
+      </p:sp>
+      <p:pic>
+        <p:nvPicPr>
+          <p:cNvPr id="3074" name="Picture 2"/>
+          <p:cNvPicPr>
+            <a:picLocks noChangeAspect="1" noChangeArrowheads="1"/>
+          </p:cNvPicPr>
+          <p:nvPr/>
+        </p:nvPicPr>
+        <p:blipFill>
+          <a:blip r:embed="rId3">
+            <a:extLst>
+              <a:ext uri="{28A0092B-C50C-407E-A947-70E740481C1C}">
+                <a14:useLocalDpi xmlns:a14="http://schemas.microsoft.com/office/drawing/2010/main" val="0"/>
+              </a:ext>
+            </a:extLst>
+          </a:blip>
+          <a:srcRect/>
+          <a:stretch>
+            <a:fillRect/>
+          </a:stretch>
+        </p:blipFill>
+        <p:spPr bwMode="auto">
+          <a:xfrm>
+            <a:off x="7668344" y="116632"/>
+            <a:ext cx="1143000" cy="1466850"/>
+          </a:xfrm>
+          <a:prstGeom prst="rect">
+            <a:avLst/>
+          </a:prstGeom>
+          <a:noFill/>
+          <a:ln>
+            <a:noFill/>
+          </a:ln>
+          <a:extLst>
+            <a:ext uri="{909E8E84-426E-40DD-AFC4-6F175D3DCCD1}">
+              <a14:hiddenFill xmlns:a14="http://schemas.microsoft.com/office/drawing/2010/main">
+                <a:solidFill>
+                  <a:schemeClr val="accent1"/>
+                </a:solidFill>
+              </a14:hiddenFill>
+            </a:ext>
+            <a:ext uri="{91240B29-F687-4F45-9708-019B960494DF}">
+              <a14:hiddenLine xmlns:a14="http://schemas.microsoft.com/office/drawing/2010/main" w="9525">
+                <a:solidFill>
+                  <a:schemeClr val="tx1"/>
+                </a:solidFill>
+                <a:miter lim="800000"/>
+                <a:headEnd/>
+                <a:tailEnd/>
+              </a14:hiddenLine>
+            </a:ext>
+          </a:extLst>
+        </p:spPr>
+      </p:pic>
+      <p:pic>
+        <p:nvPicPr>
+          <p:cNvPr id="3076" name="Picture 4"/>
+          <p:cNvPicPr>
+            <a:picLocks noChangeAspect="1" noChangeArrowheads="1"/>
+          </p:cNvPicPr>
+          <p:nvPr/>
+        </p:nvPicPr>
+        <p:blipFill>
+          <a:blip r:embed="rId4" cstate="print">
+            <a:extLst>
+              <a:ext uri="{28A0092B-C50C-407E-A947-70E740481C1C}">
+                <a14:useLocalDpi xmlns:a14="http://schemas.microsoft.com/office/drawing/2010/main" val="0"/>
+              </a:ext>
+            </a:extLst>
+          </a:blip>
+          <a:srcRect/>
+          <a:stretch>
+            <a:fillRect/>
+          </a:stretch>
+        </p:blipFill>
+        <p:spPr bwMode="auto">
+          <a:xfrm>
+            <a:off x="6012160" y="5805264"/>
+            <a:ext cx="1656184" cy="967629"/>
+          </a:xfrm>
+          <a:prstGeom prst="rect">
+            <a:avLst/>
+          </a:prstGeom>
+          <a:noFill/>
+          <a:ln>
+            <a:noFill/>
+          </a:ln>
+          <a:extLst>
+            <a:ext uri="{909E8E84-426E-40DD-AFC4-6F175D3DCCD1}">
+              <a14:hiddenFill xmlns:a14="http://schemas.microsoft.com/office/drawing/2010/main">
+                <a:solidFill>
+                  <a:schemeClr val="accent1"/>
+                </a:solidFill>
+              </a14:hiddenFill>
+            </a:ext>
+            <a:ext uri="{91240B29-F687-4F45-9708-019B960494DF}">
+              <a14:hiddenLine xmlns:a14="http://schemas.microsoft.com/office/drawing/2010/main" w="9525">
+                <a:solidFill>
+                  <a:schemeClr val="tx1"/>
+                </a:solidFill>
+                <a:miter lim="800000"/>
+                <a:headEnd/>
+                <a:tailEnd/>
+              </a14:hiddenLine>
+            </a:ext>
+          </a:extLst>
+        </p:spPr>
+      </p:pic>
+    </p:spTree>
+    <p:extLst>
+      <p:ext uri="{BB962C8B-B14F-4D97-AF65-F5344CB8AC3E}">
+        <p14:creationId xmlns:p14="http://schemas.microsoft.com/office/powerpoint/2010/main" val="1217907457"/>
+      </p:ext>
+    </p:extLst>
+  </p:cSld>
+  <p:clrMapOvr>
+    <a:masterClrMapping/>
+  </p:clrMapOvr>
+  <p:timing>
+    <p:tnLst>
+      <p:par>
+        <p:cTn id="1" dur="indefinite" restart="never" nodeType="tmRoot">
+          <p:childTnLst>
+            <p:seq concurrent="1" nextAc="seek">
+              <p:cTn id="2" dur="indefinite" nodeType="mainSeq">
+                <p:childTnLst>
+                  <p:par>
+                    <p:cTn id="3" fill="hold">
+                      <p:stCondLst>
+                        <p:cond delay="indefinite"/>
+                      </p:stCondLst>
+                      <p:childTnLst>
+                        <p:par>
+                          <p:cTn id="4" fill="hold">
+                            <p:stCondLst>
+                              <p:cond delay="0"/>
+                            </p:stCondLst>
+                            <p:childTnLst>
+                              <p:par>
+                                <p:cTn id="5" presetID="20" presetClass="exit" presetSubtype="0" fill="hold" grpId="0" nodeType="clickEffect">
+                                  <p:stCondLst>
+                                    <p:cond delay="0"/>
+                                  </p:stCondLst>
+                                  <p:childTnLst>
+                                    <p:animEffect transition="out" filter="wedge">
+                                      <p:cBhvr>
+                                        <p:cTn id="6" dur="20000"/>
+                                        <p:tgtEl>
+                                          <p:spTgt spid="8"/>
+                                        </p:tgtEl>
+                                      </p:cBhvr>
+                                    </p:animEffect>
+                                    <p:set>
+                                      <p:cBhvr>
+                                        <p:cTn id="7" dur="1" fill="hold">
+                                          <p:stCondLst>
+                                            <p:cond delay="19999"/>
+                                          </p:stCondLst>
+                                        </p:cTn>
+                                        <p:tgtEl>
+                                          <p:spTgt spid="8"/>
+                                        </p:tgtEl>
+                                        <p:attrNameLst>
+                                          <p:attrName>style.visibility</p:attrName>
+                                        </p:attrNameLst>
+                                      </p:cBhvr>
+                                      <p:to>
+                                        <p:strVal val="hidden"/>
+                                      </p:to>
+                                    </p:set>
+                                  </p:childTnLst>
+                                </p:cTn>
+                              </p:par>
+                            </p:childTnLst>
+                          </p:cTn>
+                        </p:par>
+                      </p:childTnLst>
+                    </p:cTn>
+                  </p:par>
+                </p:childTnLst>
+              </p:cTn>
+              <p:prevCondLst>
+                <p:cond evt="onPrev" delay="0">
+                  <p:tgtEl>
+                    <p:sldTgt/>
+                  </p:tgtEl>
+                </p:cond>
+              </p:prevCondLst>
+              <p:nextCondLst>
+                <p:cond evt="onNext" delay="0">
+                  <p:tgtEl>
+                    <p:sldTgt/>
+                  </p:tgtEl>
+                </p:cond>
+              </p:nextCondLst>
+            </p:seq>
+          </p:childTnLst>
+        </p:cTn>
+      </p:par>
+    </p:tnLst>
+    <p:bldLst>
+      <p:bldP spid="8" grpId="0" animBg="1"/>
+    </p:bldLst>
+  </p:timing>
+</p:sld>
+</file>
+
+<file path=ppt/slides/slide3.xml><?xml version="1.0" encoding="utf-8"?>
+<p:sld xmlns:a="http://schemas.openxmlformats.org/drawingml/2006/main" xmlns:r="http://schemas.openxmlformats.org/officeDocument/2006/relationships" xmlns:p="http://schemas.openxmlformats.org/presentationml/2006/main">
+  <p:cSld>
+    <p:spTree>
+      <p:nvGrpSpPr>
+        <p:cNvPr id="1" name=""/>
+        <p:cNvGrpSpPr/>
+        <p:nvPr/>
+      </p:nvGrpSpPr>
+      <p:grpSpPr>
+        <a:xfrm>
+          <a:off x="0" y="0"/>
+          <a:ext cx="0" cy="0"/>
+          <a:chOff x="0" y="0"/>
+          <a:chExt cx="0" cy="0"/>
+        </a:xfrm>
+      </p:grpSpPr>
+      <p:pic>
+        <p:nvPicPr>
+          <p:cNvPr id="2051" name="Picture 3"/>
+          <p:cNvPicPr>
+            <a:picLocks noChangeAspect="1" noChangeArrowheads="1"/>
+          </p:cNvPicPr>
+          <p:nvPr/>
+        </p:nvPicPr>
+        <p:blipFill>
+          <a:blip r:embed="rId2">
+            <a:extLst>
+              <a:ext uri="{28A0092B-C50C-407E-A947-70E740481C1C}">
+                <a14:useLocalDpi xmlns:a14="http://schemas.microsoft.com/office/drawing/2010/main" val="0"/>
+              </a:ext>
+            </a:extLst>
+          </a:blip>
+          <a:srcRect/>
+          <a:stretch>
+            <a:fillRect/>
+          </a:stretch>
+        </p:blipFill>
+        <p:spPr bwMode="auto">
+          <a:xfrm>
+            <a:off x="395536" y="1124744"/>
+            <a:ext cx="8496944" cy="4323244"/>
+          </a:xfrm>
+          <a:prstGeom prst="rect">
+            <a:avLst/>
+          </a:prstGeom>
+          <a:noFill/>
+          <a:ln>
+            <a:noFill/>
+          </a:ln>
+          <a:extLst>
+            <a:ext uri="{909E8E84-426E-40DD-AFC4-6F175D3DCCD1}">
+              <a14:hiddenFill xmlns:a14="http://schemas.microsoft.com/office/drawing/2010/main">
+                <a:solidFill>
+                  <a:schemeClr val="accent1"/>
+                </a:solidFill>
+              </a14:hiddenFill>
+            </a:ext>
+            <a:ext uri="{91240B29-F687-4F45-9708-019B960494DF}">
+              <a14:hiddenLine xmlns:a14="http://schemas.microsoft.com/office/drawing/2010/main" w="9525">
+                <a:solidFill>
+                  <a:schemeClr val="tx1"/>
+                </a:solidFill>
+                <a:miter lim="800000"/>
+                <a:headEnd/>
+                <a:tailEnd/>
+              </a14:hiddenLine>
+            </a:ext>
+          </a:extLst>
+        </p:spPr>
+      </p:pic>
+      <p:pic>
+        <p:nvPicPr>
+          <p:cNvPr id="6" name="Picture 3"/>
+          <p:cNvPicPr>
+            <a:picLocks noChangeAspect="1" noChangeArrowheads="1"/>
+          </p:cNvPicPr>
+          <p:nvPr/>
+        </p:nvPicPr>
+        <p:blipFill>
+          <a:blip r:embed="rId3">
+            <a:extLst>
+              <a:ext uri="{28A0092B-C50C-407E-A947-70E740481C1C}">
+                <a14:useLocalDpi xmlns:a14="http://schemas.microsoft.com/office/drawing/2010/main" val="0"/>
+              </a:ext>
+            </a:extLst>
+          </a:blip>
+          <a:srcRect/>
+          <a:stretch>
+            <a:fillRect/>
+          </a:stretch>
+        </p:blipFill>
+        <p:spPr bwMode="auto">
+          <a:xfrm>
+            <a:off x="7844730" y="5949280"/>
+            <a:ext cx="1047750" cy="895350"/>
+          </a:xfrm>
+          <a:prstGeom prst="rect">
+            <a:avLst/>
+          </a:prstGeom>
+          <a:noFill/>
+          <a:ln>
+            <a:noFill/>
+          </a:ln>
+          <a:extLst>
+            <a:ext uri="{909E8E84-426E-40DD-AFC4-6F175D3DCCD1}">
+              <a14:hiddenFill xmlns:a14="http://schemas.microsoft.com/office/drawing/2010/main">
+                <a:solidFill>
+                  <a:schemeClr val="accent1"/>
+                </a:solidFill>
+              </a14:hiddenFill>
+            </a:ext>
+            <a:ext uri="{91240B29-F687-4F45-9708-019B960494DF}">
+              <a14:hiddenLine xmlns:a14="http://schemas.microsoft.com/office/drawing/2010/main" w="9525">
+                <a:solidFill>
+                  <a:schemeClr val="tx1"/>
+                </a:solidFill>
+                <a:miter lim="800000"/>
+                <a:headEnd/>
+                <a:tailEnd/>
+              </a14:hiddenLine>
+            </a:ext>
+          </a:extLst>
+        </p:spPr>
+      </p:pic>
+      <p:sp>
+        <p:nvSpPr>
+          <p:cNvPr id="7" name="Elipse 6"/>
+          <p:cNvSpPr/>
+          <p:nvPr/>
+        </p:nvSpPr>
+        <p:spPr>
+          <a:xfrm>
+            <a:off x="7926880" y="5978776"/>
+            <a:ext cx="908340" cy="720080"/>
+          </a:xfrm>
+          <a:prstGeom prst="ellipse">
+            <a:avLst/>
+          </a:prstGeom>
+          <a:noFill/>
+          <a:ln>
+            <a:solidFill>
+              <a:schemeClr val="bg1">
+                <a:lumMod val="95000"/>
+              </a:schemeClr>
+            </a:solidFill>
+          </a:ln>
+          <a:effectLst>
+            <a:outerShdw blurRad="50800" dist="50800" dir="5400000" algn="ctr" rotWithShape="0">
+              <a:schemeClr val="tx1"/>
+            </a:outerShdw>
+          </a:effectLst>
+        </p:spPr>
+        <p:style>
+          <a:lnRef idx="2">
+            <a:schemeClr val="accent1">
+              <a:shade val="50000"/>
+            </a:schemeClr>
+          </a:lnRef>
+          <a:fillRef idx="1">
+            <a:schemeClr val="accent1"/>
+          </a:fillRef>
+          <a:effectRef idx="0">
+            <a:schemeClr val="accent1"/>
+          </a:effectRef>
+          <a:fontRef idx="minor">
+            <a:schemeClr val="lt1"/>
+          </a:fontRef>
+        </p:style>
+        <p:txBody>
+          <a:bodyPr rtlCol="0" anchor="ctr"/>
+          <a:lstStyle/>
+          <a:p>
+            <a:pPr algn="ctr"/>
+            <a:endParaRPr lang="pt-BR" dirty="0"/>
+          </a:p>
+        </p:txBody>
+      </p:sp>
+      <p:sp>
+        <p:nvSpPr>
+          <p:cNvPr id="8" name="Rectangle 1"/>
+          <p:cNvSpPr txBox="1">
+            <a:spLocks noChangeArrowheads="1"/>
+          </p:cNvSpPr>
+          <p:nvPr/>
+        </p:nvSpPr>
+        <p:spPr>
+          <a:xfrm>
+            <a:off x="-180528" y="34280"/>
+            <a:ext cx="9064625" cy="1255713"/>
+          </a:xfrm>
+          <a:prstGeom prst="rect">
+            <a:avLst/>
+          </a:prstGeom>
+        </p:spPr>
+        <p:txBody>
+          <a:bodyPr vert="horz" lIns="91440" tIns="45720" rIns="91440" bIns="45720" rtlCol="0" anchor="ctr">
+            <a:normAutofit/>
+          </a:bodyPr>
+          <a:lstStyle>
+            <a:lvl1pPr algn="ctr" defTabSz="914400" rtl="0" eaLnBrk="1" latinLnBrk="0" hangingPunct="1">
+              <a:spcBef>
+                <a:spcPct val="0"/>
+              </a:spcBef>
+              <a:buNone/>
+              <a:defRPr sz="4400" kern="1200">
+                <a:solidFill>
+                  <a:schemeClr val="tx1"/>
+                </a:solidFill>
+                <a:latin typeface="+mj-lt"/>
+                <a:ea typeface="+mj-ea"/>
+                <a:cs typeface="+mj-cs"/>
+              </a:defRPr>
+            </a:lvl1pPr>
+          </a:lstStyle>
+          <a:p>
+            <a:pPr>
+              <a:tabLst>
+                <a:tab pos="0" algn="l"/>
+                <a:tab pos="447675" algn="l"/>
+                <a:tab pos="896938" algn="l"/>
+                <a:tab pos="1346200" algn="l"/>
+                <a:tab pos="1795463" algn="l"/>
+                <a:tab pos="2244725" algn="l"/>
+                <a:tab pos="2693988" algn="l"/>
+                <a:tab pos="3143250" algn="l"/>
+                <a:tab pos="3592513" algn="l"/>
+                <a:tab pos="4041775" algn="l"/>
+                <a:tab pos="4491038" algn="l"/>
+                <a:tab pos="4940300" algn="l"/>
+                <a:tab pos="5389563" algn="l"/>
+                <a:tab pos="5838825" algn="l"/>
+                <a:tab pos="6288088" algn="l"/>
+                <a:tab pos="6737350" algn="l"/>
+                <a:tab pos="7186613" algn="l"/>
+                <a:tab pos="7635875" algn="l"/>
+                <a:tab pos="8085138" algn="l"/>
+                <a:tab pos="8534400" algn="l"/>
+                <a:tab pos="8983663" algn="l"/>
+              </a:tabLst>
+            </a:pPr>
+            <a:r>
+              <a:rPr lang="pt-BR" altLang="pt-BR" dirty="0" smtClean="0">
+                <a:solidFill>
+                  <a:srgbClr val="92D050"/>
+                </a:solidFill>
+                <a:latin typeface="Castellar" pitchFamily="18" charset="0"/>
+              </a:rPr>
+              <a:t>   </a:t>
+            </a:r>
+            <a:r>
+              <a:rPr lang="pt-BR" altLang="pt-BR" sz="5400" b="1" dirty="0" smtClean="0">
+                <a:ln w="17780" cmpd="sng">
+                  <a:solidFill>
+                    <a:srgbClr val="FFFFFF"/>
+                  </a:solidFill>
+                  <a:prstDash val="solid"/>
+                  <a:miter lim="800000"/>
+                </a:ln>
+                <a:gradFill rotWithShape="1">
+                  <a:gsLst>
+                    <a:gs pos="0">
+                      <a:srgbClr val="000000">
+                        <a:tint val="92000"/>
+                        <a:shade val="100000"/>
+                        <a:satMod val="150000"/>
+                      </a:srgbClr>
+                    </a:gs>
+                    <a:gs pos="49000">
+                      <a:srgbClr val="000000">
+                        <a:tint val="89000"/>
+                        <a:shade val="90000"/>
+                        <a:satMod val="150000"/>
+                      </a:srgbClr>
+                    </a:gs>
+                    <a:gs pos="50000">
+                      <a:srgbClr val="000000">
+                        <a:tint val="100000"/>
+                        <a:shade val="75000"/>
+                        <a:satMod val="150000"/>
+                      </a:srgbClr>
+                    </a:gs>
+                    <a:gs pos="95000">
+                      <a:srgbClr val="000000">
+                        <a:shade val="47000"/>
+                        <a:satMod val="150000"/>
+                      </a:srgbClr>
+                    </a:gs>
+                    <a:gs pos="100000">
+                      <a:srgbClr val="000000">
+                        <a:shade val="39000"/>
+                        <a:satMod val="150000"/>
+                      </a:srgbClr>
+                    </a:gs>
+                  </a:gsLst>
+                  <a:lin ang="5400000"/>
+                </a:gradFill>
+                <a:effectLst>
+                  <a:outerShdw blurRad="50800" algn="tl" rotWithShape="0">
+                    <a:srgbClr val="000000"/>
+                  </a:outerShdw>
+                </a:effectLst>
+                <a:latin typeface="+mn-lt"/>
+                <a:ea typeface="+mn-ea"/>
+                <a:cs typeface="+mn-cs"/>
+              </a:rPr>
+              <a:t>Arquitetura </a:t>
+            </a:r>
+            <a:r>
+              <a:rPr lang="pt-BR" altLang="pt-BR" sz="5400" b="1" dirty="0">
+                <a:ln w="17780" cmpd="sng">
+                  <a:solidFill>
+                    <a:srgbClr val="FFFFFF"/>
+                  </a:solidFill>
+                  <a:prstDash val="solid"/>
+                  <a:miter lim="800000"/>
+                </a:ln>
+                <a:gradFill rotWithShape="1">
+                  <a:gsLst>
+                    <a:gs pos="0">
+                      <a:srgbClr val="000000">
+                        <a:tint val="92000"/>
+                        <a:shade val="100000"/>
+                        <a:satMod val="150000"/>
+                      </a:srgbClr>
+                    </a:gs>
+                    <a:gs pos="49000">
+                      <a:srgbClr val="000000">
+                        <a:tint val="89000"/>
+                        <a:shade val="90000"/>
+                        <a:satMod val="150000"/>
+                      </a:srgbClr>
+                    </a:gs>
+                    <a:gs pos="50000">
+                      <a:srgbClr val="000000">
+                        <a:tint val="100000"/>
+                        <a:shade val="75000"/>
+                        <a:satMod val="150000"/>
+                      </a:srgbClr>
+                    </a:gs>
+                    <a:gs pos="95000">
+                      <a:srgbClr val="000000">
+                        <a:shade val="47000"/>
+                        <a:satMod val="150000"/>
+                      </a:srgbClr>
+                    </a:gs>
+                    <a:gs pos="100000">
+                      <a:srgbClr val="000000">
+                        <a:shade val="39000"/>
+                        <a:satMod val="150000"/>
+                      </a:srgbClr>
+                    </a:gs>
+                  </a:gsLst>
+                  <a:lin ang="5400000"/>
+                </a:gradFill>
+                <a:effectLst>
+                  <a:outerShdw blurRad="50800" algn="tl" rotWithShape="0">
+                    <a:srgbClr val="000000"/>
+                  </a:outerShdw>
+                </a:effectLst>
+                <a:latin typeface="+mn-lt"/>
+                <a:ea typeface="+mn-ea"/>
+                <a:cs typeface="+mn-cs"/>
+              </a:rPr>
+              <a:t>da IDE Intel </a:t>
+            </a:r>
+            <a:r>
+              <a:rPr lang="pt-BR" altLang="pt-BR" sz="5400" b="1" dirty="0" smtClean="0">
+                <a:ln w="17780" cmpd="sng">
+                  <a:solidFill>
+                    <a:srgbClr val="FFFFFF"/>
+                  </a:solidFill>
+                  <a:prstDash val="solid"/>
+                  <a:miter lim="800000"/>
+                </a:ln>
+                <a:gradFill rotWithShape="1">
+                  <a:gsLst>
+                    <a:gs pos="0">
+                      <a:srgbClr val="000000">
+                        <a:tint val="92000"/>
+                        <a:shade val="100000"/>
+                        <a:satMod val="150000"/>
+                      </a:srgbClr>
+                    </a:gs>
+                    <a:gs pos="49000">
+                      <a:srgbClr val="000000">
+                        <a:tint val="89000"/>
+                        <a:shade val="90000"/>
+                        <a:satMod val="150000"/>
+                      </a:srgbClr>
+                    </a:gs>
+                    <a:gs pos="50000">
+                      <a:srgbClr val="000000">
+                        <a:tint val="100000"/>
+                        <a:shade val="75000"/>
+                        <a:satMod val="150000"/>
+                      </a:srgbClr>
+                    </a:gs>
+                    <a:gs pos="95000">
+                      <a:srgbClr val="000000">
+                        <a:shade val="47000"/>
+                        <a:satMod val="150000"/>
+                      </a:srgbClr>
+                    </a:gs>
+                    <a:gs pos="100000">
+                      <a:srgbClr val="000000">
+                        <a:shade val="39000"/>
+                        <a:satMod val="150000"/>
+                      </a:srgbClr>
+                    </a:gs>
+                  </a:gsLst>
+                  <a:lin ang="5400000"/>
+                </a:gradFill>
+                <a:effectLst>
+                  <a:outerShdw blurRad="50800" algn="tl" rotWithShape="0">
+                    <a:srgbClr val="000000"/>
+                  </a:outerShdw>
+                </a:effectLst>
+                <a:latin typeface="+mn-lt"/>
+                <a:ea typeface="+mn-ea"/>
+                <a:cs typeface="+mn-cs"/>
+              </a:rPr>
+              <a:t>XDK</a:t>
+            </a:r>
+            <a:endParaRPr lang="pt-BR" altLang="pt-BR" sz="5400" b="1" dirty="0">
+              <a:ln w="17780" cmpd="sng">
+                <a:solidFill>
+                  <a:srgbClr val="FFFFFF"/>
+                </a:solidFill>
+                <a:prstDash val="solid"/>
+                <a:miter lim="800000"/>
+              </a:ln>
+              <a:gradFill rotWithShape="1">
+                <a:gsLst>
+                  <a:gs pos="0">
+                    <a:srgbClr val="000000">
+                      <a:tint val="92000"/>
+                      <a:shade val="100000"/>
+                      <a:satMod val="150000"/>
+                    </a:srgbClr>
+                  </a:gs>
+                  <a:gs pos="49000">
+                    <a:srgbClr val="000000">
+                      <a:tint val="89000"/>
+                      <a:shade val="90000"/>
+                      <a:satMod val="150000"/>
+                    </a:srgbClr>
+                  </a:gs>
+                  <a:gs pos="50000">
+                    <a:srgbClr val="000000">
+                      <a:tint val="100000"/>
+                      <a:shade val="75000"/>
+                      <a:satMod val="150000"/>
+                    </a:srgbClr>
+                  </a:gs>
+                  <a:gs pos="95000">
+                    <a:srgbClr val="000000">
+                      <a:shade val="47000"/>
+                      <a:satMod val="150000"/>
+                    </a:srgbClr>
+                  </a:gs>
+                  <a:gs pos="100000">
+                    <a:srgbClr val="000000">
+                      <a:shade val="39000"/>
+                      <a:satMod val="150000"/>
+                    </a:srgbClr>
+                  </a:gs>
+                </a:gsLst>
+                <a:lin ang="5400000"/>
+              </a:gradFill>
+              <a:effectLst>
+                <a:outerShdw blurRad="50800" algn="tl" rotWithShape="0">
+                  <a:srgbClr val="000000"/>
+                </a:outerShdw>
+              </a:effectLst>
+              <a:latin typeface="+mn-lt"/>
+              <a:ea typeface="+mn-ea"/>
+              <a:cs typeface="+mn-cs"/>
+            </a:endParaRPr>
+          </a:p>
+        </p:txBody>
+      </p:sp>
+    </p:spTree>
+    <p:extLst>
+      <p:ext uri="{BB962C8B-B14F-4D97-AF65-F5344CB8AC3E}">
+        <p14:creationId xmlns:p14="http://schemas.microsoft.com/office/powerpoint/2010/main" val="3245711294"/>
+      </p:ext>
+    </p:extLst>
+  </p:cSld>
+  <p:clrMapOvr>
+    <a:masterClrMapping/>
+  </p:clrMapOvr>
+  <p:timing>
+    <p:tnLst>
+      <p:par>
+        <p:cTn id="1" dur="indefinite" restart="never" nodeType="tmRoot">
+          <p:childTnLst>
+            <p:seq concurrent="1" nextAc="seek">
+              <p:cTn id="2" dur="indefinite" nodeType="mainSeq">
+                <p:childTnLst>
+                  <p:par>
+                    <p:cTn id="3" fill="hold">
+                      <p:stCondLst>
+                        <p:cond delay="indefinite"/>
+                      </p:stCondLst>
+                      <p:childTnLst>
+                        <p:par>
+                          <p:cTn id="4" fill="hold">
+                            <p:stCondLst>
+                              <p:cond delay="0"/>
+                            </p:stCondLst>
+                            <p:childTnLst>
+                              <p:par>
+                                <p:cTn id="5" presetID="20" presetClass="exit" presetSubtype="0" fill="hold" grpId="0" nodeType="clickEffect">
+                                  <p:stCondLst>
+                                    <p:cond delay="0"/>
+                                  </p:stCondLst>
+                                  <p:childTnLst>
+                                    <p:animEffect transition="out" filter="wedge">
+                                      <p:cBhvr>
+                                        <p:cTn id="6" dur="22000"/>
+                                        <p:tgtEl>
+                                          <p:spTgt spid="7"/>
+                                        </p:tgtEl>
+                                      </p:cBhvr>
+                                    </p:animEffect>
+                                    <p:set>
+                                      <p:cBhvr>
+                                        <p:cTn id="7" dur="1" fill="hold">
+                                          <p:stCondLst>
+                                            <p:cond delay="21999"/>
+                                          </p:stCondLst>
+                                        </p:cTn>
+                                        <p:tgtEl>
+                                          <p:spTgt spid="7"/>
+                                        </p:tgtEl>
+                                        <p:attrNameLst>
+                                          <p:attrName>style.visibility</p:attrName>
+                                        </p:attrNameLst>
+                                      </p:cBhvr>
+                                      <p:to>
+                                        <p:strVal val="hidden"/>
+                                      </p:to>
+                                    </p:set>
+                                  </p:childTnLst>
+                                </p:cTn>
+                              </p:par>
+                            </p:childTnLst>
+                          </p:cTn>
+                        </p:par>
+                      </p:childTnLst>
+                    </p:cTn>
+                  </p:par>
+                </p:childTnLst>
+              </p:cTn>
+              <p:prevCondLst>
+                <p:cond evt="onPrev" delay="0">
+                  <p:tgtEl>
+                    <p:sldTgt/>
+                  </p:tgtEl>
+                </p:cond>
+              </p:prevCondLst>
+              <p:nextCondLst>
+                <p:cond evt="onNext" delay="0">
+                  <p:tgtEl>
+                    <p:sldTgt/>
+                  </p:tgtEl>
+                </p:cond>
+              </p:nextCondLst>
+            </p:seq>
+          </p:childTnLst>
+        </p:cTn>
+      </p:par>
+    </p:tnLst>
+    <p:bldLst>
+      <p:bldP spid="7" grpId="0" animBg="1"/>
+    </p:bldLst>
+  </p:timing>
+</p:sld>
+</file>
+
+<file path=ppt/slides/slide4.xml><?xml version="1.0" encoding="utf-8"?>
+<p:sld xmlns:a="http://schemas.openxmlformats.org/drawingml/2006/main" xmlns:r="http://schemas.openxmlformats.org/officeDocument/2006/relationships" xmlns:p="http://schemas.openxmlformats.org/presentationml/2006/main">
+  <p:cSld>
+    <p:spTree>
+      <p:nvGrpSpPr>
+        <p:cNvPr id="1" name=""/>
+        <p:cNvGrpSpPr/>
+        <p:nvPr/>
+      </p:nvGrpSpPr>
+      <p:grpSpPr>
+        <a:xfrm>
+          <a:off x="0" y="0"/>
+          <a:ext cx="0" cy="0"/>
+          <a:chOff x="0" y="0"/>
+          <a:chExt cx="0" cy="0"/>
+        </a:xfrm>
+      </p:grpSpPr>
+      <p:pic>
+        <p:nvPicPr>
+          <p:cNvPr id="6" name="Picture 3"/>
+          <p:cNvPicPr>
+            <a:picLocks noChangeAspect="1" noChangeArrowheads="1"/>
+          </p:cNvPicPr>
+          <p:nvPr/>
+        </p:nvPicPr>
+        <p:blipFill>
+          <a:blip r:embed="rId2">
+            <a:extLst>
+              <a:ext uri="{28A0092B-C50C-407E-A947-70E740481C1C}">
+                <a14:useLocalDpi xmlns:a14="http://schemas.microsoft.com/office/drawing/2010/main" val="0"/>
+              </a:ext>
+            </a:extLst>
+          </a:blip>
+          <a:srcRect/>
+          <a:stretch>
+            <a:fillRect/>
+          </a:stretch>
+        </p:blipFill>
+        <p:spPr bwMode="auto">
+          <a:xfrm>
+            <a:off x="7844730" y="5949280"/>
+            <a:ext cx="1047750" cy="895350"/>
+          </a:xfrm>
+          <a:prstGeom prst="rect">
+            <a:avLst/>
+          </a:prstGeom>
+          <a:noFill/>
+          <a:ln>
+            <a:noFill/>
+          </a:ln>
+          <a:extLst>
+            <a:ext uri="{909E8E84-426E-40DD-AFC4-6F175D3DCCD1}">
+              <a14:hiddenFill xmlns:a14="http://schemas.microsoft.com/office/drawing/2010/main">
+                <a:solidFill>
+                  <a:schemeClr val="accent1"/>
+                </a:solidFill>
+              </a14:hiddenFill>
+            </a:ext>
+            <a:ext uri="{91240B29-F687-4F45-9708-019B960494DF}">
+              <a14:hiddenLine xmlns:a14="http://schemas.microsoft.com/office/drawing/2010/main" w="9525">
+                <a:solidFill>
+                  <a:schemeClr val="tx1"/>
+                </a:solidFill>
+                <a:miter lim="800000"/>
+                <a:headEnd/>
+                <a:tailEnd/>
+              </a14:hiddenLine>
+            </a:ext>
+          </a:extLst>
+        </p:spPr>
+      </p:pic>
+      <p:sp>
+        <p:nvSpPr>
+          <p:cNvPr id="7" name="Elipse 6"/>
+          <p:cNvSpPr/>
+          <p:nvPr/>
+        </p:nvSpPr>
+        <p:spPr>
+          <a:xfrm>
+            <a:off x="7926880" y="5978776"/>
+            <a:ext cx="908340" cy="720080"/>
+          </a:xfrm>
+          <a:prstGeom prst="ellipse">
+            <a:avLst/>
+          </a:prstGeom>
+          <a:noFill/>
+          <a:ln>
+            <a:solidFill>
+              <a:schemeClr val="bg1">
+                <a:lumMod val="95000"/>
+              </a:schemeClr>
+            </a:solidFill>
+          </a:ln>
+          <a:effectLst>
+            <a:outerShdw blurRad="50800" dist="50800" dir="5400000" algn="ctr" rotWithShape="0">
+              <a:schemeClr val="tx1"/>
+            </a:outerShdw>
+          </a:effectLst>
+        </p:spPr>
+        <p:style>
+          <a:lnRef idx="2">
+            <a:schemeClr val="accent1">
+              <a:shade val="50000"/>
+            </a:schemeClr>
+          </a:lnRef>
+          <a:fillRef idx="1">
+            <a:schemeClr val="accent1"/>
+          </a:fillRef>
+          <a:effectRef idx="0">
+            <a:schemeClr val="accent1"/>
+          </a:effectRef>
+          <a:fontRef idx="minor">
+            <a:schemeClr val="lt1"/>
+          </a:fontRef>
+        </p:style>
+        <p:txBody>
+          <a:bodyPr rtlCol="0" anchor="ctr"/>
+          <a:lstStyle/>
+          <a:p>
+            <a:pPr algn="ctr"/>
+            <a:endParaRPr lang="pt-BR" dirty="0"/>
+          </a:p>
+        </p:txBody>
+      </p:sp>
+      <p:sp>
+        <p:nvSpPr>
+          <p:cNvPr id="8" name="Rectangle 1"/>
+          <p:cNvSpPr txBox="1">
+            <a:spLocks noChangeArrowheads="1"/>
+          </p:cNvSpPr>
+          <p:nvPr/>
+        </p:nvSpPr>
+        <p:spPr>
+          <a:xfrm>
+            <a:off x="-180528" y="34280"/>
+            <a:ext cx="9064625" cy="1255713"/>
+          </a:xfrm>
+          <a:prstGeom prst="rect">
+            <a:avLst/>
+          </a:prstGeom>
+        </p:spPr>
+        <p:txBody>
+          <a:bodyPr vert="horz" lIns="91440" tIns="45720" rIns="91440" bIns="45720" rtlCol="0" anchor="ctr">
+            <a:normAutofit/>
+          </a:bodyPr>
+          <a:lstStyle>
+            <a:lvl1pPr algn="ctr" defTabSz="914400" rtl="0" eaLnBrk="1" latinLnBrk="0" hangingPunct="1">
+              <a:spcBef>
+                <a:spcPct val="0"/>
+              </a:spcBef>
+              <a:buNone/>
+              <a:defRPr sz="4400" kern="1200">
+                <a:solidFill>
+                  <a:schemeClr val="tx1"/>
+                </a:solidFill>
+                <a:latin typeface="+mj-lt"/>
+                <a:ea typeface="+mj-ea"/>
+                <a:cs typeface="+mj-cs"/>
+              </a:defRPr>
+            </a:lvl1pPr>
+          </a:lstStyle>
+          <a:p>
+            <a:pPr>
+              <a:tabLst>
+                <a:tab pos="0" algn="l"/>
+                <a:tab pos="447675" algn="l"/>
+                <a:tab pos="896938" algn="l"/>
+                <a:tab pos="1346200" algn="l"/>
+                <a:tab pos="1795463" algn="l"/>
+                <a:tab pos="2244725" algn="l"/>
+                <a:tab pos="2693988" algn="l"/>
+                <a:tab pos="3143250" algn="l"/>
+                <a:tab pos="3592513" algn="l"/>
+                <a:tab pos="4041775" algn="l"/>
+                <a:tab pos="4491038" algn="l"/>
+                <a:tab pos="4940300" algn="l"/>
+                <a:tab pos="5389563" algn="l"/>
+                <a:tab pos="5838825" algn="l"/>
+                <a:tab pos="6288088" algn="l"/>
+                <a:tab pos="6737350" algn="l"/>
+                <a:tab pos="7186613" algn="l"/>
+                <a:tab pos="7635875" algn="l"/>
+                <a:tab pos="8085138" algn="l"/>
+                <a:tab pos="8534400" algn="l"/>
+                <a:tab pos="8983663" algn="l"/>
+              </a:tabLst>
+            </a:pPr>
+            <a:r>
+              <a:rPr lang="pt-BR" altLang="pt-BR" dirty="0" smtClean="0">
+                <a:solidFill>
+                  <a:srgbClr val="92D050"/>
+                </a:solidFill>
+                <a:latin typeface="Castellar" pitchFamily="18" charset="0"/>
+              </a:rPr>
+              <a:t>   </a:t>
+            </a:r>
+            <a:r>
+              <a:rPr lang="pt-BR" altLang="pt-BR" sz="5400" b="1" dirty="0" err="1" smtClean="0">
+                <a:ln w="17780" cmpd="sng">
+                  <a:solidFill>
+                    <a:srgbClr val="FFFFFF"/>
+                  </a:solidFill>
+                  <a:prstDash val="solid"/>
+                  <a:miter lim="800000"/>
+                </a:ln>
+                <a:gradFill rotWithShape="1">
+                  <a:gsLst>
+                    <a:gs pos="0">
+                      <a:srgbClr val="000000">
+                        <a:tint val="92000"/>
+                        <a:shade val="100000"/>
+                        <a:satMod val="150000"/>
+                      </a:srgbClr>
+                    </a:gs>
+                    <a:gs pos="49000">
+                      <a:srgbClr val="000000">
+                        <a:tint val="89000"/>
+                        <a:shade val="90000"/>
+                        <a:satMod val="150000"/>
+                      </a:srgbClr>
+                    </a:gs>
+                    <a:gs pos="50000">
+                      <a:srgbClr val="000000">
+                        <a:tint val="100000"/>
+                        <a:shade val="75000"/>
+                        <a:satMod val="150000"/>
+                      </a:srgbClr>
+                    </a:gs>
+                    <a:gs pos="95000">
+                      <a:srgbClr val="000000">
+                        <a:shade val="47000"/>
+                        <a:satMod val="150000"/>
+                      </a:srgbClr>
+                    </a:gs>
+                    <a:gs pos="100000">
+                      <a:srgbClr val="000000">
+                        <a:shade val="39000"/>
+                        <a:satMod val="150000"/>
+                      </a:srgbClr>
+                    </a:gs>
+                  </a:gsLst>
+                  <a:lin ang="5400000"/>
+                </a:gradFill>
+                <a:effectLst>
+                  <a:outerShdw blurRad="50800" algn="tl" rotWithShape="0">
+                    <a:srgbClr val="000000"/>
+                  </a:outerShdw>
+                </a:effectLst>
+                <a:latin typeface="+mn-lt"/>
+                <a:ea typeface="+mn-ea"/>
+                <a:cs typeface="+mn-cs"/>
+              </a:rPr>
+              <a:t>App</a:t>
+            </a:r>
+            <a:r>
+              <a:rPr lang="pt-BR" altLang="pt-BR" sz="5400" b="1" dirty="0" smtClean="0">
+                <a:ln w="17780" cmpd="sng">
+                  <a:solidFill>
+                    <a:srgbClr val="FFFFFF"/>
+                  </a:solidFill>
+                  <a:prstDash val="solid"/>
+                  <a:miter lim="800000"/>
+                </a:ln>
+                <a:gradFill rotWithShape="1">
+                  <a:gsLst>
+                    <a:gs pos="0">
+                      <a:srgbClr val="000000">
+                        <a:tint val="92000"/>
+                        <a:shade val="100000"/>
+                        <a:satMod val="150000"/>
+                      </a:srgbClr>
+                    </a:gs>
+                    <a:gs pos="49000">
+                      <a:srgbClr val="000000">
+                        <a:tint val="89000"/>
+                        <a:shade val="90000"/>
+                        <a:satMod val="150000"/>
+                      </a:srgbClr>
+                    </a:gs>
+                    <a:gs pos="50000">
+                      <a:srgbClr val="000000">
+                        <a:tint val="100000"/>
+                        <a:shade val="75000"/>
+                        <a:satMod val="150000"/>
+                      </a:srgbClr>
+                    </a:gs>
+                    <a:gs pos="95000">
+                      <a:srgbClr val="000000">
+                        <a:shade val="47000"/>
+                        <a:satMod val="150000"/>
+                      </a:srgbClr>
+                    </a:gs>
+                    <a:gs pos="100000">
+                      <a:srgbClr val="000000">
+                        <a:shade val="39000"/>
+                        <a:satMod val="150000"/>
+                      </a:srgbClr>
+                    </a:gs>
+                  </a:gsLst>
+                  <a:lin ang="5400000"/>
+                </a:gradFill>
+                <a:effectLst>
+                  <a:outerShdw blurRad="50800" algn="tl" rotWithShape="0">
+                    <a:srgbClr val="000000"/>
+                  </a:outerShdw>
+                </a:effectLst>
+                <a:latin typeface="+mn-lt"/>
+                <a:ea typeface="+mn-ea"/>
+                <a:cs typeface="+mn-cs"/>
+              </a:rPr>
+              <a:t> </a:t>
+            </a:r>
+            <a:r>
+              <a:rPr lang="pt-BR" altLang="pt-BR" sz="5400" b="1" dirty="0" err="1">
+                <a:ln w="17780" cmpd="sng">
+                  <a:solidFill>
+                    <a:srgbClr val="FFFFFF"/>
+                  </a:solidFill>
+                  <a:prstDash val="solid"/>
+                  <a:miter lim="800000"/>
+                </a:ln>
+                <a:gradFill rotWithShape="1">
+                  <a:gsLst>
+                    <a:gs pos="0">
+                      <a:srgbClr val="000000">
+                        <a:tint val="92000"/>
+                        <a:shade val="100000"/>
+                        <a:satMod val="150000"/>
+                      </a:srgbClr>
+                    </a:gs>
+                    <a:gs pos="49000">
+                      <a:srgbClr val="000000">
+                        <a:tint val="89000"/>
+                        <a:shade val="90000"/>
+                        <a:satMod val="150000"/>
+                      </a:srgbClr>
+                    </a:gs>
+                    <a:gs pos="50000">
+                      <a:srgbClr val="000000">
+                        <a:tint val="100000"/>
+                        <a:shade val="75000"/>
+                        <a:satMod val="150000"/>
+                      </a:srgbClr>
+                    </a:gs>
+                    <a:gs pos="95000">
+                      <a:srgbClr val="000000">
+                        <a:shade val="47000"/>
+                        <a:satMod val="150000"/>
+                      </a:srgbClr>
+                    </a:gs>
+                    <a:gs pos="100000">
+                      <a:srgbClr val="000000">
+                        <a:shade val="39000"/>
+                        <a:satMod val="150000"/>
+                      </a:srgbClr>
+                    </a:gs>
+                  </a:gsLst>
+                  <a:lin ang="5400000"/>
+                </a:gradFill>
+                <a:effectLst>
+                  <a:outerShdw blurRad="50800" algn="tl" rotWithShape="0">
+                    <a:srgbClr val="000000"/>
+                  </a:outerShdw>
+                </a:effectLst>
+                <a:latin typeface="+mn-lt"/>
+                <a:ea typeface="+mn-ea"/>
+                <a:cs typeface="+mn-cs"/>
+              </a:rPr>
+              <a:t>Preview</a:t>
+            </a:r>
+            <a:r>
+              <a:rPr lang="pt-BR" altLang="pt-BR" sz="5400" b="1" dirty="0">
+                <a:ln w="17780" cmpd="sng">
+                  <a:solidFill>
+                    <a:srgbClr val="FFFFFF"/>
+                  </a:solidFill>
+                  <a:prstDash val="solid"/>
+                  <a:miter lim="800000"/>
+                </a:ln>
+                <a:gradFill rotWithShape="1">
+                  <a:gsLst>
+                    <a:gs pos="0">
+                      <a:srgbClr val="000000">
+                        <a:tint val="92000"/>
+                        <a:shade val="100000"/>
+                        <a:satMod val="150000"/>
+                      </a:srgbClr>
+                    </a:gs>
+                    <a:gs pos="49000">
+                      <a:srgbClr val="000000">
+                        <a:tint val="89000"/>
+                        <a:shade val="90000"/>
+                        <a:satMod val="150000"/>
+                      </a:srgbClr>
+                    </a:gs>
+                    <a:gs pos="50000">
+                      <a:srgbClr val="000000">
+                        <a:tint val="100000"/>
+                        <a:shade val="75000"/>
+                        <a:satMod val="150000"/>
+                      </a:srgbClr>
+                    </a:gs>
+                    <a:gs pos="95000">
+                      <a:srgbClr val="000000">
+                        <a:shade val="47000"/>
+                        <a:satMod val="150000"/>
+                      </a:srgbClr>
+                    </a:gs>
+                    <a:gs pos="100000">
+                      <a:srgbClr val="000000">
+                        <a:shade val="39000"/>
+                        <a:satMod val="150000"/>
+                      </a:srgbClr>
+                    </a:gs>
+                  </a:gsLst>
+                  <a:lin ang="5400000"/>
+                </a:gradFill>
+                <a:effectLst>
+                  <a:outerShdw blurRad="50800" algn="tl" rotWithShape="0">
+                    <a:srgbClr val="000000"/>
+                  </a:outerShdw>
+                </a:effectLst>
+                <a:latin typeface="+mn-lt"/>
+                <a:ea typeface="+mn-ea"/>
+                <a:cs typeface="+mn-cs"/>
+              </a:rPr>
+              <a:t> – </a:t>
+            </a:r>
+            <a:r>
+              <a:rPr lang="pt-BR" altLang="pt-BR" sz="5400" b="1" dirty="0" smtClean="0">
+                <a:ln w="17780" cmpd="sng">
+                  <a:solidFill>
+                    <a:srgbClr val="FFFFFF"/>
+                  </a:solidFill>
+                  <a:prstDash val="solid"/>
+                  <a:miter lim="800000"/>
+                </a:ln>
+                <a:gradFill rotWithShape="1">
+                  <a:gsLst>
+                    <a:gs pos="0">
+                      <a:srgbClr val="000000">
+                        <a:tint val="92000"/>
+                        <a:shade val="100000"/>
+                        <a:satMod val="150000"/>
+                      </a:srgbClr>
+                    </a:gs>
+                    <a:gs pos="49000">
+                      <a:srgbClr val="000000">
+                        <a:tint val="89000"/>
+                        <a:shade val="90000"/>
+                        <a:satMod val="150000"/>
+                      </a:srgbClr>
+                    </a:gs>
+                    <a:gs pos="50000">
+                      <a:srgbClr val="000000">
+                        <a:tint val="100000"/>
+                        <a:shade val="75000"/>
+                        <a:satMod val="150000"/>
+                      </a:srgbClr>
+                    </a:gs>
+                    <a:gs pos="95000">
+                      <a:srgbClr val="000000">
+                        <a:shade val="47000"/>
+                        <a:satMod val="150000"/>
+                      </a:srgbClr>
+                    </a:gs>
+                    <a:gs pos="100000">
+                      <a:srgbClr val="000000">
+                        <a:shade val="39000"/>
+                        <a:satMod val="150000"/>
+                      </a:srgbClr>
+                    </a:gs>
+                  </a:gsLst>
+                  <a:lin ang="5400000"/>
+                </a:gradFill>
+                <a:effectLst>
+                  <a:outerShdw blurRad="50800" algn="tl" rotWithShape="0">
+                    <a:srgbClr val="000000"/>
+                  </a:outerShdw>
+                </a:effectLst>
+                <a:latin typeface="+mn-lt"/>
+                <a:ea typeface="+mn-ea"/>
+                <a:cs typeface="+mn-cs"/>
+              </a:rPr>
+              <a:t>arquitetura</a:t>
+            </a:r>
+            <a:endParaRPr lang="pt-BR" altLang="pt-BR" sz="5400" b="1" dirty="0">
+              <a:ln w="17780" cmpd="sng">
+                <a:solidFill>
+                  <a:srgbClr val="FFFFFF"/>
+                </a:solidFill>
+                <a:prstDash val="solid"/>
+                <a:miter lim="800000"/>
+              </a:ln>
+              <a:gradFill rotWithShape="1">
+                <a:gsLst>
+                  <a:gs pos="0">
+                    <a:srgbClr val="000000">
+                      <a:tint val="92000"/>
+                      <a:shade val="100000"/>
+                      <a:satMod val="150000"/>
+                    </a:srgbClr>
+                  </a:gs>
+                  <a:gs pos="49000">
+                    <a:srgbClr val="000000">
+                      <a:tint val="89000"/>
+                      <a:shade val="90000"/>
+                      <a:satMod val="150000"/>
+                    </a:srgbClr>
+                  </a:gs>
+                  <a:gs pos="50000">
+                    <a:srgbClr val="000000">
+                      <a:tint val="100000"/>
+                      <a:shade val="75000"/>
+                      <a:satMod val="150000"/>
+                    </a:srgbClr>
+                  </a:gs>
+                  <a:gs pos="95000">
+                    <a:srgbClr val="000000">
+                      <a:shade val="47000"/>
+                      <a:satMod val="150000"/>
+                    </a:srgbClr>
+                  </a:gs>
+                  <a:gs pos="100000">
+                    <a:srgbClr val="000000">
+                      <a:shade val="39000"/>
+                      <a:satMod val="150000"/>
+                    </a:srgbClr>
+                  </a:gs>
+                </a:gsLst>
+                <a:lin ang="5400000"/>
+              </a:gradFill>
+              <a:effectLst>
+                <a:outerShdw blurRad="50800" algn="tl" rotWithShape="0">
+                  <a:srgbClr val="000000"/>
+                </a:outerShdw>
+              </a:effectLst>
+              <a:latin typeface="+mn-lt"/>
+              <a:ea typeface="+mn-ea"/>
+              <a:cs typeface="+mn-cs"/>
+            </a:endParaRPr>
+          </a:p>
+        </p:txBody>
+      </p:sp>
+      <p:pic>
+        <p:nvPicPr>
+          <p:cNvPr id="3074" name="Picture 2"/>
+          <p:cNvPicPr>
+            <a:picLocks noChangeAspect="1" noChangeArrowheads="1"/>
+          </p:cNvPicPr>
+          <p:nvPr/>
+        </p:nvPicPr>
+        <p:blipFill>
+          <a:blip r:embed="rId3">
+            <a:extLst>
+              <a:ext uri="{28A0092B-C50C-407E-A947-70E740481C1C}">
+                <a14:useLocalDpi xmlns:a14="http://schemas.microsoft.com/office/drawing/2010/main" val="0"/>
+              </a:ext>
+            </a:extLst>
+          </a:blip>
+          <a:srcRect/>
+          <a:stretch>
+            <a:fillRect/>
+          </a:stretch>
+        </p:blipFill>
+        <p:spPr bwMode="auto">
+          <a:xfrm>
+            <a:off x="611560" y="1484784"/>
+            <a:ext cx="7926880" cy="4219575"/>
+          </a:xfrm>
+          <a:prstGeom prst="rect">
+            <a:avLst/>
+          </a:prstGeom>
+          <a:noFill/>
+          <a:ln>
+            <a:noFill/>
+          </a:ln>
+          <a:extLst>
+            <a:ext uri="{909E8E84-426E-40DD-AFC4-6F175D3DCCD1}">
+              <a14:hiddenFill xmlns:a14="http://schemas.microsoft.com/office/drawing/2010/main">
+                <a:solidFill>
+                  <a:schemeClr val="accent1"/>
+                </a:solidFill>
+              </a14:hiddenFill>
+            </a:ext>
+            <a:ext uri="{91240B29-F687-4F45-9708-019B960494DF}">
+              <a14:hiddenLine xmlns:a14="http://schemas.microsoft.com/office/drawing/2010/main" w="9525">
+                <a:solidFill>
+                  <a:schemeClr val="tx1"/>
+                </a:solidFill>
+                <a:miter lim="800000"/>
+                <a:headEnd/>
+                <a:tailEnd/>
+              </a14:hiddenLine>
+            </a:ext>
+          </a:extLst>
+        </p:spPr>
+      </p:pic>
+    </p:spTree>
+    <p:extLst>
+      <p:ext uri="{BB962C8B-B14F-4D97-AF65-F5344CB8AC3E}">
+        <p14:creationId xmlns:p14="http://schemas.microsoft.com/office/powerpoint/2010/main" val="1484176838"/>
+      </p:ext>
+    </p:extLst>
+  </p:cSld>
+  <p:clrMapOvr>
+    <a:masterClrMapping/>
+  </p:clrMapOvr>
+  <p:timing>
+    <p:tnLst>
+      <p:par>
+        <p:cTn id="1" dur="indefinite" restart="never" nodeType="tmRoot">
+          <p:childTnLst>
+            <p:seq concurrent="1" nextAc="seek">
+              <p:cTn id="2" dur="indefinite" nodeType="mainSeq">
+                <p:childTnLst>
+                  <p:par>
+                    <p:cTn id="3" fill="hold">
+                      <p:stCondLst>
+                        <p:cond delay="indefinite"/>
+                      </p:stCondLst>
+                      <p:childTnLst>
+                        <p:par>
+                          <p:cTn id="4" fill="hold">
+                            <p:stCondLst>
+                              <p:cond delay="0"/>
+                            </p:stCondLst>
+                            <p:childTnLst>
+                              <p:par>
+                                <p:cTn id="5" presetID="20" presetClass="exit" presetSubtype="0" fill="hold" grpId="0" nodeType="clickEffect">
+                                  <p:stCondLst>
+                                    <p:cond delay="0"/>
+                                  </p:stCondLst>
+                                  <p:childTnLst>
+                                    <p:animEffect transition="out" filter="wedge">
+                                      <p:cBhvr>
+                                        <p:cTn id="6" dur="22000"/>
+                                        <p:tgtEl>
+                                          <p:spTgt spid="7"/>
+                                        </p:tgtEl>
+                                      </p:cBhvr>
+                                    </p:animEffect>
+                                    <p:set>
+                                      <p:cBhvr>
+                                        <p:cTn id="7" dur="1" fill="hold">
+                                          <p:stCondLst>
+                                            <p:cond delay="21999"/>
+                                          </p:stCondLst>
+                                        </p:cTn>
+                                        <p:tgtEl>
+                                          <p:spTgt spid="7"/>
+                                        </p:tgtEl>
+                                        <p:attrNameLst>
+                                          <p:attrName>style.visibility</p:attrName>
+                                        </p:attrNameLst>
+                                      </p:cBhvr>
+                                      <p:to>
+                                        <p:strVal val="hidden"/>
+                                      </p:to>
+                                    </p:set>
+                                  </p:childTnLst>
+                                </p:cTn>
+                              </p:par>
+                            </p:childTnLst>
+                          </p:cTn>
+                        </p:par>
+                      </p:childTnLst>
+                    </p:cTn>
+                  </p:par>
+                </p:childTnLst>
+              </p:cTn>
+              <p:prevCondLst>
+                <p:cond evt="onPrev" delay="0">
+                  <p:tgtEl>
+                    <p:sldTgt/>
+                  </p:tgtEl>
+                </p:cond>
+              </p:prevCondLst>
+              <p:nextCondLst>
+                <p:cond evt="onNext" delay="0">
+                  <p:tgtEl>
+                    <p:sldTgt/>
+                  </p:tgtEl>
+                </p:cond>
+              </p:nextCondLst>
+            </p:seq>
+          </p:childTnLst>
+        </p:cTn>
+      </p:par>
+    </p:tnLst>
+    <p:bldLst>
+      <p:bldP spid="7" grpId="0" animBg="1"/>
+    </p:bldLst>
+  </p:timing>
+</p:sld>
+</file>
+
+<file path=ppt/slides/slide5.xml><?xml version="1.0" encoding="utf-8"?>
+<p:sld xmlns:a="http://schemas.openxmlformats.org/drawingml/2006/main" xmlns:r="http://schemas.openxmlformats.org/officeDocument/2006/relationships" xmlns:p="http://schemas.openxmlformats.org/presentationml/2006/main">
+  <p:cSld>
+    <p:spTree>
+      <p:nvGrpSpPr>
+        <p:cNvPr id="1" name=""/>
+        <p:cNvGrpSpPr/>
+        <p:nvPr/>
+      </p:nvGrpSpPr>
+      <p:grpSpPr>
+        <a:xfrm>
+          <a:off x="0" y="0"/>
+          <a:ext cx="0" cy="0"/>
+          <a:chOff x="0" y="0"/>
+          <a:chExt cx="0" cy="0"/>
+        </a:xfrm>
+      </p:grpSpPr>
+      <p:pic>
+        <p:nvPicPr>
+          <p:cNvPr id="13" name="Picture 3"/>
+          <p:cNvPicPr>
+            <a:picLocks noChangeAspect="1" noChangeArrowheads="1"/>
+          </p:cNvPicPr>
+          <p:nvPr/>
+        </p:nvPicPr>
+        <p:blipFill>
+          <a:blip r:embed="rId2">
+            <a:extLst>
+              <a:ext uri="{28A0092B-C50C-407E-A947-70E740481C1C}">
+                <a14:useLocalDpi xmlns:a14="http://schemas.microsoft.com/office/drawing/2010/main" val="0"/>
+              </a:ext>
+            </a:extLst>
+          </a:blip>
+          <a:srcRect/>
+          <a:stretch>
+            <a:fillRect/>
+          </a:stretch>
+        </p:blipFill>
+        <p:spPr bwMode="auto">
+          <a:xfrm>
+            <a:off x="7844730" y="5949280"/>
+            <a:ext cx="1047750" cy="895350"/>
+          </a:xfrm>
+          <a:prstGeom prst="rect">
+            <a:avLst/>
+          </a:prstGeom>
+          <a:noFill/>
+          <a:ln>
+            <a:noFill/>
+          </a:ln>
+          <a:extLst>
+            <a:ext uri="{909E8E84-426E-40DD-AFC4-6F175D3DCCD1}">
+              <a14:hiddenFill xmlns:a14="http://schemas.microsoft.com/office/drawing/2010/main">
+                <a:solidFill>
+                  <a:schemeClr val="accent1"/>
+                </a:solidFill>
+              </a14:hiddenFill>
+            </a:ext>
+            <a:ext uri="{91240B29-F687-4F45-9708-019B960494DF}">
+              <a14:hiddenLine xmlns:a14="http://schemas.microsoft.com/office/drawing/2010/main" w="9525">
+                <a:solidFill>
+                  <a:schemeClr val="tx1"/>
+                </a:solidFill>
+                <a:miter lim="800000"/>
+                <a:headEnd/>
+                <a:tailEnd/>
+              </a14:hiddenLine>
+            </a:ext>
+          </a:extLst>
+        </p:spPr>
+      </p:pic>
+      <p:sp>
+        <p:nvSpPr>
+          <p:cNvPr id="6" name="Rectangle 1"/>
+          <p:cNvSpPr txBox="1">
+            <a:spLocks noChangeArrowheads="1"/>
+          </p:cNvSpPr>
+          <p:nvPr/>
+        </p:nvSpPr>
+        <p:spPr>
+          <a:xfrm>
+            <a:off x="45787" y="28863"/>
+            <a:ext cx="9064625" cy="1255713"/>
+          </a:xfrm>
+          <a:prstGeom prst="rect">
+            <a:avLst/>
+          </a:prstGeom>
+        </p:spPr>
+        <p:txBody>
+          <a:bodyPr vert="horz" lIns="91440" tIns="45720" rIns="91440" bIns="45720" rtlCol="0" anchor="ctr">
+            <a:normAutofit/>
+          </a:bodyPr>
+          <a:lstStyle>
+            <a:lvl1pPr algn="ctr" defTabSz="914400" rtl="0" eaLnBrk="1" latinLnBrk="0" hangingPunct="1">
+              <a:spcBef>
+                <a:spcPct val="0"/>
+              </a:spcBef>
+              <a:buNone/>
+              <a:defRPr sz="4400" kern="1200">
+                <a:solidFill>
+                  <a:schemeClr val="tx1"/>
+                </a:solidFill>
+                <a:latin typeface="+mj-lt"/>
+                <a:ea typeface="+mj-ea"/>
+                <a:cs typeface="+mj-cs"/>
+              </a:defRPr>
+            </a:lvl1pPr>
+          </a:lstStyle>
+          <a:p>
+            <a:pPr>
+              <a:tabLst>
+                <a:tab pos="0" algn="l"/>
+                <a:tab pos="447675" algn="l"/>
+                <a:tab pos="896938" algn="l"/>
+                <a:tab pos="1346200" algn="l"/>
+                <a:tab pos="1795463" algn="l"/>
+                <a:tab pos="2244725" algn="l"/>
+                <a:tab pos="2693988" algn="l"/>
+                <a:tab pos="3143250" algn="l"/>
+                <a:tab pos="3592513" algn="l"/>
+                <a:tab pos="4041775" algn="l"/>
+                <a:tab pos="4491038" algn="l"/>
+                <a:tab pos="4940300" algn="l"/>
+                <a:tab pos="5389563" algn="l"/>
+                <a:tab pos="5838825" algn="l"/>
+                <a:tab pos="6288088" algn="l"/>
+                <a:tab pos="6737350" algn="l"/>
+                <a:tab pos="7186613" algn="l"/>
+                <a:tab pos="7635875" algn="l"/>
+                <a:tab pos="8085138" algn="l"/>
+                <a:tab pos="8534400" algn="l"/>
+                <a:tab pos="8983663" algn="l"/>
+              </a:tabLst>
+            </a:pPr>
+            <a:r>
+              <a:rPr lang="pt-BR" altLang="pt-BR" dirty="0" smtClean="0">
+                <a:solidFill>
+                  <a:srgbClr val="92D050"/>
+                </a:solidFill>
+                <a:latin typeface="Castellar" pitchFamily="18" charset="0"/>
+              </a:rPr>
+              <a:t>   </a:t>
+            </a:r>
+            <a:r>
+              <a:rPr lang="pt-BR" altLang="pt-BR" sz="5400" b="1" dirty="0" smtClean="0">
+                <a:ln w="17780" cmpd="sng">
+                  <a:solidFill>
+                    <a:srgbClr val="FFFFFF"/>
+                  </a:solidFill>
+                  <a:prstDash val="solid"/>
+                  <a:miter lim="800000"/>
+                </a:ln>
+                <a:gradFill rotWithShape="1">
+                  <a:gsLst>
+                    <a:gs pos="0">
+                      <a:srgbClr val="000000">
+                        <a:tint val="92000"/>
+                        <a:shade val="100000"/>
+                        <a:satMod val="150000"/>
+                      </a:srgbClr>
+                    </a:gs>
+                    <a:gs pos="49000">
+                      <a:srgbClr val="000000">
+                        <a:tint val="89000"/>
+                        <a:shade val="90000"/>
+                        <a:satMod val="150000"/>
+                      </a:srgbClr>
+                    </a:gs>
+                    <a:gs pos="50000">
+                      <a:srgbClr val="000000">
+                        <a:tint val="100000"/>
+                        <a:shade val="75000"/>
+                        <a:satMod val="150000"/>
+                      </a:srgbClr>
+                    </a:gs>
+                    <a:gs pos="95000">
+                      <a:srgbClr val="000000">
+                        <a:shade val="47000"/>
+                        <a:satMod val="150000"/>
+                      </a:srgbClr>
+                    </a:gs>
+                    <a:gs pos="100000">
+                      <a:srgbClr val="000000">
+                        <a:shade val="39000"/>
+                        <a:satMod val="150000"/>
+                      </a:srgbClr>
+                    </a:gs>
+                  </a:gsLst>
+                  <a:lin ang="5400000"/>
+                </a:gradFill>
+                <a:effectLst>
+                  <a:outerShdw blurRad="50800" algn="tl" rotWithShape="0">
+                    <a:srgbClr val="000000"/>
+                  </a:outerShdw>
+                </a:effectLst>
+                <a:latin typeface="+mn-lt"/>
+                <a:ea typeface="+mn-ea"/>
+                <a:cs typeface="+mn-cs"/>
+              </a:rPr>
+              <a:t>Objetivo do Aplicativo</a:t>
+            </a:r>
+            <a:endParaRPr lang="pt-BR" altLang="pt-BR" sz="5400" b="1" dirty="0">
+              <a:ln w="17780" cmpd="sng">
+                <a:solidFill>
+                  <a:srgbClr val="FFFFFF"/>
+                </a:solidFill>
+                <a:prstDash val="solid"/>
+                <a:miter lim="800000"/>
+              </a:ln>
+              <a:gradFill rotWithShape="1">
+                <a:gsLst>
+                  <a:gs pos="0">
+                    <a:srgbClr val="000000">
+                      <a:tint val="92000"/>
+                      <a:shade val="100000"/>
+                      <a:satMod val="150000"/>
+                    </a:srgbClr>
+                  </a:gs>
+                  <a:gs pos="49000">
+                    <a:srgbClr val="000000">
+                      <a:tint val="89000"/>
+                      <a:shade val="90000"/>
+                      <a:satMod val="150000"/>
+                    </a:srgbClr>
+                  </a:gs>
+                  <a:gs pos="50000">
+                    <a:srgbClr val="000000">
+                      <a:tint val="100000"/>
+                      <a:shade val="75000"/>
+                      <a:satMod val="150000"/>
+                    </a:srgbClr>
+                  </a:gs>
+                  <a:gs pos="95000">
+                    <a:srgbClr val="000000">
+                      <a:shade val="47000"/>
+                      <a:satMod val="150000"/>
+                    </a:srgbClr>
+                  </a:gs>
+                  <a:gs pos="100000">
+                    <a:srgbClr val="000000">
+                      <a:shade val="39000"/>
+                      <a:satMod val="150000"/>
+                    </a:srgbClr>
+                  </a:gs>
+                </a:gsLst>
+                <a:lin ang="5400000"/>
+              </a:gradFill>
+              <a:effectLst>
+                <a:outerShdw blurRad="50800" algn="tl" rotWithShape="0">
+                  <a:srgbClr val="000000"/>
+                </a:outerShdw>
+              </a:effectLst>
+              <a:latin typeface="+mn-lt"/>
+              <a:ea typeface="+mn-ea"/>
+              <a:cs typeface="+mn-cs"/>
+            </a:endParaRPr>
+          </a:p>
+        </p:txBody>
+      </p:sp>
+      <p:sp>
+        <p:nvSpPr>
+          <p:cNvPr id="5" name="Elipse 4"/>
+          <p:cNvSpPr/>
+          <p:nvPr/>
+        </p:nvSpPr>
+        <p:spPr>
+          <a:xfrm>
+            <a:off x="7926880" y="5978776"/>
+            <a:ext cx="908340" cy="720080"/>
+          </a:xfrm>
+          <a:prstGeom prst="ellipse">
+            <a:avLst/>
+          </a:prstGeom>
+          <a:noFill/>
+          <a:ln>
+            <a:solidFill>
+              <a:schemeClr val="bg1">
+                <a:lumMod val="95000"/>
+              </a:schemeClr>
+            </a:solidFill>
+          </a:ln>
+          <a:effectLst>
+            <a:outerShdw blurRad="50800" dist="50800" dir="5400000" algn="ctr" rotWithShape="0">
+              <a:schemeClr val="tx1"/>
+            </a:outerShdw>
+          </a:effectLst>
+        </p:spPr>
+        <p:style>
+          <a:lnRef idx="2">
+            <a:schemeClr val="accent1">
+              <a:shade val="50000"/>
+            </a:schemeClr>
+          </a:lnRef>
+          <a:fillRef idx="1">
+            <a:schemeClr val="accent1"/>
+          </a:fillRef>
+          <a:effectRef idx="0">
+            <a:schemeClr val="accent1"/>
+          </a:effectRef>
+          <a:fontRef idx="minor">
+            <a:schemeClr val="lt1"/>
+          </a:fontRef>
+        </p:style>
+        <p:txBody>
+          <a:bodyPr rtlCol="0" anchor="ctr"/>
+          <a:lstStyle/>
+          <a:p>
+            <a:pPr algn="ctr"/>
+            <a:endParaRPr lang="pt-BR" dirty="0"/>
+          </a:p>
+        </p:txBody>
+      </p:sp>
+      <p:sp>
+        <p:nvSpPr>
+          <p:cNvPr id="12" name="Rectangle 2"/>
+          <p:cNvSpPr txBox="1">
+            <a:spLocks noChangeArrowheads="1"/>
+          </p:cNvSpPr>
+          <p:nvPr/>
+        </p:nvSpPr>
+        <p:spPr>
+          <a:xfrm>
+            <a:off x="503238" y="1556792"/>
+            <a:ext cx="8389242" cy="3753643"/>
+          </a:xfrm>
+          <a:prstGeom prst="rect">
+            <a:avLst/>
+          </a:prstGeom>
+        </p:spPr>
+        <p:txBody>
+          <a:bodyPr vert="horz" lIns="91440" tIns="45720" rIns="91440" bIns="45720" rtlCol="0">
+            <a:normAutofit fontScale="25000" lnSpcReduction="20000"/>
+          </a:bodyPr>
+          <a:lstStyle>
+            <a:lvl1pPr marL="342900" indent="-342900" algn="l" defTabSz="914400" rtl="0" eaLnBrk="1" latinLnBrk="0" hangingPunct="1">
+              <a:spcBef>
+                <a:spcPct val="20000"/>
+              </a:spcBef>
+              <a:buFont typeface="Arial" panose="020B0604020202020204" pitchFamily="34" charset="0"/>
+              <a:buChar char="•"/>
+              <a:defRPr sz="3200" kern="1200">
+                <a:solidFill>
+                  <a:schemeClr val="tx1"/>
+                </a:solidFill>
+                <a:latin typeface="+mn-lt"/>
+                <a:ea typeface="+mn-ea"/>
+                <a:cs typeface="+mn-cs"/>
+              </a:defRPr>
+            </a:lvl1pPr>
+            <a:lvl2pPr marL="742950" indent="-285750" algn="l" defTabSz="914400" rtl="0" eaLnBrk="1" latinLnBrk="0" hangingPunct="1">
+              <a:spcBef>
+                <a:spcPct val="20000"/>
+              </a:spcBef>
+              <a:buFont typeface="Arial" panose="020B0604020202020204" pitchFamily="34" charset="0"/>
+              <a:buChar char="–"/>
+              <a:defRPr sz="2800" kern="1200">
+                <a:solidFill>
+                  <a:schemeClr val="tx1"/>
+                </a:solidFill>
+                <a:latin typeface="+mn-lt"/>
+                <a:ea typeface="+mn-ea"/>
+                <a:cs typeface="+mn-cs"/>
+              </a:defRPr>
+            </a:lvl2pPr>
+            <a:lvl3pPr marL="1143000" indent="-228600" algn="l" defTabSz="914400" rtl="0" eaLnBrk="1" latinLnBrk="0" hangingPunct="1">
+              <a:spcBef>
+                <a:spcPct val="20000"/>
+              </a:spcBef>
+              <a:buFont typeface="Arial" panose="020B0604020202020204" pitchFamily="34" charset="0"/>
+              <a:buChar char="•"/>
+              <a:defRPr sz="2400" kern="1200">
+                <a:solidFill>
+                  <a:schemeClr val="tx1"/>
+                </a:solidFill>
+                <a:latin typeface="+mn-lt"/>
+                <a:ea typeface="+mn-ea"/>
+                <a:cs typeface="+mn-cs"/>
+              </a:defRPr>
+            </a:lvl3pPr>
+            <a:lvl4pPr marL="1600200" indent="-228600" algn="l" defTabSz="914400" rtl="0" eaLnBrk="1" latinLnBrk="0" hangingPunct="1">
+              <a:spcBef>
+                <a:spcPct val="20000"/>
+              </a:spcBef>
+              <a:buFont typeface="Arial" panose="020B0604020202020204" pitchFamily="34" charset="0"/>
+              <a:buChar char="–"/>
+              <a:defRPr sz="2000" kern="1200">
+                <a:solidFill>
+                  <a:schemeClr val="tx1"/>
+                </a:solidFill>
+                <a:latin typeface="+mn-lt"/>
+                <a:ea typeface="+mn-ea"/>
+                <a:cs typeface="+mn-cs"/>
+              </a:defRPr>
+            </a:lvl4pPr>
+            <a:lvl5pPr marL="2057400" indent="-228600" algn="l" defTabSz="914400" rtl="0" eaLnBrk="1" latinLnBrk="0" hangingPunct="1">
+              <a:spcBef>
+                <a:spcPct val="20000"/>
+              </a:spcBef>
+              <a:buFont typeface="Arial" panose="020B0604020202020204" pitchFamily="34" charset="0"/>
+              <a:buChar char="»"/>
+              <a:defRPr sz="2000" kern="1200">
+                <a:solidFill>
+                  <a:schemeClr val="tx1"/>
+                </a:solidFill>
+                <a:latin typeface="+mn-lt"/>
+                <a:ea typeface="+mn-ea"/>
+                <a:cs typeface="+mn-cs"/>
+              </a:defRPr>
+            </a:lvl5pPr>
+            <a:lvl6pPr marL="2514600" indent="-228600" algn="l" defTabSz="914400" rtl="0" eaLnBrk="1" latinLnBrk="0" hangingPunct="1">
+              <a:spcBef>
+                <a:spcPct val="20000"/>
+              </a:spcBef>
+              <a:buFont typeface="Arial" panose="020B0604020202020204" pitchFamily="34" charset="0"/>
+              <a:buChar char="•"/>
+              <a:defRPr sz="2000" kern="1200">
+                <a:solidFill>
+                  <a:schemeClr val="tx1"/>
+                </a:solidFill>
+                <a:latin typeface="+mn-lt"/>
+                <a:ea typeface="+mn-ea"/>
+                <a:cs typeface="+mn-cs"/>
+              </a:defRPr>
+            </a:lvl6pPr>
+            <a:lvl7pPr marL="2971800" indent="-228600" algn="l" defTabSz="914400" rtl="0" eaLnBrk="1" latinLnBrk="0" hangingPunct="1">
+              <a:spcBef>
+                <a:spcPct val="20000"/>
+              </a:spcBef>
+              <a:buFont typeface="Arial" panose="020B0604020202020204" pitchFamily="34" charset="0"/>
+              <a:buChar char="•"/>
+              <a:defRPr sz="2000" kern="1200">
+                <a:solidFill>
+                  <a:schemeClr val="tx1"/>
+                </a:solidFill>
+                <a:latin typeface="+mn-lt"/>
+                <a:ea typeface="+mn-ea"/>
+                <a:cs typeface="+mn-cs"/>
+              </a:defRPr>
+            </a:lvl7pPr>
+            <a:lvl8pPr marL="3429000" indent="-228600" algn="l" defTabSz="914400" rtl="0" eaLnBrk="1" latinLnBrk="0" hangingPunct="1">
+              <a:spcBef>
+                <a:spcPct val="20000"/>
+              </a:spcBef>
+              <a:buFont typeface="Arial" panose="020B0604020202020204" pitchFamily="34" charset="0"/>
+              <a:buChar char="•"/>
+              <a:defRPr sz="2000" kern="1200">
+                <a:solidFill>
+                  <a:schemeClr val="tx1"/>
+                </a:solidFill>
+                <a:latin typeface="+mn-lt"/>
+                <a:ea typeface="+mn-ea"/>
+                <a:cs typeface="+mn-cs"/>
+              </a:defRPr>
+            </a:lvl8pPr>
+            <a:lvl9pPr marL="3886200" indent="-228600" algn="l" defTabSz="914400" rtl="0" eaLnBrk="1" latinLnBrk="0" hangingPunct="1">
+              <a:spcBef>
+                <a:spcPct val="20000"/>
+              </a:spcBef>
+              <a:buFont typeface="Arial" panose="020B0604020202020204" pitchFamily="34" charset="0"/>
+              <a:buChar char="•"/>
+              <a:defRPr sz="2000" kern="1200">
+                <a:solidFill>
+                  <a:schemeClr val="tx1"/>
+                </a:solidFill>
+                <a:latin typeface="+mn-lt"/>
+                <a:ea typeface="+mn-ea"/>
+                <a:cs typeface="+mn-cs"/>
+              </a:defRPr>
+            </a:lvl9pPr>
+          </a:lstStyle>
+          <a:p>
+            <a:pPr marL="684213" indent="-682625">
+              <a:buClr>
+                <a:srgbClr val="92D050"/>
+              </a:buClr>
+              <a:buFont typeface="Times New Roman" pitchFamily="18" charset="0"/>
+              <a:buNone/>
+              <a:tabLst>
+                <a:tab pos="684213" algn="l"/>
+                <a:tab pos="788988" algn="l"/>
+                <a:tab pos="1238250" algn="l"/>
+                <a:tab pos="1687513" algn="l"/>
+                <a:tab pos="2136775" algn="l"/>
+                <a:tab pos="2586038" algn="l"/>
+                <a:tab pos="3035300" algn="l"/>
+                <a:tab pos="3484563" algn="l"/>
+                <a:tab pos="3933825" algn="l"/>
+                <a:tab pos="4383088" algn="l"/>
+                <a:tab pos="4832350" algn="l"/>
+                <a:tab pos="5281613" algn="l"/>
+                <a:tab pos="5730875" algn="l"/>
+                <a:tab pos="6180138" algn="l"/>
+                <a:tab pos="6629400" algn="l"/>
+                <a:tab pos="7078663" algn="l"/>
+                <a:tab pos="7527925" algn="l"/>
+                <a:tab pos="7977188" algn="l"/>
+                <a:tab pos="8426450" algn="l"/>
+                <a:tab pos="8875713" algn="l"/>
+                <a:tab pos="9324975" algn="l"/>
+              </a:tabLst>
+            </a:pPr>
+            <a:r>
+              <a:rPr lang="pt-BR" altLang="pt-BR" sz="11200" dirty="0" smtClean="0">
+                <a:latin typeface="Times New Roman" pitchFamily="18" charset="0"/>
+              </a:rPr>
+              <a:t>Desenvolver um aplicativo em Intel Xdk que:</a:t>
+            </a:r>
+          </a:p>
+          <a:p>
+            <a:pPr marL="684213" indent="-682625">
+              <a:buClr>
+                <a:srgbClr val="92D050"/>
+              </a:buClr>
+              <a:buFont typeface="Times New Roman" pitchFamily="18" charset="0"/>
+              <a:buNone/>
+              <a:tabLst>
+                <a:tab pos="684213" algn="l"/>
+                <a:tab pos="788988" algn="l"/>
+                <a:tab pos="1238250" algn="l"/>
+                <a:tab pos="1687513" algn="l"/>
+                <a:tab pos="2136775" algn="l"/>
+                <a:tab pos="2586038" algn="l"/>
+                <a:tab pos="3035300" algn="l"/>
+                <a:tab pos="3484563" algn="l"/>
+                <a:tab pos="3933825" algn="l"/>
+                <a:tab pos="4383088" algn="l"/>
+                <a:tab pos="4832350" algn="l"/>
+                <a:tab pos="5281613" algn="l"/>
+                <a:tab pos="5730875" algn="l"/>
+                <a:tab pos="6180138" algn="l"/>
+                <a:tab pos="6629400" algn="l"/>
+                <a:tab pos="7078663" algn="l"/>
+                <a:tab pos="7527925" algn="l"/>
+                <a:tab pos="7977188" algn="l"/>
+                <a:tab pos="8426450" algn="l"/>
+                <a:tab pos="8875713" algn="l"/>
+                <a:tab pos="9324975" algn="l"/>
+              </a:tabLst>
+            </a:pPr>
+            <a:endParaRPr lang="pt-BR" altLang="pt-BR" sz="11200" dirty="0" smtClean="0">
+              <a:latin typeface="Times New Roman" pitchFamily="18" charset="0"/>
+            </a:endParaRPr>
+          </a:p>
+          <a:p>
+            <a:pPr marL="684213" lvl="1" indent="-682625">
+              <a:buClr>
+                <a:schemeClr val="tx2"/>
+              </a:buClr>
+              <a:buFont typeface="Wingdings" pitchFamily="2" charset="2"/>
+              <a:buChar char="Ø"/>
+              <a:tabLst>
+                <a:tab pos="684213" algn="l"/>
+                <a:tab pos="788988" algn="l"/>
+                <a:tab pos="1238250" algn="l"/>
+                <a:tab pos="1687513" algn="l"/>
+                <a:tab pos="2136775" algn="l"/>
+                <a:tab pos="2586038" algn="l"/>
+                <a:tab pos="3035300" algn="l"/>
+                <a:tab pos="3484563" algn="l"/>
+                <a:tab pos="3933825" algn="l"/>
+                <a:tab pos="4383088" algn="l"/>
+                <a:tab pos="4832350" algn="l"/>
+                <a:tab pos="5281613" algn="l"/>
+                <a:tab pos="5730875" algn="l"/>
+                <a:tab pos="6180138" algn="l"/>
+                <a:tab pos="6629400" algn="l"/>
+                <a:tab pos="7078663" algn="l"/>
+                <a:tab pos="7527925" algn="l"/>
+                <a:tab pos="7977188" algn="l"/>
+                <a:tab pos="8426450" algn="l"/>
+                <a:tab pos="8875713" algn="l"/>
+                <a:tab pos="9324975" algn="l"/>
+              </a:tabLst>
+            </a:pPr>
+            <a:r>
+              <a:rPr lang="pt-BR" altLang="pt-BR" sz="11200" dirty="0">
+                <a:latin typeface="Times New Roman" pitchFamily="18" charset="0"/>
+                <a:cs typeface="Times New Roman" pitchFamily="18" charset="0"/>
+              </a:rPr>
+              <a:t>Agilize documentação dos veículos estacionados;</a:t>
+            </a:r>
+          </a:p>
+          <a:p>
+            <a:pPr marL="684213" lvl="1" indent="-682625">
+              <a:buClr>
+                <a:schemeClr val="tx2"/>
+              </a:buClr>
+              <a:buFont typeface="Wingdings" pitchFamily="2" charset="2"/>
+              <a:buChar char="Ø"/>
+              <a:tabLst>
+                <a:tab pos="684213" algn="l"/>
+                <a:tab pos="788988" algn="l"/>
+                <a:tab pos="1238250" algn="l"/>
+                <a:tab pos="1687513" algn="l"/>
+                <a:tab pos="2136775" algn="l"/>
+                <a:tab pos="2586038" algn="l"/>
+                <a:tab pos="3035300" algn="l"/>
+                <a:tab pos="3484563" algn="l"/>
+                <a:tab pos="3933825" algn="l"/>
+                <a:tab pos="4383088" algn="l"/>
+                <a:tab pos="4832350" algn="l"/>
+                <a:tab pos="5281613" algn="l"/>
+                <a:tab pos="5730875" algn="l"/>
+                <a:tab pos="6180138" algn="l"/>
+                <a:tab pos="6629400" algn="l"/>
+                <a:tab pos="7078663" algn="l"/>
+                <a:tab pos="7527925" algn="l"/>
+                <a:tab pos="7977188" algn="l"/>
+                <a:tab pos="8426450" algn="l"/>
+                <a:tab pos="8875713" algn="l"/>
+                <a:tab pos="9324975" algn="l"/>
+              </a:tabLst>
+            </a:pPr>
+            <a:r>
+              <a:rPr lang="pt-BR" altLang="pt-BR" sz="11200" dirty="0">
+                <a:latin typeface="Times New Roman" pitchFamily="18" charset="0"/>
+                <a:cs typeface="Times New Roman" pitchFamily="18" charset="0"/>
+              </a:rPr>
+              <a:t>Facilite a cobrança do serviço;</a:t>
+            </a:r>
+          </a:p>
+          <a:p>
+            <a:pPr marL="684213" lvl="1" indent="-682625">
+              <a:buClr>
+                <a:schemeClr val="tx2"/>
+              </a:buClr>
+              <a:buFont typeface="Wingdings" pitchFamily="2" charset="2"/>
+              <a:buChar char="Ø"/>
+              <a:tabLst>
+                <a:tab pos="684213" algn="l"/>
+                <a:tab pos="788988" algn="l"/>
+                <a:tab pos="1238250" algn="l"/>
+                <a:tab pos="1687513" algn="l"/>
+                <a:tab pos="2136775" algn="l"/>
+                <a:tab pos="2586038" algn="l"/>
+                <a:tab pos="3035300" algn="l"/>
+                <a:tab pos="3484563" algn="l"/>
+                <a:tab pos="3933825" algn="l"/>
+                <a:tab pos="4383088" algn="l"/>
+                <a:tab pos="4832350" algn="l"/>
+                <a:tab pos="5281613" algn="l"/>
+                <a:tab pos="5730875" algn="l"/>
+                <a:tab pos="6180138" algn="l"/>
+                <a:tab pos="6629400" algn="l"/>
+                <a:tab pos="7078663" algn="l"/>
+                <a:tab pos="7527925" algn="l"/>
+                <a:tab pos="7977188" algn="l"/>
+                <a:tab pos="8426450" algn="l"/>
+                <a:tab pos="8875713" algn="l"/>
+                <a:tab pos="9324975" algn="l"/>
+              </a:tabLst>
+            </a:pPr>
+            <a:r>
+              <a:rPr lang="pt-BR" altLang="pt-BR" sz="11200" dirty="0" smtClean="0">
+                <a:latin typeface="Times New Roman" pitchFamily="18" charset="0"/>
+                <a:cs typeface="Times New Roman" pitchFamily="18" charset="0"/>
+              </a:rPr>
+              <a:t>Consiga </a:t>
+            </a:r>
+            <a:r>
+              <a:rPr lang="pt-BR" altLang="pt-BR" sz="11200" dirty="0">
+                <a:latin typeface="Times New Roman" pitchFamily="18" charset="0"/>
+                <a:cs typeface="Times New Roman" pitchFamily="18" charset="0"/>
+              </a:rPr>
+              <a:t>coletar informações dos clientes do estabelecimento;</a:t>
+            </a:r>
+          </a:p>
+          <a:p>
+            <a:pPr marL="684213" lvl="1" indent="-682625">
+              <a:buClr>
+                <a:schemeClr val="tx2"/>
+              </a:buClr>
+              <a:buFont typeface="Wingdings" pitchFamily="2" charset="2"/>
+              <a:buChar char="Ø"/>
+              <a:tabLst>
+                <a:tab pos="684213" algn="l"/>
+                <a:tab pos="788988" algn="l"/>
+                <a:tab pos="1238250" algn="l"/>
+                <a:tab pos="1687513" algn="l"/>
+                <a:tab pos="2136775" algn="l"/>
+                <a:tab pos="2586038" algn="l"/>
+                <a:tab pos="3035300" algn="l"/>
+                <a:tab pos="3484563" algn="l"/>
+                <a:tab pos="3933825" algn="l"/>
+                <a:tab pos="4383088" algn="l"/>
+                <a:tab pos="4832350" algn="l"/>
+                <a:tab pos="5281613" algn="l"/>
+                <a:tab pos="5730875" algn="l"/>
+                <a:tab pos="6180138" algn="l"/>
+                <a:tab pos="6629400" algn="l"/>
+                <a:tab pos="7078663" algn="l"/>
+                <a:tab pos="7527925" algn="l"/>
+                <a:tab pos="7977188" algn="l"/>
+                <a:tab pos="8426450" algn="l"/>
+                <a:tab pos="8875713" algn="l"/>
+                <a:tab pos="9324975" algn="l"/>
+              </a:tabLst>
+            </a:pPr>
+            <a:r>
+              <a:rPr lang="pt-BR" sz="11200" dirty="0">
+                <a:latin typeface="Times New Roman" pitchFamily="18" charset="0"/>
+                <a:cs typeface="Times New Roman" pitchFamily="18" charset="0"/>
+              </a:rPr>
+              <a:t>Utilização do php para acesso a banco;</a:t>
+            </a:r>
+          </a:p>
+          <a:p>
+            <a:pPr marL="684213" lvl="1" indent="-682625">
+              <a:buClr>
+                <a:schemeClr val="tx2"/>
+              </a:buClr>
+              <a:buFont typeface="Wingdings" pitchFamily="2" charset="2"/>
+              <a:buChar char="Ø"/>
+              <a:tabLst>
+                <a:tab pos="684213" algn="l"/>
+                <a:tab pos="788988" algn="l"/>
+                <a:tab pos="1238250" algn="l"/>
+                <a:tab pos="1687513" algn="l"/>
+                <a:tab pos="2136775" algn="l"/>
+                <a:tab pos="2586038" algn="l"/>
+                <a:tab pos="3035300" algn="l"/>
+                <a:tab pos="3484563" algn="l"/>
+                <a:tab pos="3933825" algn="l"/>
+                <a:tab pos="4383088" algn="l"/>
+                <a:tab pos="4832350" algn="l"/>
+                <a:tab pos="5281613" algn="l"/>
+                <a:tab pos="5730875" algn="l"/>
+                <a:tab pos="6180138" algn="l"/>
+                <a:tab pos="6629400" algn="l"/>
+                <a:tab pos="7078663" algn="l"/>
+                <a:tab pos="7527925" algn="l"/>
+                <a:tab pos="7977188" algn="l"/>
+                <a:tab pos="8426450" algn="l"/>
+                <a:tab pos="8875713" algn="l"/>
+                <a:tab pos="9324975" algn="l"/>
+              </a:tabLst>
+            </a:pPr>
+            <a:r>
+              <a:rPr lang="pt-BR" sz="11200" dirty="0">
+                <a:latin typeface="Times New Roman" pitchFamily="18" charset="0"/>
+                <a:cs typeface="Times New Roman" pitchFamily="18" charset="0"/>
+              </a:rPr>
+              <a:t>Utilizando local do banco de dados mysql com crute (create, update e delete</a:t>
+            </a:r>
+            <a:r>
+              <a:rPr lang="pt-BR" sz="11200" dirty="0" smtClean="0">
+                <a:latin typeface="Times New Roman" pitchFamily="18" charset="0"/>
+                <a:cs typeface="Times New Roman" pitchFamily="18" charset="0"/>
+              </a:rPr>
+              <a:t>);</a:t>
+            </a:r>
+            <a:endParaRPr lang="pt-BR" sz="11200" dirty="0">
+              <a:latin typeface="Times New Roman" pitchFamily="18" charset="0"/>
+              <a:cs typeface="Times New Roman" pitchFamily="18" charset="0"/>
+            </a:endParaRPr>
+          </a:p>
+          <a:p>
+            <a:pPr marL="684213" lvl="1" indent="-682625">
+              <a:buClr>
+                <a:schemeClr val="tx2"/>
+              </a:buClr>
+              <a:buFont typeface="Wingdings" pitchFamily="2" charset="2"/>
+              <a:buChar char="Ø"/>
+              <a:tabLst>
+                <a:tab pos="684213" algn="l"/>
+                <a:tab pos="788988" algn="l"/>
+                <a:tab pos="1238250" algn="l"/>
+                <a:tab pos="1687513" algn="l"/>
+                <a:tab pos="2136775" algn="l"/>
+                <a:tab pos="2586038" algn="l"/>
+                <a:tab pos="3035300" algn="l"/>
+                <a:tab pos="3484563" algn="l"/>
+                <a:tab pos="3933825" algn="l"/>
+                <a:tab pos="4383088" algn="l"/>
+                <a:tab pos="4832350" algn="l"/>
+                <a:tab pos="5281613" algn="l"/>
+                <a:tab pos="5730875" algn="l"/>
+                <a:tab pos="6180138" algn="l"/>
+                <a:tab pos="6629400" algn="l"/>
+                <a:tab pos="7078663" algn="l"/>
+                <a:tab pos="7527925" algn="l"/>
+                <a:tab pos="7977188" algn="l"/>
+                <a:tab pos="8426450" algn="l"/>
+                <a:tab pos="8875713" algn="l"/>
+                <a:tab pos="9324975" algn="l"/>
+              </a:tabLst>
+            </a:pPr>
+            <a:endParaRPr lang="pt-BR" altLang="pt-BR" sz="11200" dirty="0">
+              <a:latin typeface="Times New Roman" pitchFamily="18" charset="0"/>
+              <a:cs typeface="Times New Roman" pitchFamily="18" charset="0"/>
+            </a:endParaRPr>
+          </a:p>
+          <a:p>
+            <a:pPr marL="684213" indent="-682625">
+              <a:buClr>
+                <a:srgbClr val="92D050"/>
+              </a:buClr>
+              <a:buFont typeface="Times New Roman" pitchFamily="18" charset="0"/>
+              <a:buNone/>
+              <a:tabLst>
+                <a:tab pos="684213" algn="l"/>
+                <a:tab pos="788988" algn="l"/>
+                <a:tab pos="1238250" algn="l"/>
+                <a:tab pos="1687513" algn="l"/>
+                <a:tab pos="2136775" algn="l"/>
+                <a:tab pos="2586038" algn="l"/>
+                <a:tab pos="3035300" algn="l"/>
+                <a:tab pos="3484563" algn="l"/>
+                <a:tab pos="3933825" algn="l"/>
+                <a:tab pos="4383088" algn="l"/>
+                <a:tab pos="4832350" algn="l"/>
+                <a:tab pos="5281613" algn="l"/>
+                <a:tab pos="5730875" algn="l"/>
+                <a:tab pos="6180138" algn="l"/>
+                <a:tab pos="6629400" algn="l"/>
+                <a:tab pos="7078663" algn="l"/>
+                <a:tab pos="7527925" algn="l"/>
+                <a:tab pos="7977188" algn="l"/>
+                <a:tab pos="8426450" algn="l"/>
+                <a:tab pos="8875713" algn="l"/>
+                <a:tab pos="9324975" algn="l"/>
+              </a:tabLst>
+            </a:pPr>
+            <a:endParaRPr lang="pt-BR" altLang="pt-BR" sz="11200" dirty="0" smtClean="0">
+              <a:latin typeface="Times New Roman" pitchFamily="18" charset="0"/>
+            </a:endParaRPr>
+          </a:p>
+          <a:p>
+            <a:pPr marL="684213" indent="-682625">
+              <a:buClr>
+                <a:srgbClr val="92D050"/>
+              </a:buClr>
+              <a:buFont typeface="Times New Roman" pitchFamily="18" charset="0"/>
+              <a:buNone/>
+              <a:tabLst>
+                <a:tab pos="684213" algn="l"/>
+                <a:tab pos="788988" algn="l"/>
+                <a:tab pos="1238250" algn="l"/>
+                <a:tab pos="1687513" algn="l"/>
+                <a:tab pos="2136775" algn="l"/>
+                <a:tab pos="2586038" algn="l"/>
+                <a:tab pos="3035300" algn="l"/>
+                <a:tab pos="3484563" algn="l"/>
+                <a:tab pos="3933825" algn="l"/>
+                <a:tab pos="4383088" algn="l"/>
+                <a:tab pos="4832350" algn="l"/>
+                <a:tab pos="5281613" algn="l"/>
+                <a:tab pos="5730875" algn="l"/>
+                <a:tab pos="6180138" algn="l"/>
+                <a:tab pos="6629400" algn="l"/>
+                <a:tab pos="7078663" algn="l"/>
+                <a:tab pos="7527925" algn="l"/>
+                <a:tab pos="7977188" algn="l"/>
+                <a:tab pos="8426450" algn="l"/>
+                <a:tab pos="8875713" algn="l"/>
+                <a:tab pos="9324975" algn="l"/>
+              </a:tabLst>
+            </a:pPr>
+            <a:endParaRPr lang="pt-BR" altLang="pt-BR" sz="11200" dirty="0" smtClean="0">
+              <a:latin typeface="Times New Roman" pitchFamily="18" charset="0"/>
+            </a:endParaRPr>
+          </a:p>
+          <a:p>
+            <a:pPr marL="684213" indent="-682625">
+              <a:buClr>
+                <a:srgbClr val="92D050"/>
+              </a:buClr>
+              <a:buFont typeface="Times New Roman" pitchFamily="18" charset="0"/>
+              <a:buNone/>
+              <a:tabLst>
+                <a:tab pos="684213" algn="l"/>
+                <a:tab pos="788988" algn="l"/>
+                <a:tab pos="1238250" algn="l"/>
+                <a:tab pos="1687513" algn="l"/>
+                <a:tab pos="2136775" algn="l"/>
+                <a:tab pos="2586038" algn="l"/>
+                <a:tab pos="3035300" algn="l"/>
+                <a:tab pos="3484563" algn="l"/>
+                <a:tab pos="3933825" algn="l"/>
+                <a:tab pos="4383088" algn="l"/>
+                <a:tab pos="4832350" algn="l"/>
+                <a:tab pos="5281613" algn="l"/>
+                <a:tab pos="5730875" algn="l"/>
+                <a:tab pos="6180138" algn="l"/>
+                <a:tab pos="6629400" algn="l"/>
+                <a:tab pos="7078663" algn="l"/>
+                <a:tab pos="7527925" algn="l"/>
+                <a:tab pos="7977188" algn="l"/>
+                <a:tab pos="8426450" algn="l"/>
+                <a:tab pos="8875713" algn="l"/>
+                <a:tab pos="9324975" algn="l"/>
+              </a:tabLst>
+            </a:pPr>
+            <a:endParaRPr lang="pt-BR" altLang="pt-BR" dirty="0" smtClean="0">
+              <a:latin typeface="Times New Roman" pitchFamily="18" charset="0"/>
+            </a:endParaRPr>
+          </a:p>
+          <a:p>
+            <a:pPr marL="684213" indent="-682625">
+              <a:buClr>
+                <a:srgbClr val="92D050"/>
+              </a:buClr>
+              <a:buFont typeface="Times New Roman" pitchFamily="18" charset="0"/>
+              <a:buNone/>
+              <a:tabLst>
+                <a:tab pos="684213" algn="l"/>
+                <a:tab pos="788988" algn="l"/>
+                <a:tab pos="1238250" algn="l"/>
+                <a:tab pos="1687513" algn="l"/>
+                <a:tab pos="2136775" algn="l"/>
+                <a:tab pos="2586038" algn="l"/>
+                <a:tab pos="3035300" algn="l"/>
+                <a:tab pos="3484563" algn="l"/>
+                <a:tab pos="3933825" algn="l"/>
+                <a:tab pos="4383088" algn="l"/>
+                <a:tab pos="4832350" algn="l"/>
+                <a:tab pos="5281613" algn="l"/>
+                <a:tab pos="5730875" algn="l"/>
+                <a:tab pos="6180138" algn="l"/>
+                <a:tab pos="6629400" algn="l"/>
+                <a:tab pos="7078663" algn="l"/>
+                <a:tab pos="7527925" algn="l"/>
+                <a:tab pos="7977188" algn="l"/>
+                <a:tab pos="8426450" algn="l"/>
+                <a:tab pos="8875713" algn="l"/>
+                <a:tab pos="9324975" algn="l"/>
+              </a:tabLst>
+            </a:pPr>
+            <a:r>
+              <a:rPr lang="pt-BR" altLang="pt-BR" dirty="0" smtClean="0">
+                <a:latin typeface="Times New Roman" pitchFamily="18" charset="0"/>
+              </a:rPr>
+              <a:t>	</a:t>
+            </a:r>
+          </a:p>
+        </p:txBody>
+      </p:sp>
+      <p:pic>
+        <p:nvPicPr>
+          <p:cNvPr id="7" name="Picture 3"/>
+          <p:cNvPicPr>
+            <a:picLocks noChangeAspect="1" noChangeArrowheads="1"/>
+          </p:cNvPicPr>
+          <p:nvPr/>
+        </p:nvPicPr>
+        <p:blipFill>
+          <a:blip r:embed="rId3">
+            <a:extLst>
+              <a:ext uri="{28A0092B-C50C-407E-A947-70E740481C1C}">
+                <a14:useLocalDpi xmlns:a14="http://schemas.microsoft.com/office/drawing/2010/main" val="0"/>
+              </a:ext>
+            </a:extLst>
+          </a:blip>
+          <a:srcRect/>
+          <a:stretch>
+            <a:fillRect/>
+          </a:stretch>
+        </p:blipFill>
+        <p:spPr bwMode="auto">
+          <a:xfrm>
+            <a:off x="7524328" y="1171763"/>
+            <a:ext cx="1080120" cy="1080120"/>
+          </a:xfrm>
+          <a:prstGeom prst="rect">
+            <a:avLst/>
+          </a:prstGeom>
+          <a:noFill/>
+          <a:ln>
+            <a:noFill/>
+          </a:ln>
+          <a:extLst>
+            <a:ext uri="{909E8E84-426E-40DD-AFC4-6F175D3DCCD1}">
+              <a14:hiddenFill xmlns:a14="http://schemas.microsoft.com/office/drawing/2010/main">
+                <a:solidFill>
+                  <a:schemeClr val="accent1"/>
+                </a:solidFill>
+              </a14:hiddenFill>
+            </a:ext>
+            <a:ext uri="{91240B29-F687-4F45-9708-019B960494DF}">
+              <a14:hiddenLine xmlns:a14="http://schemas.microsoft.com/office/drawing/2010/main" w="9525">
+                <a:solidFill>
+                  <a:schemeClr val="tx1"/>
+                </a:solidFill>
+                <a:miter lim="800000"/>
+                <a:headEnd/>
+                <a:tailEnd/>
+              </a14:hiddenLine>
+            </a:ext>
+          </a:extLst>
+        </p:spPr>
+      </p:pic>
+    </p:spTree>
+    <p:extLst>
+      <p:ext uri="{BB962C8B-B14F-4D97-AF65-F5344CB8AC3E}">
+        <p14:creationId xmlns:p14="http://schemas.microsoft.com/office/powerpoint/2010/main" val="696165338"/>
+      </p:ext>
+    </p:extLst>
+  </p:cSld>
+  <p:clrMapOvr>
+    <a:masterClrMapping/>
+  </p:clrMapOvr>
+  <p:timing>
+    <p:tnLst>
+      <p:par>
+        <p:cTn id="1" dur="indefinite" restart="never" nodeType="tmRoot">
+          <p:childTnLst>
+            <p:seq concurrent="1" nextAc="seek">
+              <p:cTn id="2" dur="indefinite" nodeType="mainSeq">
+                <p:childTnLst>
+                  <p:par>
+                    <p:cTn id="3" fill="hold">
+                      <p:stCondLst>
+                        <p:cond delay="indefinite"/>
+                      </p:stCondLst>
+                      <p:childTnLst>
+                        <p:par>
+                          <p:cTn id="4" fill="hold">
+                            <p:stCondLst>
+                              <p:cond delay="0"/>
+                            </p:stCondLst>
+                            <p:childTnLst>
+                              <p:par>
+                                <p:cTn id="5" presetID="20" presetClass="exit" presetSubtype="0" fill="hold" grpId="0" nodeType="clickEffect">
+                                  <p:stCondLst>
+                                    <p:cond delay="0"/>
+                                  </p:stCondLst>
+                                  <p:childTnLst>
+                                    <p:animEffect transition="out" filter="wedge">
+                                      <p:cBhvr>
+                                        <p:cTn id="6" dur="12000"/>
+                                        <p:tgtEl>
+                                          <p:spTgt spid="5"/>
+                                        </p:tgtEl>
+                                      </p:cBhvr>
+                                    </p:animEffect>
+                                    <p:set>
+                                      <p:cBhvr>
+                                        <p:cTn id="7" dur="1" fill="hold">
+                                          <p:stCondLst>
+                                            <p:cond delay="11999"/>
+                                          </p:stCondLst>
+                                        </p:cTn>
+                                        <p:tgtEl>
+                                          <p:spTgt spid="5"/>
+                                        </p:tgtEl>
+                                        <p:attrNameLst>
+                                          <p:attrName>style.visibility</p:attrName>
+                                        </p:attrNameLst>
+                                      </p:cBhvr>
+                                      <p:to>
+                                        <p:strVal val="hidden"/>
+                                      </p:to>
+                                    </p:set>
+                                  </p:childTnLst>
+                                </p:cTn>
+                              </p:par>
+                            </p:childTnLst>
+                          </p:cTn>
+                        </p:par>
+                      </p:childTnLst>
+                    </p:cTn>
+                  </p:par>
+                </p:childTnLst>
+              </p:cTn>
+              <p:prevCondLst>
+                <p:cond evt="onPrev" delay="0">
+                  <p:tgtEl>
+                    <p:sldTgt/>
+                  </p:tgtEl>
+                </p:cond>
+              </p:prevCondLst>
+              <p:nextCondLst>
+                <p:cond evt="onNext" delay="0">
+                  <p:tgtEl>
+                    <p:sldTgt/>
+                  </p:tgtEl>
+                </p:cond>
+              </p:nextCondLst>
+            </p:seq>
+          </p:childTnLst>
+        </p:cTn>
+      </p:par>
+    </p:tnLst>
+    <p:bldLst>
+      <p:bldP spid="5" grpId="0" animBg="1"/>
+    </p:bldLst>
+  </p:timing>
+</p:sld>
+</file>
+
+<file path=ppt/slides/slide6.xml><?xml version="1.0" encoding="utf-8"?>
+<p:sld xmlns:a="http://schemas.openxmlformats.org/drawingml/2006/main" xmlns:r="http://schemas.openxmlformats.org/officeDocument/2006/relationships" xmlns:p="http://schemas.openxmlformats.org/presentationml/2006/main">
+  <p:cSld>
+    <p:spTree>
+      <p:nvGrpSpPr>
+        <p:cNvPr id="1" name=""/>
+        <p:cNvGrpSpPr/>
+        <p:nvPr/>
+      </p:nvGrpSpPr>
+      <p:grpSpPr>
+        <a:xfrm>
+          <a:off x="0" y="0"/>
+          <a:ext cx="0" cy="0"/>
+          <a:chOff x="0" y="0"/>
+          <a:chExt cx="0" cy="0"/>
+        </a:xfrm>
+      </p:grpSpPr>
+      <p:pic>
+        <p:nvPicPr>
+          <p:cNvPr id="12" name="Picture 3"/>
+          <p:cNvPicPr>
+            <a:picLocks noChangeAspect="1" noChangeArrowheads="1"/>
+          </p:cNvPicPr>
+          <p:nvPr/>
+        </p:nvPicPr>
+        <p:blipFill>
+          <a:blip r:embed="rId2">
+            <a:extLst>
+              <a:ext uri="{28A0092B-C50C-407E-A947-70E740481C1C}">
+                <a14:useLocalDpi xmlns:a14="http://schemas.microsoft.com/office/drawing/2010/main" val="0"/>
+              </a:ext>
+            </a:extLst>
+          </a:blip>
+          <a:srcRect/>
+          <a:stretch>
+            <a:fillRect/>
+          </a:stretch>
+        </p:blipFill>
+        <p:spPr bwMode="auto">
+          <a:xfrm>
+            <a:off x="7844730" y="5949280"/>
+            <a:ext cx="1047750" cy="895350"/>
+          </a:xfrm>
+          <a:prstGeom prst="rect">
+            <a:avLst/>
+          </a:prstGeom>
+          <a:noFill/>
+          <a:ln>
+            <a:noFill/>
+          </a:ln>
+          <a:extLst>
+            <a:ext uri="{909E8E84-426E-40DD-AFC4-6F175D3DCCD1}">
+              <a14:hiddenFill xmlns:a14="http://schemas.microsoft.com/office/drawing/2010/main">
+                <a:solidFill>
+                  <a:schemeClr val="accent1"/>
+                </a:solidFill>
+              </a14:hiddenFill>
+            </a:ext>
+            <a:ext uri="{91240B29-F687-4F45-9708-019B960494DF}">
+              <a14:hiddenLine xmlns:a14="http://schemas.microsoft.com/office/drawing/2010/main" w="9525">
+                <a:solidFill>
+                  <a:schemeClr val="tx1"/>
+                </a:solidFill>
+                <a:miter lim="800000"/>
+                <a:headEnd/>
+                <a:tailEnd/>
+              </a14:hiddenLine>
+            </a:ext>
+          </a:extLst>
+        </p:spPr>
+      </p:pic>
+      <p:sp>
+        <p:nvSpPr>
+          <p:cNvPr id="10" name="Rectangle 1"/>
+          <p:cNvSpPr txBox="1">
+            <a:spLocks noChangeArrowheads="1"/>
+          </p:cNvSpPr>
+          <p:nvPr/>
+        </p:nvSpPr>
+        <p:spPr>
+          <a:xfrm>
+            <a:off x="79030" y="28863"/>
+            <a:ext cx="9064625" cy="1255713"/>
+          </a:xfrm>
+          <a:prstGeom prst="rect">
+            <a:avLst/>
+          </a:prstGeom>
+        </p:spPr>
+        <p:txBody>
+          <a:bodyPr vert="horz" lIns="91440" tIns="45720" rIns="91440" bIns="45720" rtlCol="0" anchor="ctr">
+            <a:normAutofit/>
+          </a:bodyPr>
+          <a:lstStyle>
+            <a:lvl1pPr algn="ctr" defTabSz="914400" rtl="0" eaLnBrk="1" latinLnBrk="0" hangingPunct="1">
+              <a:spcBef>
+                <a:spcPct val="0"/>
+              </a:spcBef>
+              <a:buNone/>
+              <a:defRPr sz="4400" kern="1200">
+                <a:solidFill>
+                  <a:schemeClr val="tx1"/>
+                </a:solidFill>
+                <a:latin typeface="+mj-lt"/>
+                <a:ea typeface="+mj-ea"/>
+                <a:cs typeface="+mj-cs"/>
+              </a:defRPr>
+            </a:lvl1pPr>
+          </a:lstStyle>
+          <a:p>
+            <a:pPr>
+              <a:tabLst>
+                <a:tab pos="0" algn="l"/>
+                <a:tab pos="447675" algn="l"/>
+                <a:tab pos="896938" algn="l"/>
+                <a:tab pos="1346200" algn="l"/>
+                <a:tab pos="1795463" algn="l"/>
+                <a:tab pos="2244725" algn="l"/>
+                <a:tab pos="2693988" algn="l"/>
+                <a:tab pos="3143250" algn="l"/>
+                <a:tab pos="3592513" algn="l"/>
+                <a:tab pos="4041775" algn="l"/>
+                <a:tab pos="4491038" algn="l"/>
+                <a:tab pos="4940300" algn="l"/>
+                <a:tab pos="5389563" algn="l"/>
+                <a:tab pos="5838825" algn="l"/>
+                <a:tab pos="6288088" algn="l"/>
+                <a:tab pos="6737350" algn="l"/>
+                <a:tab pos="7186613" algn="l"/>
+                <a:tab pos="7635875" algn="l"/>
+                <a:tab pos="8085138" algn="l"/>
+                <a:tab pos="8534400" algn="l"/>
+                <a:tab pos="8983663" algn="l"/>
+              </a:tabLst>
+            </a:pPr>
+            <a:r>
+              <a:rPr lang="pt-BR" altLang="pt-BR" dirty="0" smtClean="0">
+                <a:solidFill>
+                  <a:srgbClr val="92D050"/>
+                </a:solidFill>
+                <a:latin typeface="Castellar" pitchFamily="18" charset="0"/>
+              </a:rPr>
+              <a:t>   </a:t>
+            </a:r>
+            <a:r>
+              <a:rPr lang="pt-BR" altLang="pt-BR" sz="5400" b="1" dirty="0" smtClean="0">
+                <a:ln w="17780" cmpd="sng">
+                  <a:solidFill>
+                    <a:srgbClr val="FFFFFF"/>
+                  </a:solidFill>
+                  <a:prstDash val="solid"/>
+                  <a:miter lim="800000"/>
+                </a:ln>
+                <a:gradFill rotWithShape="1">
+                  <a:gsLst>
+                    <a:gs pos="0">
+                      <a:srgbClr val="000000">
+                        <a:tint val="92000"/>
+                        <a:shade val="100000"/>
+                        <a:satMod val="150000"/>
+                      </a:srgbClr>
+                    </a:gs>
+                    <a:gs pos="49000">
+                      <a:srgbClr val="000000">
+                        <a:tint val="89000"/>
+                        <a:shade val="90000"/>
+                        <a:satMod val="150000"/>
+                      </a:srgbClr>
+                    </a:gs>
+                    <a:gs pos="50000">
+                      <a:srgbClr val="000000">
+                        <a:tint val="100000"/>
+                        <a:shade val="75000"/>
+                        <a:satMod val="150000"/>
+                      </a:srgbClr>
+                    </a:gs>
+                    <a:gs pos="95000">
+                      <a:srgbClr val="000000">
+                        <a:shade val="47000"/>
+                        <a:satMod val="150000"/>
+                      </a:srgbClr>
+                    </a:gs>
+                    <a:gs pos="100000">
+                      <a:srgbClr val="000000">
+                        <a:shade val="39000"/>
+                        <a:satMod val="150000"/>
+                      </a:srgbClr>
+                    </a:gs>
+                  </a:gsLst>
+                  <a:lin ang="5400000"/>
+                </a:gradFill>
+                <a:effectLst>
+                  <a:outerShdw blurRad="50800" algn="tl" rotWithShape="0">
+                    <a:srgbClr val="000000"/>
+                  </a:outerShdw>
+                </a:effectLst>
+                <a:latin typeface="+mn-lt"/>
+                <a:ea typeface="+mn-ea"/>
+                <a:cs typeface="+mn-cs"/>
+              </a:rPr>
+              <a:t>Ferramentas</a:t>
+            </a:r>
+            <a:endParaRPr lang="pt-BR" altLang="pt-BR" sz="5400" b="1" dirty="0">
+              <a:ln w="17780" cmpd="sng">
+                <a:solidFill>
+                  <a:srgbClr val="FFFFFF"/>
+                </a:solidFill>
+                <a:prstDash val="solid"/>
+                <a:miter lim="800000"/>
+              </a:ln>
+              <a:gradFill rotWithShape="1">
+                <a:gsLst>
+                  <a:gs pos="0">
+                    <a:srgbClr val="000000">
+                      <a:tint val="92000"/>
+                      <a:shade val="100000"/>
+                      <a:satMod val="150000"/>
+                    </a:srgbClr>
+                  </a:gs>
+                  <a:gs pos="49000">
+                    <a:srgbClr val="000000">
+                      <a:tint val="89000"/>
+                      <a:shade val="90000"/>
+                      <a:satMod val="150000"/>
+                    </a:srgbClr>
+                  </a:gs>
+                  <a:gs pos="50000">
+                    <a:srgbClr val="000000">
+                      <a:tint val="100000"/>
+                      <a:shade val="75000"/>
+                      <a:satMod val="150000"/>
+                    </a:srgbClr>
+                  </a:gs>
+                  <a:gs pos="95000">
+                    <a:srgbClr val="000000">
+                      <a:shade val="47000"/>
+                      <a:satMod val="150000"/>
+                    </a:srgbClr>
+                  </a:gs>
+                  <a:gs pos="100000">
+                    <a:srgbClr val="000000">
+                      <a:shade val="39000"/>
+                      <a:satMod val="150000"/>
+                    </a:srgbClr>
+                  </a:gs>
+                </a:gsLst>
+                <a:lin ang="5400000"/>
+              </a:gradFill>
+              <a:effectLst>
+                <a:outerShdw blurRad="50800" algn="tl" rotWithShape="0">
+                  <a:srgbClr val="000000"/>
+                </a:outerShdw>
+              </a:effectLst>
+              <a:latin typeface="+mn-lt"/>
+              <a:ea typeface="+mn-ea"/>
+              <a:cs typeface="+mn-cs"/>
+            </a:endParaRPr>
+          </a:p>
+        </p:txBody>
+      </p:sp>
+      <p:sp>
+        <p:nvSpPr>
+          <p:cNvPr id="8" name="Elipse 7"/>
+          <p:cNvSpPr/>
+          <p:nvPr/>
+        </p:nvSpPr>
+        <p:spPr>
+          <a:xfrm>
+            <a:off x="7926880" y="5978776"/>
+            <a:ext cx="908340" cy="720080"/>
+          </a:xfrm>
+          <a:prstGeom prst="ellipse">
+            <a:avLst/>
+          </a:prstGeom>
+          <a:noFill/>
+          <a:ln>
+            <a:solidFill>
+              <a:schemeClr val="bg1">
+                <a:lumMod val="95000"/>
+              </a:schemeClr>
+            </a:solidFill>
+          </a:ln>
+          <a:effectLst>
+            <a:outerShdw blurRad="50800" dist="50800" dir="5400000" algn="ctr" rotWithShape="0">
+              <a:schemeClr val="tx1"/>
+            </a:outerShdw>
+          </a:effectLst>
+        </p:spPr>
+        <p:style>
+          <a:lnRef idx="2">
+            <a:schemeClr val="accent1">
+              <a:shade val="50000"/>
+            </a:schemeClr>
+          </a:lnRef>
+          <a:fillRef idx="1">
+            <a:schemeClr val="accent1"/>
+          </a:fillRef>
+          <a:effectRef idx="0">
+            <a:schemeClr val="accent1"/>
+          </a:effectRef>
+          <a:fontRef idx="minor">
+            <a:schemeClr val="lt1"/>
+          </a:fontRef>
+        </p:style>
+        <p:txBody>
+          <a:bodyPr rtlCol="0" anchor="ctr"/>
+          <a:lstStyle/>
+          <a:p>
+            <a:pPr algn="ctr"/>
+            <a:endParaRPr lang="pt-BR" dirty="0"/>
+          </a:p>
+        </p:txBody>
+      </p:sp>
+      <p:sp>
+        <p:nvSpPr>
+          <p:cNvPr id="14" name="Rectangle 1"/>
+          <p:cNvSpPr txBox="1">
+            <a:spLocks noChangeArrowheads="1"/>
+          </p:cNvSpPr>
+          <p:nvPr/>
+        </p:nvSpPr>
+        <p:spPr>
+          <a:xfrm>
+            <a:off x="231429" y="656719"/>
+            <a:ext cx="9064625" cy="1255713"/>
+          </a:xfrm>
+          <a:prstGeom prst="rect">
+            <a:avLst/>
+          </a:prstGeom>
+        </p:spPr>
+        <p:txBody>
+          <a:bodyPr vert="horz" lIns="91440" tIns="45720" rIns="91440" bIns="45720" rtlCol="0" anchor="ctr">
+            <a:normAutofit/>
+          </a:bodyPr>
+          <a:lstStyle>
+            <a:lvl1pPr algn="ctr" defTabSz="914400" rtl="0" eaLnBrk="1" latinLnBrk="0" hangingPunct="1">
+              <a:spcBef>
+                <a:spcPct val="0"/>
+              </a:spcBef>
+              <a:buNone/>
+              <a:defRPr sz="4400" kern="1200">
+                <a:solidFill>
+                  <a:schemeClr val="tx1"/>
+                </a:solidFill>
+                <a:latin typeface="+mj-lt"/>
+                <a:ea typeface="+mj-ea"/>
+                <a:cs typeface="+mj-cs"/>
+              </a:defRPr>
+            </a:lvl1pPr>
+          </a:lstStyle>
+          <a:p>
+            <a:pPr>
+              <a:tabLst>
+                <a:tab pos="0" algn="l"/>
+                <a:tab pos="447675" algn="l"/>
+                <a:tab pos="896938" algn="l"/>
+                <a:tab pos="1346200" algn="l"/>
+                <a:tab pos="1795463" algn="l"/>
+                <a:tab pos="2244725" algn="l"/>
+                <a:tab pos="2693988" algn="l"/>
+                <a:tab pos="3143250" algn="l"/>
+                <a:tab pos="3592513" algn="l"/>
+                <a:tab pos="4041775" algn="l"/>
+                <a:tab pos="4491038" algn="l"/>
+                <a:tab pos="4940300" algn="l"/>
+                <a:tab pos="5389563" algn="l"/>
+                <a:tab pos="5838825" algn="l"/>
+                <a:tab pos="6288088" algn="l"/>
+                <a:tab pos="6737350" algn="l"/>
+                <a:tab pos="7186613" algn="l"/>
+                <a:tab pos="7635875" algn="l"/>
+                <a:tab pos="8085138" algn="l"/>
+                <a:tab pos="8534400" algn="l"/>
+                <a:tab pos="8983663" algn="l"/>
+              </a:tabLst>
+            </a:pPr>
+            <a:r>
+              <a:rPr lang="pt-BR" altLang="pt-BR" sz="4000" dirty="0" smtClean="0">
+                <a:solidFill>
+                  <a:srgbClr val="92D050"/>
+                </a:solidFill>
+                <a:latin typeface="Castellar" pitchFamily="18" charset="0"/>
+              </a:rPr>
+              <a:t>   </a:t>
+            </a:r>
+            <a:r>
+              <a:rPr lang="pt-BR" altLang="pt-BR" sz="4000" b="1" dirty="0" smtClean="0">
+                <a:ln w="17780" cmpd="sng">
+                  <a:solidFill>
+                    <a:srgbClr val="FFFFFF"/>
+                  </a:solidFill>
+                  <a:prstDash val="solid"/>
+                  <a:miter lim="800000"/>
+                </a:ln>
+                <a:gradFill rotWithShape="1">
+                  <a:gsLst>
+                    <a:gs pos="0">
+                      <a:srgbClr val="000000">
+                        <a:tint val="92000"/>
+                        <a:shade val="100000"/>
+                        <a:satMod val="150000"/>
+                      </a:srgbClr>
+                    </a:gs>
+                    <a:gs pos="49000">
+                      <a:srgbClr val="000000">
+                        <a:tint val="89000"/>
+                        <a:shade val="90000"/>
+                        <a:satMod val="150000"/>
+                      </a:srgbClr>
+                    </a:gs>
+                    <a:gs pos="50000">
+                      <a:srgbClr val="000000">
+                        <a:tint val="100000"/>
+                        <a:shade val="75000"/>
+                        <a:satMod val="150000"/>
+                      </a:srgbClr>
+                    </a:gs>
+                    <a:gs pos="95000">
+                      <a:srgbClr val="000000">
+                        <a:shade val="47000"/>
+                        <a:satMod val="150000"/>
+                      </a:srgbClr>
+                    </a:gs>
+                    <a:gs pos="100000">
+                      <a:srgbClr val="000000">
+                        <a:shade val="39000"/>
+                        <a:satMod val="150000"/>
+                      </a:srgbClr>
+                    </a:gs>
+                  </a:gsLst>
+                  <a:lin ang="5400000"/>
+                </a:gradFill>
+                <a:effectLst>
+                  <a:outerShdw blurRad="50800" algn="tl" rotWithShape="0">
+                    <a:srgbClr val="000000"/>
+                  </a:outerShdw>
+                </a:effectLst>
+                <a:latin typeface="+mn-lt"/>
+                <a:ea typeface="+mn-ea"/>
+                <a:cs typeface="+mn-cs"/>
+              </a:rPr>
+              <a:t>Utilizadas</a:t>
+            </a:r>
+            <a:endParaRPr lang="pt-BR" altLang="pt-BR" sz="4000" b="1" dirty="0">
+              <a:ln w="17780" cmpd="sng">
+                <a:solidFill>
+                  <a:srgbClr val="FFFFFF"/>
+                </a:solidFill>
+                <a:prstDash val="solid"/>
+                <a:miter lim="800000"/>
+              </a:ln>
+              <a:gradFill rotWithShape="1">
+                <a:gsLst>
+                  <a:gs pos="0">
+                    <a:srgbClr val="000000">
+                      <a:tint val="92000"/>
+                      <a:shade val="100000"/>
+                      <a:satMod val="150000"/>
+                    </a:srgbClr>
+                  </a:gs>
+                  <a:gs pos="49000">
+                    <a:srgbClr val="000000">
+                      <a:tint val="89000"/>
+                      <a:shade val="90000"/>
+                      <a:satMod val="150000"/>
+                    </a:srgbClr>
+                  </a:gs>
+                  <a:gs pos="50000">
+                    <a:srgbClr val="000000">
+                      <a:tint val="100000"/>
+                      <a:shade val="75000"/>
+                      <a:satMod val="150000"/>
+                    </a:srgbClr>
+                  </a:gs>
+                  <a:gs pos="95000">
+                    <a:srgbClr val="000000">
+                      <a:shade val="47000"/>
+                      <a:satMod val="150000"/>
+                    </a:srgbClr>
+                  </a:gs>
+                  <a:gs pos="100000">
+                    <a:srgbClr val="000000">
+                      <a:shade val="39000"/>
+                      <a:satMod val="150000"/>
+                    </a:srgbClr>
+                  </a:gs>
+                </a:gsLst>
+                <a:lin ang="5400000"/>
+              </a:gradFill>
+              <a:effectLst>
+                <a:outerShdw blurRad="50800" algn="tl" rotWithShape="0">
+                  <a:srgbClr val="000000"/>
+                </a:outerShdw>
+              </a:effectLst>
+              <a:latin typeface="+mn-lt"/>
+              <a:ea typeface="+mn-ea"/>
+              <a:cs typeface="+mn-cs"/>
+            </a:endParaRPr>
+          </a:p>
+        </p:txBody>
+      </p:sp>
+      <p:pic>
+        <p:nvPicPr>
+          <p:cNvPr id="1026" name="Picture 2"/>
+          <p:cNvPicPr>
+            <a:picLocks noChangeAspect="1" noChangeArrowheads="1"/>
+          </p:cNvPicPr>
+          <p:nvPr/>
+        </p:nvPicPr>
+        <p:blipFill>
+          <a:blip r:embed="rId3">
+            <a:extLst>
+              <a:ext uri="{28A0092B-C50C-407E-A947-70E740481C1C}">
+                <a14:useLocalDpi xmlns:a14="http://schemas.microsoft.com/office/drawing/2010/main" val="0"/>
+              </a:ext>
+            </a:extLst>
+          </a:blip>
+          <a:srcRect/>
+          <a:stretch>
+            <a:fillRect/>
+          </a:stretch>
+        </p:blipFill>
+        <p:spPr bwMode="auto">
+          <a:xfrm>
+            <a:off x="539552" y="1680652"/>
+            <a:ext cx="3314700" cy="923925"/>
+          </a:xfrm>
+          <a:prstGeom prst="rect">
+            <a:avLst/>
+          </a:prstGeom>
+          <a:noFill/>
+          <a:ln>
+            <a:noFill/>
+          </a:ln>
+          <a:extLst>
+            <a:ext uri="{909E8E84-426E-40DD-AFC4-6F175D3DCCD1}">
+              <a14:hiddenFill xmlns:a14="http://schemas.microsoft.com/office/drawing/2010/main">
+                <a:solidFill>
+                  <a:schemeClr val="accent1"/>
+                </a:solidFill>
+              </a14:hiddenFill>
+            </a:ext>
+            <a:ext uri="{91240B29-F687-4F45-9708-019B960494DF}">
+              <a14:hiddenLine xmlns:a14="http://schemas.microsoft.com/office/drawing/2010/main" w="9525">
+                <a:solidFill>
+                  <a:schemeClr val="tx1"/>
+                </a:solidFill>
+                <a:miter lim="800000"/>
+                <a:headEnd/>
+                <a:tailEnd/>
+              </a14:hiddenLine>
+            </a:ext>
+          </a:extLst>
+        </p:spPr>
+      </p:pic>
+      <p:pic>
+        <p:nvPicPr>
+          <p:cNvPr id="1028" name="Picture 4"/>
+          <p:cNvPicPr>
+            <a:picLocks noChangeAspect="1" noChangeArrowheads="1"/>
+          </p:cNvPicPr>
+          <p:nvPr/>
+        </p:nvPicPr>
+        <p:blipFill>
+          <a:blip r:embed="rId4">
+            <a:extLst>
+              <a:ext uri="{28A0092B-C50C-407E-A947-70E740481C1C}">
+                <a14:useLocalDpi xmlns:a14="http://schemas.microsoft.com/office/drawing/2010/main" val="0"/>
+              </a:ext>
+            </a:extLst>
+          </a:blip>
+          <a:srcRect/>
+          <a:stretch>
+            <a:fillRect/>
+          </a:stretch>
+        </p:blipFill>
+        <p:spPr bwMode="auto">
+          <a:xfrm>
+            <a:off x="2393429" y="3345153"/>
+            <a:ext cx="1724025" cy="828675"/>
+          </a:xfrm>
+          <a:prstGeom prst="rect">
+            <a:avLst/>
+          </a:prstGeom>
+          <a:noFill/>
+          <a:ln>
+            <a:noFill/>
+          </a:ln>
+          <a:extLst>
+            <a:ext uri="{909E8E84-426E-40DD-AFC4-6F175D3DCCD1}">
+              <a14:hiddenFill xmlns:a14="http://schemas.microsoft.com/office/drawing/2010/main">
+                <a:solidFill>
+                  <a:schemeClr val="accent1"/>
+                </a:solidFill>
+              </a14:hiddenFill>
+            </a:ext>
+            <a:ext uri="{91240B29-F687-4F45-9708-019B960494DF}">
+              <a14:hiddenLine xmlns:a14="http://schemas.microsoft.com/office/drawing/2010/main" w="9525">
+                <a:solidFill>
+                  <a:schemeClr val="tx1"/>
+                </a:solidFill>
+                <a:miter lim="800000"/>
+                <a:headEnd/>
+                <a:tailEnd/>
+              </a14:hiddenLine>
+            </a:ext>
+          </a:extLst>
+        </p:spPr>
+      </p:pic>
+      <p:pic>
+        <p:nvPicPr>
+          <p:cNvPr id="1029" name="Picture 5"/>
+          <p:cNvPicPr>
+            <a:picLocks noChangeAspect="1" noChangeArrowheads="1"/>
+          </p:cNvPicPr>
+          <p:nvPr/>
+        </p:nvPicPr>
+        <p:blipFill>
+          <a:blip r:embed="rId5">
+            <a:extLst>
+              <a:ext uri="{28A0092B-C50C-407E-A947-70E740481C1C}">
+                <a14:useLocalDpi xmlns:a14="http://schemas.microsoft.com/office/drawing/2010/main" val="0"/>
+              </a:ext>
+            </a:extLst>
+          </a:blip>
+          <a:srcRect/>
+          <a:stretch>
+            <a:fillRect/>
+          </a:stretch>
+        </p:blipFill>
+        <p:spPr bwMode="auto">
+          <a:xfrm>
+            <a:off x="4917207" y="3483265"/>
+            <a:ext cx="1847850" cy="552450"/>
+          </a:xfrm>
+          <a:prstGeom prst="rect">
+            <a:avLst/>
+          </a:prstGeom>
+          <a:noFill/>
+          <a:ln>
+            <a:noFill/>
+          </a:ln>
+          <a:extLst>
+            <a:ext uri="{909E8E84-426E-40DD-AFC4-6F175D3DCCD1}">
+              <a14:hiddenFill xmlns:a14="http://schemas.microsoft.com/office/drawing/2010/main">
+                <a:solidFill>
+                  <a:schemeClr val="accent1"/>
+                </a:solidFill>
+              </a14:hiddenFill>
+            </a:ext>
+            <a:ext uri="{91240B29-F687-4F45-9708-019B960494DF}">
+              <a14:hiddenLine xmlns:a14="http://schemas.microsoft.com/office/drawing/2010/main" w="9525">
+                <a:solidFill>
+                  <a:schemeClr val="tx1"/>
+                </a:solidFill>
+                <a:miter lim="800000"/>
+                <a:headEnd/>
+                <a:tailEnd/>
+              </a14:hiddenLine>
+            </a:ext>
+          </a:extLst>
+        </p:spPr>
+      </p:pic>
+      <p:pic>
+        <p:nvPicPr>
+          <p:cNvPr id="3" name="Picture 3"/>
+          <p:cNvPicPr>
+            <a:picLocks noChangeAspect="1" noChangeArrowheads="1"/>
+          </p:cNvPicPr>
+          <p:nvPr/>
+        </p:nvPicPr>
+        <p:blipFill>
+          <a:blip r:embed="rId6">
+            <a:extLst>
+              <a:ext uri="{28A0092B-C50C-407E-A947-70E740481C1C}">
+                <a14:useLocalDpi xmlns:a14="http://schemas.microsoft.com/office/drawing/2010/main" val="0"/>
+              </a:ext>
+            </a:extLst>
+          </a:blip>
+          <a:srcRect/>
+          <a:stretch>
+            <a:fillRect/>
+          </a:stretch>
+        </p:blipFill>
+        <p:spPr bwMode="auto">
+          <a:xfrm>
+            <a:off x="7134545" y="4349080"/>
+            <a:ext cx="1647825" cy="1600200"/>
+          </a:xfrm>
+          <a:prstGeom prst="rect">
+            <a:avLst/>
+          </a:prstGeom>
+          <a:noFill/>
+          <a:ln>
+            <a:noFill/>
+          </a:ln>
+          <a:extLst>
+            <a:ext uri="{909E8E84-426E-40DD-AFC4-6F175D3DCCD1}">
+              <a14:hiddenFill xmlns:a14="http://schemas.microsoft.com/office/drawing/2010/main">
+                <a:solidFill>
+                  <a:schemeClr val="accent1"/>
+                </a:solidFill>
+              </a14:hiddenFill>
+            </a:ext>
+            <a:ext uri="{91240B29-F687-4F45-9708-019B960494DF}">
+              <a14:hiddenLine xmlns:a14="http://schemas.microsoft.com/office/drawing/2010/main" w="9525">
+                <a:solidFill>
+                  <a:schemeClr val="tx1"/>
+                </a:solidFill>
+                <a:miter lim="800000"/>
+                <a:headEnd/>
+                <a:tailEnd/>
+              </a14:hiddenLine>
+            </a:ext>
+          </a:extLst>
+        </p:spPr>
+      </p:pic>
+      <p:pic>
+        <p:nvPicPr>
+          <p:cNvPr id="4" name="Picture 4"/>
+          <p:cNvPicPr>
+            <a:picLocks noChangeAspect="1" noChangeArrowheads="1"/>
+          </p:cNvPicPr>
+          <p:nvPr/>
+        </p:nvPicPr>
+        <p:blipFill>
+          <a:blip r:embed="rId7">
+            <a:extLst>
+              <a:ext uri="{28A0092B-C50C-407E-A947-70E740481C1C}">
+                <a14:useLocalDpi xmlns:a14="http://schemas.microsoft.com/office/drawing/2010/main" val="0"/>
+              </a:ext>
+            </a:extLst>
+          </a:blip>
+          <a:srcRect/>
+          <a:stretch>
+            <a:fillRect/>
+          </a:stretch>
+        </p:blipFill>
+        <p:spPr bwMode="auto">
+          <a:xfrm>
+            <a:off x="3059832" y="4738616"/>
+            <a:ext cx="2781300" cy="1600200"/>
+          </a:xfrm>
+          <a:prstGeom prst="rect">
+            <a:avLst/>
+          </a:prstGeom>
+          <a:noFill/>
+          <a:ln>
+            <a:noFill/>
+          </a:ln>
+          <a:extLst>
+            <a:ext uri="{909E8E84-426E-40DD-AFC4-6F175D3DCCD1}">
+              <a14:hiddenFill xmlns:a14="http://schemas.microsoft.com/office/drawing/2010/main">
+                <a:solidFill>
+                  <a:schemeClr val="accent1"/>
+                </a:solidFill>
+              </a14:hiddenFill>
+            </a:ext>
+            <a:ext uri="{91240B29-F687-4F45-9708-019B960494DF}">
+              <a14:hiddenLine xmlns:a14="http://schemas.microsoft.com/office/drawing/2010/main" w="9525">
+                <a:solidFill>
+                  <a:schemeClr val="tx1"/>
+                </a:solidFill>
+                <a:miter lim="800000"/>
+                <a:headEnd/>
+                <a:tailEnd/>
+              </a14:hiddenLine>
+            </a:ext>
+          </a:extLst>
+        </p:spPr>
+      </p:pic>
+      <p:pic>
+        <p:nvPicPr>
+          <p:cNvPr id="5" name="Picture 5"/>
+          <p:cNvPicPr>
+            <a:picLocks noChangeAspect="1" noChangeArrowheads="1"/>
+          </p:cNvPicPr>
+          <p:nvPr/>
+        </p:nvPicPr>
+        <p:blipFill>
+          <a:blip r:embed="rId8">
+            <a:extLst>
+              <a:ext uri="{28A0092B-C50C-407E-A947-70E740481C1C}">
+                <a14:useLocalDpi xmlns:a14="http://schemas.microsoft.com/office/drawing/2010/main" val="0"/>
+              </a:ext>
+            </a:extLst>
+          </a:blip>
+          <a:srcRect/>
+          <a:stretch>
+            <a:fillRect/>
+          </a:stretch>
+        </p:blipFill>
+        <p:spPr bwMode="auto">
+          <a:xfrm>
+            <a:off x="6588224" y="1447289"/>
+            <a:ext cx="1676400" cy="1390650"/>
+          </a:xfrm>
+          <a:prstGeom prst="rect">
+            <a:avLst/>
+          </a:prstGeom>
+          <a:noFill/>
+          <a:ln>
+            <a:noFill/>
+          </a:ln>
+          <a:extLst>
+            <a:ext uri="{909E8E84-426E-40DD-AFC4-6F175D3DCCD1}">
+              <a14:hiddenFill xmlns:a14="http://schemas.microsoft.com/office/drawing/2010/main">
+                <a:solidFill>
+                  <a:schemeClr val="accent1"/>
+                </a:solidFill>
+              </a14:hiddenFill>
+            </a:ext>
+            <a:ext uri="{91240B29-F687-4F45-9708-019B960494DF}">
+              <a14:hiddenLine xmlns:a14="http://schemas.microsoft.com/office/drawing/2010/main" w="9525">
+                <a:solidFill>
+                  <a:schemeClr val="tx1"/>
+                </a:solidFill>
+                <a:miter lim="800000"/>
+                <a:headEnd/>
+                <a:tailEnd/>
+              </a14:hiddenLine>
+            </a:ext>
+          </a:extLst>
+        </p:spPr>
+      </p:pic>
+    </p:spTree>
+    <p:extLst>
+      <p:ext uri="{BB962C8B-B14F-4D97-AF65-F5344CB8AC3E}">
+        <p14:creationId xmlns:p14="http://schemas.microsoft.com/office/powerpoint/2010/main" val="104837561"/>
+      </p:ext>
+    </p:extLst>
+  </p:cSld>
+  <p:clrMapOvr>
+    <a:masterClrMapping/>
+  </p:clrMapOvr>
+  <p:timing>
+    <p:tnLst>
+      <p:par>
+        <p:cTn id="1" dur="indefinite" restart="never" nodeType="tmRoot">
+          <p:childTnLst>
+            <p:seq concurrent="1" nextAc="seek">
+              <p:cTn id="2" dur="indefinite" nodeType="mainSeq">
+                <p:childTnLst>
+                  <p:par>
+                    <p:cTn id="3" fill="hold">
+                      <p:stCondLst>
+                        <p:cond delay="indefinite"/>
+                      </p:stCondLst>
+                      <p:childTnLst>
+                        <p:par>
+                          <p:cTn id="4" fill="hold">
+                            <p:stCondLst>
+                              <p:cond delay="0"/>
+                            </p:stCondLst>
+                            <p:childTnLst>
+                              <p:par>
+                                <p:cTn id="5" presetID="20" presetClass="exit" presetSubtype="0" fill="hold" grpId="0" nodeType="clickEffect">
+                                  <p:stCondLst>
+                                    <p:cond delay="0"/>
+                                  </p:stCondLst>
+                                  <p:childTnLst>
+                                    <p:animEffect transition="out" filter="wedge">
+                                      <p:cBhvr>
+                                        <p:cTn id="6" dur="22000"/>
+                                        <p:tgtEl>
+                                          <p:spTgt spid="8"/>
+                                        </p:tgtEl>
+                                      </p:cBhvr>
+                                    </p:animEffect>
+                                    <p:set>
+                                      <p:cBhvr>
+                                        <p:cTn id="7" dur="1" fill="hold">
+                                          <p:stCondLst>
+                                            <p:cond delay="21999"/>
+                                          </p:stCondLst>
+                                        </p:cTn>
+                                        <p:tgtEl>
+                                          <p:spTgt spid="8"/>
+                                        </p:tgtEl>
+                                        <p:attrNameLst>
+                                          <p:attrName>style.visibility</p:attrName>
+                                        </p:attrNameLst>
+                                      </p:cBhvr>
+                                      <p:to>
+                                        <p:strVal val="hidden"/>
+                                      </p:to>
+                                    </p:set>
+                                  </p:childTnLst>
+                                </p:cTn>
+                              </p:par>
+                            </p:childTnLst>
+                          </p:cTn>
+                        </p:par>
+                      </p:childTnLst>
+                    </p:cTn>
+                  </p:par>
+                </p:childTnLst>
+              </p:cTn>
+              <p:prevCondLst>
+                <p:cond evt="onPrev" delay="0">
+                  <p:tgtEl>
+                    <p:sldTgt/>
+                  </p:tgtEl>
+                </p:cond>
+              </p:prevCondLst>
+              <p:nextCondLst>
+                <p:cond evt="onNext" delay="0">
+                  <p:tgtEl>
+                    <p:sldTgt/>
+                  </p:tgtEl>
+                </p:cond>
+              </p:nextCondLst>
+            </p:seq>
+          </p:childTnLst>
+        </p:cTn>
+      </p:par>
+    </p:tnLst>
+    <p:bldLst>
+      <p:bldP spid="8" grpId="0" animBg="1"/>
+    </p:bldLst>
+  </p:timing>
+</p:sld>
+</file>
+
+<file path=ppt/slides/slide7.xml><?xml version="1.0" encoding="utf-8"?>
+<p:sld xmlns:a="http://schemas.openxmlformats.org/drawingml/2006/main" xmlns:r="http://schemas.openxmlformats.org/officeDocument/2006/relationships" xmlns:p="http://schemas.openxmlformats.org/presentationml/2006/main">
+  <p:cSld>
+    <p:spTree>
+      <p:nvGrpSpPr>
+        <p:cNvPr id="1" name=""/>
+        <p:cNvGrpSpPr/>
+        <p:nvPr/>
+      </p:nvGrpSpPr>
+      <p:grpSpPr>
+        <a:xfrm>
+          <a:off x="0" y="0"/>
+          <a:ext cx="0" cy="0"/>
+          <a:chOff x="0" y="0"/>
+          <a:chExt cx="0" cy="0"/>
+        </a:xfrm>
+      </p:grpSpPr>
       <p:pic>
         <p:nvPicPr>
           <p:cNvPr id="9" name="Picture 3"/>
@@ -5113,2065 +9596,7 @@
 </p:sld>
 </file>
 
-<file path=ppt/slides/slide3.xml><?xml version="1.0" encoding="utf-8"?>
-<p:sld xmlns:a="http://schemas.openxmlformats.org/drawingml/2006/main" xmlns:r="http://schemas.openxmlformats.org/officeDocument/2006/relationships" xmlns:p="http://schemas.openxmlformats.org/presentationml/2006/main">
-  <p:cSld>
-    <p:spTree>
-      <p:nvGrpSpPr>
-        <p:cNvPr id="1" name=""/>
-        <p:cNvGrpSpPr/>
-        <p:nvPr/>
-      </p:nvGrpSpPr>
-      <p:grpSpPr>
-        <a:xfrm>
-          <a:off x="0" y="0"/>
-          <a:ext cx="0" cy="0"/>
-          <a:chOff x="0" y="0"/>
-          <a:chExt cx="0" cy="0"/>
-        </a:xfrm>
-      </p:grpSpPr>
-      <p:pic>
-        <p:nvPicPr>
-          <p:cNvPr id="13" name="Picture 3"/>
-          <p:cNvPicPr>
-            <a:picLocks noChangeAspect="1" noChangeArrowheads="1"/>
-          </p:cNvPicPr>
-          <p:nvPr/>
-        </p:nvPicPr>
-        <p:blipFill>
-          <a:blip r:embed="rId2">
-            <a:extLst>
-              <a:ext uri="{28A0092B-C50C-407E-A947-70E740481C1C}">
-                <a14:useLocalDpi xmlns:a14="http://schemas.microsoft.com/office/drawing/2010/main" val="0"/>
-              </a:ext>
-            </a:extLst>
-          </a:blip>
-          <a:srcRect/>
-          <a:stretch>
-            <a:fillRect/>
-          </a:stretch>
-        </p:blipFill>
-        <p:spPr bwMode="auto">
-          <a:xfrm>
-            <a:off x="7844730" y="5949280"/>
-            <a:ext cx="1047750" cy="895350"/>
-          </a:xfrm>
-          <a:prstGeom prst="rect">
-            <a:avLst/>
-          </a:prstGeom>
-          <a:noFill/>
-          <a:ln>
-            <a:noFill/>
-          </a:ln>
-          <a:extLst>
-            <a:ext uri="{909E8E84-426E-40DD-AFC4-6F175D3DCCD1}">
-              <a14:hiddenFill xmlns:a14="http://schemas.microsoft.com/office/drawing/2010/main">
-                <a:solidFill>
-                  <a:schemeClr val="accent1"/>
-                </a:solidFill>
-              </a14:hiddenFill>
-            </a:ext>
-            <a:ext uri="{91240B29-F687-4F45-9708-019B960494DF}">
-              <a14:hiddenLine xmlns:a14="http://schemas.microsoft.com/office/drawing/2010/main" w="9525">
-                <a:solidFill>
-                  <a:schemeClr val="tx1"/>
-                </a:solidFill>
-                <a:miter lim="800000"/>
-                <a:headEnd/>
-                <a:tailEnd/>
-              </a14:hiddenLine>
-            </a:ext>
-          </a:extLst>
-        </p:spPr>
-      </p:pic>
-      <p:sp>
-        <p:nvSpPr>
-          <p:cNvPr id="6" name="Rectangle 1"/>
-          <p:cNvSpPr txBox="1">
-            <a:spLocks noChangeArrowheads="1"/>
-          </p:cNvSpPr>
-          <p:nvPr/>
-        </p:nvSpPr>
-        <p:spPr>
-          <a:xfrm>
-            <a:off x="45787" y="28863"/>
-            <a:ext cx="9064625" cy="1255713"/>
-          </a:xfrm>
-          <a:prstGeom prst="rect">
-            <a:avLst/>
-          </a:prstGeom>
-        </p:spPr>
-        <p:txBody>
-          <a:bodyPr vert="horz" lIns="91440" tIns="45720" rIns="91440" bIns="45720" rtlCol="0" anchor="ctr">
-            <a:normAutofit/>
-          </a:bodyPr>
-          <a:lstStyle>
-            <a:lvl1pPr algn="ctr" defTabSz="914400" rtl="0" eaLnBrk="1" latinLnBrk="0" hangingPunct="1">
-              <a:spcBef>
-                <a:spcPct val="0"/>
-              </a:spcBef>
-              <a:buNone/>
-              <a:defRPr sz="4400" kern="1200">
-                <a:solidFill>
-                  <a:schemeClr val="tx1"/>
-                </a:solidFill>
-                <a:latin typeface="+mj-lt"/>
-                <a:ea typeface="+mj-ea"/>
-                <a:cs typeface="+mj-cs"/>
-              </a:defRPr>
-            </a:lvl1pPr>
-          </a:lstStyle>
-          <a:p>
-            <a:pPr>
-              <a:tabLst>
-                <a:tab pos="0" algn="l"/>
-                <a:tab pos="447675" algn="l"/>
-                <a:tab pos="896938" algn="l"/>
-                <a:tab pos="1346200" algn="l"/>
-                <a:tab pos="1795463" algn="l"/>
-                <a:tab pos="2244725" algn="l"/>
-                <a:tab pos="2693988" algn="l"/>
-                <a:tab pos="3143250" algn="l"/>
-                <a:tab pos="3592513" algn="l"/>
-                <a:tab pos="4041775" algn="l"/>
-                <a:tab pos="4491038" algn="l"/>
-                <a:tab pos="4940300" algn="l"/>
-                <a:tab pos="5389563" algn="l"/>
-                <a:tab pos="5838825" algn="l"/>
-                <a:tab pos="6288088" algn="l"/>
-                <a:tab pos="6737350" algn="l"/>
-                <a:tab pos="7186613" algn="l"/>
-                <a:tab pos="7635875" algn="l"/>
-                <a:tab pos="8085138" algn="l"/>
-                <a:tab pos="8534400" algn="l"/>
-                <a:tab pos="8983663" algn="l"/>
-              </a:tabLst>
-            </a:pPr>
-            <a:r>
-              <a:rPr lang="pt-BR" altLang="pt-BR" dirty="0" smtClean="0">
-                <a:solidFill>
-                  <a:srgbClr val="92D050"/>
-                </a:solidFill>
-                <a:latin typeface="Castellar" pitchFamily="18" charset="0"/>
-              </a:rPr>
-              <a:t>   </a:t>
-            </a:r>
-            <a:r>
-              <a:rPr lang="pt-BR" altLang="pt-BR" sz="5400" b="1" dirty="0" smtClean="0">
-                <a:ln w="17780" cmpd="sng">
-                  <a:solidFill>
-                    <a:srgbClr val="FFFFFF"/>
-                  </a:solidFill>
-                  <a:prstDash val="solid"/>
-                  <a:miter lim="800000"/>
-                </a:ln>
-                <a:gradFill rotWithShape="1">
-                  <a:gsLst>
-                    <a:gs pos="0">
-                      <a:srgbClr val="000000">
-                        <a:tint val="92000"/>
-                        <a:shade val="100000"/>
-                        <a:satMod val="150000"/>
-                      </a:srgbClr>
-                    </a:gs>
-                    <a:gs pos="49000">
-                      <a:srgbClr val="000000">
-                        <a:tint val="89000"/>
-                        <a:shade val="90000"/>
-                        <a:satMod val="150000"/>
-                      </a:srgbClr>
-                    </a:gs>
-                    <a:gs pos="50000">
-                      <a:srgbClr val="000000">
-                        <a:tint val="100000"/>
-                        <a:shade val="75000"/>
-                        <a:satMod val="150000"/>
-                      </a:srgbClr>
-                    </a:gs>
-                    <a:gs pos="95000">
-                      <a:srgbClr val="000000">
-                        <a:shade val="47000"/>
-                        <a:satMod val="150000"/>
-                      </a:srgbClr>
-                    </a:gs>
-                    <a:gs pos="100000">
-                      <a:srgbClr val="000000">
-                        <a:shade val="39000"/>
-                        <a:satMod val="150000"/>
-                      </a:srgbClr>
-                    </a:gs>
-                  </a:gsLst>
-                  <a:lin ang="5400000"/>
-                </a:gradFill>
-                <a:effectLst>
-                  <a:outerShdw blurRad="50800" algn="tl" rotWithShape="0">
-                    <a:srgbClr val="000000"/>
-                  </a:outerShdw>
-                </a:effectLst>
-                <a:latin typeface="+mn-lt"/>
-                <a:ea typeface="+mn-ea"/>
-                <a:cs typeface="+mn-cs"/>
-              </a:rPr>
-              <a:t>Objetivo do Aplicativo</a:t>
-            </a:r>
-            <a:endParaRPr lang="pt-BR" altLang="pt-BR" sz="5400" b="1" dirty="0">
-              <a:ln w="17780" cmpd="sng">
-                <a:solidFill>
-                  <a:srgbClr val="FFFFFF"/>
-                </a:solidFill>
-                <a:prstDash val="solid"/>
-                <a:miter lim="800000"/>
-              </a:ln>
-              <a:gradFill rotWithShape="1">
-                <a:gsLst>
-                  <a:gs pos="0">
-                    <a:srgbClr val="000000">
-                      <a:tint val="92000"/>
-                      <a:shade val="100000"/>
-                      <a:satMod val="150000"/>
-                    </a:srgbClr>
-                  </a:gs>
-                  <a:gs pos="49000">
-                    <a:srgbClr val="000000">
-                      <a:tint val="89000"/>
-                      <a:shade val="90000"/>
-                      <a:satMod val="150000"/>
-                    </a:srgbClr>
-                  </a:gs>
-                  <a:gs pos="50000">
-                    <a:srgbClr val="000000">
-                      <a:tint val="100000"/>
-                      <a:shade val="75000"/>
-                      <a:satMod val="150000"/>
-                    </a:srgbClr>
-                  </a:gs>
-                  <a:gs pos="95000">
-                    <a:srgbClr val="000000">
-                      <a:shade val="47000"/>
-                      <a:satMod val="150000"/>
-                    </a:srgbClr>
-                  </a:gs>
-                  <a:gs pos="100000">
-                    <a:srgbClr val="000000">
-                      <a:shade val="39000"/>
-                      <a:satMod val="150000"/>
-                    </a:srgbClr>
-                  </a:gs>
-                </a:gsLst>
-                <a:lin ang="5400000"/>
-              </a:gradFill>
-              <a:effectLst>
-                <a:outerShdw blurRad="50800" algn="tl" rotWithShape="0">
-                  <a:srgbClr val="000000"/>
-                </a:outerShdw>
-              </a:effectLst>
-              <a:latin typeface="+mn-lt"/>
-              <a:ea typeface="+mn-ea"/>
-              <a:cs typeface="+mn-cs"/>
-            </a:endParaRPr>
-          </a:p>
-        </p:txBody>
-      </p:sp>
-      <p:sp>
-        <p:nvSpPr>
-          <p:cNvPr id="5" name="Elipse 4"/>
-          <p:cNvSpPr/>
-          <p:nvPr/>
-        </p:nvSpPr>
-        <p:spPr>
-          <a:xfrm>
-            <a:off x="7926880" y="5978776"/>
-            <a:ext cx="908340" cy="720080"/>
-          </a:xfrm>
-          <a:prstGeom prst="ellipse">
-            <a:avLst/>
-          </a:prstGeom>
-          <a:noFill/>
-          <a:ln>
-            <a:solidFill>
-              <a:schemeClr val="bg1">
-                <a:lumMod val="95000"/>
-              </a:schemeClr>
-            </a:solidFill>
-          </a:ln>
-          <a:effectLst>
-            <a:outerShdw blurRad="50800" dist="50800" dir="5400000" algn="ctr" rotWithShape="0">
-              <a:schemeClr val="tx1"/>
-            </a:outerShdw>
-          </a:effectLst>
-        </p:spPr>
-        <p:style>
-          <a:lnRef idx="2">
-            <a:schemeClr val="accent1">
-              <a:shade val="50000"/>
-            </a:schemeClr>
-          </a:lnRef>
-          <a:fillRef idx="1">
-            <a:schemeClr val="accent1"/>
-          </a:fillRef>
-          <a:effectRef idx="0">
-            <a:schemeClr val="accent1"/>
-          </a:effectRef>
-          <a:fontRef idx="minor">
-            <a:schemeClr val="lt1"/>
-          </a:fontRef>
-        </p:style>
-        <p:txBody>
-          <a:bodyPr rtlCol="0" anchor="ctr"/>
-          <a:lstStyle/>
-          <a:p>
-            <a:pPr algn="ctr"/>
-            <a:endParaRPr lang="pt-BR" dirty="0"/>
-          </a:p>
-        </p:txBody>
-      </p:sp>
-      <p:sp>
-        <p:nvSpPr>
-          <p:cNvPr id="12" name="Rectangle 2"/>
-          <p:cNvSpPr txBox="1">
-            <a:spLocks noChangeArrowheads="1"/>
-          </p:cNvSpPr>
-          <p:nvPr/>
-        </p:nvSpPr>
-        <p:spPr>
-          <a:xfrm>
-            <a:off x="503238" y="1556792"/>
-            <a:ext cx="8389242" cy="3753643"/>
-          </a:xfrm>
-          <a:prstGeom prst="rect">
-            <a:avLst/>
-          </a:prstGeom>
-        </p:spPr>
-        <p:txBody>
-          <a:bodyPr vert="horz" lIns="91440" tIns="45720" rIns="91440" bIns="45720" rtlCol="0">
-            <a:normAutofit fontScale="25000" lnSpcReduction="20000"/>
-          </a:bodyPr>
-          <a:lstStyle>
-            <a:lvl1pPr marL="342900" indent="-342900" algn="l" defTabSz="914400" rtl="0" eaLnBrk="1" latinLnBrk="0" hangingPunct="1">
-              <a:spcBef>
-                <a:spcPct val="20000"/>
-              </a:spcBef>
-              <a:buFont typeface="Arial" panose="020B0604020202020204" pitchFamily="34" charset="0"/>
-              <a:buChar char="•"/>
-              <a:defRPr sz="3200" kern="1200">
-                <a:solidFill>
-                  <a:schemeClr val="tx1"/>
-                </a:solidFill>
-                <a:latin typeface="+mn-lt"/>
-                <a:ea typeface="+mn-ea"/>
-                <a:cs typeface="+mn-cs"/>
-              </a:defRPr>
-            </a:lvl1pPr>
-            <a:lvl2pPr marL="742950" indent="-285750" algn="l" defTabSz="914400" rtl="0" eaLnBrk="1" latinLnBrk="0" hangingPunct="1">
-              <a:spcBef>
-                <a:spcPct val="20000"/>
-              </a:spcBef>
-              <a:buFont typeface="Arial" panose="020B0604020202020204" pitchFamily="34" charset="0"/>
-              <a:buChar char="–"/>
-              <a:defRPr sz="2800" kern="1200">
-                <a:solidFill>
-                  <a:schemeClr val="tx1"/>
-                </a:solidFill>
-                <a:latin typeface="+mn-lt"/>
-                <a:ea typeface="+mn-ea"/>
-                <a:cs typeface="+mn-cs"/>
-              </a:defRPr>
-            </a:lvl2pPr>
-            <a:lvl3pPr marL="1143000" indent="-228600" algn="l" defTabSz="914400" rtl="0" eaLnBrk="1" latinLnBrk="0" hangingPunct="1">
-              <a:spcBef>
-                <a:spcPct val="20000"/>
-              </a:spcBef>
-              <a:buFont typeface="Arial" panose="020B0604020202020204" pitchFamily="34" charset="0"/>
-              <a:buChar char="•"/>
-              <a:defRPr sz="2400" kern="1200">
-                <a:solidFill>
-                  <a:schemeClr val="tx1"/>
-                </a:solidFill>
-                <a:latin typeface="+mn-lt"/>
-                <a:ea typeface="+mn-ea"/>
-                <a:cs typeface="+mn-cs"/>
-              </a:defRPr>
-            </a:lvl3pPr>
-            <a:lvl4pPr marL="1600200" indent="-228600" algn="l" defTabSz="914400" rtl="0" eaLnBrk="1" latinLnBrk="0" hangingPunct="1">
-              <a:spcBef>
-                <a:spcPct val="20000"/>
-              </a:spcBef>
-              <a:buFont typeface="Arial" panose="020B0604020202020204" pitchFamily="34" charset="0"/>
-              <a:buChar char="–"/>
-              <a:defRPr sz="2000" kern="1200">
-                <a:solidFill>
-                  <a:schemeClr val="tx1"/>
-                </a:solidFill>
-                <a:latin typeface="+mn-lt"/>
-                <a:ea typeface="+mn-ea"/>
-                <a:cs typeface="+mn-cs"/>
-              </a:defRPr>
-            </a:lvl4pPr>
-            <a:lvl5pPr marL="2057400" indent="-228600" algn="l" defTabSz="914400" rtl="0" eaLnBrk="1" latinLnBrk="0" hangingPunct="1">
-              <a:spcBef>
-                <a:spcPct val="20000"/>
-              </a:spcBef>
-              <a:buFont typeface="Arial" panose="020B0604020202020204" pitchFamily="34" charset="0"/>
-              <a:buChar char="»"/>
-              <a:defRPr sz="2000" kern="1200">
-                <a:solidFill>
-                  <a:schemeClr val="tx1"/>
-                </a:solidFill>
-                <a:latin typeface="+mn-lt"/>
-                <a:ea typeface="+mn-ea"/>
-                <a:cs typeface="+mn-cs"/>
-              </a:defRPr>
-            </a:lvl5pPr>
-            <a:lvl6pPr marL="2514600" indent="-228600" algn="l" defTabSz="914400" rtl="0" eaLnBrk="1" latinLnBrk="0" hangingPunct="1">
-              <a:spcBef>
-                <a:spcPct val="20000"/>
-              </a:spcBef>
-              <a:buFont typeface="Arial" panose="020B0604020202020204" pitchFamily="34" charset="0"/>
-              <a:buChar char="•"/>
-              <a:defRPr sz="2000" kern="1200">
-                <a:solidFill>
-                  <a:schemeClr val="tx1"/>
-                </a:solidFill>
-                <a:latin typeface="+mn-lt"/>
-                <a:ea typeface="+mn-ea"/>
-                <a:cs typeface="+mn-cs"/>
-              </a:defRPr>
-            </a:lvl6pPr>
-            <a:lvl7pPr marL="2971800" indent="-228600" algn="l" defTabSz="914400" rtl="0" eaLnBrk="1" latinLnBrk="0" hangingPunct="1">
-              <a:spcBef>
-                <a:spcPct val="20000"/>
-              </a:spcBef>
-              <a:buFont typeface="Arial" panose="020B0604020202020204" pitchFamily="34" charset="0"/>
-              <a:buChar char="•"/>
-              <a:defRPr sz="2000" kern="1200">
-                <a:solidFill>
-                  <a:schemeClr val="tx1"/>
-                </a:solidFill>
-                <a:latin typeface="+mn-lt"/>
-                <a:ea typeface="+mn-ea"/>
-                <a:cs typeface="+mn-cs"/>
-              </a:defRPr>
-            </a:lvl7pPr>
-            <a:lvl8pPr marL="3429000" indent="-228600" algn="l" defTabSz="914400" rtl="0" eaLnBrk="1" latinLnBrk="0" hangingPunct="1">
-              <a:spcBef>
-                <a:spcPct val="20000"/>
-              </a:spcBef>
-              <a:buFont typeface="Arial" panose="020B0604020202020204" pitchFamily="34" charset="0"/>
-              <a:buChar char="•"/>
-              <a:defRPr sz="2000" kern="1200">
-                <a:solidFill>
-                  <a:schemeClr val="tx1"/>
-                </a:solidFill>
-                <a:latin typeface="+mn-lt"/>
-                <a:ea typeface="+mn-ea"/>
-                <a:cs typeface="+mn-cs"/>
-              </a:defRPr>
-            </a:lvl8pPr>
-            <a:lvl9pPr marL="3886200" indent="-228600" algn="l" defTabSz="914400" rtl="0" eaLnBrk="1" latinLnBrk="0" hangingPunct="1">
-              <a:spcBef>
-                <a:spcPct val="20000"/>
-              </a:spcBef>
-              <a:buFont typeface="Arial" panose="020B0604020202020204" pitchFamily="34" charset="0"/>
-              <a:buChar char="•"/>
-              <a:defRPr sz="2000" kern="1200">
-                <a:solidFill>
-                  <a:schemeClr val="tx1"/>
-                </a:solidFill>
-                <a:latin typeface="+mn-lt"/>
-                <a:ea typeface="+mn-ea"/>
-                <a:cs typeface="+mn-cs"/>
-              </a:defRPr>
-            </a:lvl9pPr>
-          </a:lstStyle>
-          <a:p>
-            <a:pPr marL="684213" indent="-682625">
-              <a:buClr>
-                <a:srgbClr val="92D050"/>
-              </a:buClr>
-              <a:buFont typeface="Times New Roman" pitchFamily="18" charset="0"/>
-              <a:buNone/>
-              <a:tabLst>
-                <a:tab pos="684213" algn="l"/>
-                <a:tab pos="788988" algn="l"/>
-                <a:tab pos="1238250" algn="l"/>
-                <a:tab pos="1687513" algn="l"/>
-                <a:tab pos="2136775" algn="l"/>
-                <a:tab pos="2586038" algn="l"/>
-                <a:tab pos="3035300" algn="l"/>
-                <a:tab pos="3484563" algn="l"/>
-                <a:tab pos="3933825" algn="l"/>
-                <a:tab pos="4383088" algn="l"/>
-                <a:tab pos="4832350" algn="l"/>
-                <a:tab pos="5281613" algn="l"/>
-                <a:tab pos="5730875" algn="l"/>
-                <a:tab pos="6180138" algn="l"/>
-                <a:tab pos="6629400" algn="l"/>
-                <a:tab pos="7078663" algn="l"/>
-                <a:tab pos="7527925" algn="l"/>
-                <a:tab pos="7977188" algn="l"/>
-                <a:tab pos="8426450" algn="l"/>
-                <a:tab pos="8875713" algn="l"/>
-                <a:tab pos="9324975" algn="l"/>
-              </a:tabLst>
-            </a:pPr>
-            <a:r>
-              <a:rPr lang="pt-BR" altLang="pt-BR" sz="11200" dirty="0" smtClean="0">
-                <a:latin typeface="Times New Roman" pitchFamily="18" charset="0"/>
-              </a:rPr>
-              <a:t>Desenvolver um aplicativo em </a:t>
-            </a:r>
-            <a:r>
-              <a:rPr lang="pt-BR" altLang="pt-BR" sz="11200" dirty="0" smtClean="0">
-                <a:latin typeface="Times New Roman" pitchFamily="18" charset="0"/>
-              </a:rPr>
-              <a:t>Intel </a:t>
-            </a:r>
-            <a:r>
-              <a:rPr lang="pt-BR" altLang="pt-BR" sz="11200" dirty="0" smtClean="0">
-                <a:latin typeface="Times New Roman" pitchFamily="18" charset="0"/>
-              </a:rPr>
-              <a:t>Xdk</a:t>
-            </a:r>
-            <a:r>
-              <a:rPr lang="pt-BR" altLang="pt-BR" sz="11200" dirty="0" smtClean="0">
-                <a:latin typeface="Times New Roman" pitchFamily="18" charset="0"/>
-              </a:rPr>
-              <a:t> </a:t>
-            </a:r>
-            <a:r>
-              <a:rPr lang="pt-BR" altLang="pt-BR" sz="11200" dirty="0" smtClean="0">
-                <a:latin typeface="Times New Roman" pitchFamily="18" charset="0"/>
-              </a:rPr>
-              <a:t>que:</a:t>
-            </a:r>
-          </a:p>
-          <a:p>
-            <a:pPr marL="684213" indent="-682625">
-              <a:buClr>
-                <a:srgbClr val="92D050"/>
-              </a:buClr>
-              <a:buFont typeface="Times New Roman" pitchFamily="18" charset="0"/>
-              <a:buNone/>
-              <a:tabLst>
-                <a:tab pos="684213" algn="l"/>
-                <a:tab pos="788988" algn="l"/>
-                <a:tab pos="1238250" algn="l"/>
-                <a:tab pos="1687513" algn="l"/>
-                <a:tab pos="2136775" algn="l"/>
-                <a:tab pos="2586038" algn="l"/>
-                <a:tab pos="3035300" algn="l"/>
-                <a:tab pos="3484563" algn="l"/>
-                <a:tab pos="3933825" algn="l"/>
-                <a:tab pos="4383088" algn="l"/>
-                <a:tab pos="4832350" algn="l"/>
-                <a:tab pos="5281613" algn="l"/>
-                <a:tab pos="5730875" algn="l"/>
-                <a:tab pos="6180138" algn="l"/>
-                <a:tab pos="6629400" algn="l"/>
-                <a:tab pos="7078663" algn="l"/>
-                <a:tab pos="7527925" algn="l"/>
-                <a:tab pos="7977188" algn="l"/>
-                <a:tab pos="8426450" algn="l"/>
-                <a:tab pos="8875713" algn="l"/>
-                <a:tab pos="9324975" algn="l"/>
-              </a:tabLst>
-            </a:pPr>
-            <a:endParaRPr lang="pt-BR" altLang="pt-BR" sz="11200" dirty="0" smtClean="0">
-              <a:latin typeface="Times New Roman" pitchFamily="18" charset="0"/>
-            </a:endParaRPr>
-          </a:p>
-          <a:p>
-            <a:pPr marL="684213" lvl="1" indent="-682625">
-              <a:buClr>
-                <a:schemeClr val="tx2"/>
-              </a:buClr>
-              <a:buFont typeface="Wingdings" pitchFamily="2" charset="2"/>
-              <a:buChar char="Ø"/>
-              <a:tabLst>
-                <a:tab pos="684213" algn="l"/>
-                <a:tab pos="788988" algn="l"/>
-                <a:tab pos="1238250" algn="l"/>
-                <a:tab pos="1687513" algn="l"/>
-                <a:tab pos="2136775" algn="l"/>
-                <a:tab pos="2586038" algn="l"/>
-                <a:tab pos="3035300" algn="l"/>
-                <a:tab pos="3484563" algn="l"/>
-                <a:tab pos="3933825" algn="l"/>
-                <a:tab pos="4383088" algn="l"/>
-                <a:tab pos="4832350" algn="l"/>
-                <a:tab pos="5281613" algn="l"/>
-                <a:tab pos="5730875" algn="l"/>
-                <a:tab pos="6180138" algn="l"/>
-                <a:tab pos="6629400" algn="l"/>
-                <a:tab pos="7078663" algn="l"/>
-                <a:tab pos="7527925" algn="l"/>
-                <a:tab pos="7977188" algn="l"/>
-                <a:tab pos="8426450" algn="l"/>
-                <a:tab pos="8875713" algn="l"/>
-                <a:tab pos="9324975" algn="l"/>
-              </a:tabLst>
-            </a:pPr>
-            <a:r>
-              <a:rPr lang="pt-BR" altLang="pt-BR" sz="11200" dirty="0">
-                <a:latin typeface="Times New Roman" pitchFamily="18" charset="0"/>
-                <a:cs typeface="Times New Roman" pitchFamily="18" charset="0"/>
-              </a:rPr>
-              <a:t>Agilize documentação dos veículos estacionados;</a:t>
-            </a:r>
-          </a:p>
-          <a:p>
-            <a:pPr marL="684213" lvl="1" indent="-682625">
-              <a:buClr>
-                <a:schemeClr val="tx2"/>
-              </a:buClr>
-              <a:buFont typeface="Wingdings" pitchFamily="2" charset="2"/>
-              <a:buChar char="Ø"/>
-              <a:tabLst>
-                <a:tab pos="684213" algn="l"/>
-                <a:tab pos="788988" algn="l"/>
-                <a:tab pos="1238250" algn="l"/>
-                <a:tab pos="1687513" algn="l"/>
-                <a:tab pos="2136775" algn="l"/>
-                <a:tab pos="2586038" algn="l"/>
-                <a:tab pos="3035300" algn="l"/>
-                <a:tab pos="3484563" algn="l"/>
-                <a:tab pos="3933825" algn="l"/>
-                <a:tab pos="4383088" algn="l"/>
-                <a:tab pos="4832350" algn="l"/>
-                <a:tab pos="5281613" algn="l"/>
-                <a:tab pos="5730875" algn="l"/>
-                <a:tab pos="6180138" algn="l"/>
-                <a:tab pos="6629400" algn="l"/>
-                <a:tab pos="7078663" algn="l"/>
-                <a:tab pos="7527925" algn="l"/>
-                <a:tab pos="7977188" algn="l"/>
-                <a:tab pos="8426450" algn="l"/>
-                <a:tab pos="8875713" algn="l"/>
-                <a:tab pos="9324975" algn="l"/>
-              </a:tabLst>
-            </a:pPr>
-            <a:r>
-              <a:rPr lang="pt-BR" altLang="pt-BR" sz="11200" dirty="0">
-                <a:latin typeface="Times New Roman" pitchFamily="18" charset="0"/>
-                <a:cs typeface="Times New Roman" pitchFamily="18" charset="0"/>
-              </a:rPr>
-              <a:t>Facilite a cobrança do serviço;</a:t>
-            </a:r>
-          </a:p>
-          <a:p>
-            <a:pPr marL="684213" lvl="1" indent="-682625">
-              <a:buClr>
-                <a:schemeClr val="tx2"/>
-              </a:buClr>
-              <a:buFont typeface="Wingdings" pitchFamily="2" charset="2"/>
-              <a:buChar char="Ø"/>
-              <a:tabLst>
-                <a:tab pos="684213" algn="l"/>
-                <a:tab pos="788988" algn="l"/>
-                <a:tab pos="1238250" algn="l"/>
-                <a:tab pos="1687513" algn="l"/>
-                <a:tab pos="2136775" algn="l"/>
-                <a:tab pos="2586038" algn="l"/>
-                <a:tab pos="3035300" algn="l"/>
-                <a:tab pos="3484563" algn="l"/>
-                <a:tab pos="3933825" algn="l"/>
-                <a:tab pos="4383088" algn="l"/>
-                <a:tab pos="4832350" algn="l"/>
-                <a:tab pos="5281613" algn="l"/>
-                <a:tab pos="5730875" algn="l"/>
-                <a:tab pos="6180138" algn="l"/>
-                <a:tab pos="6629400" algn="l"/>
-                <a:tab pos="7078663" algn="l"/>
-                <a:tab pos="7527925" algn="l"/>
-                <a:tab pos="7977188" algn="l"/>
-                <a:tab pos="8426450" algn="l"/>
-                <a:tab pos="8875713" algn="l"/>
-                <a:tab pos="9324975" algn="l"/>
-              </a:tabLst>
-            </a:pPr>
-            <a:r>
-              <a:rPr lang="pt-BR" altLang="pt-BR" sz="11200" dirty="0" smtClean="0">
-                <a:latin typeface="Times New Roman" pitchFamily="18" charset="0"/>
-                <a:cs typeface="Times New Roman" pitchFamily="18" charset="0"/>
-              </a:rPr>
-              <a:t>Consiga </a:t>
-            </a:r>
-            <a:r>
-              <a:rPr lang="pt-BR" altLang="pt-BR" sz="11200" dirty="0">
-                <a:latin typeface="Times New Roman" pitchFamily="18" charset="0"/>
-                <a:cs typeface="Times New Roman" pitchFamily="18" charset="0"/>
-              </a:rPr>
-              <a:t>coletar informações dos clientes do </a:t>
-            </a:r>
-            <a:r>
-              <a:rPr lang="pt-BR" altLang="pt-BR" sz="11200" dirty="0">
-                <a:latin typeface="Times New Roman" pitchFamily="18" charset="0"/>
-                <a:cs typeface="Times New Roman" pitchFamily="18" charset="0"/>
-              </a:rPr>
-              <a:t>estabelecimento</a:t>
-            </a:r>
-            <a:r>
-              <a:rPr lang="pt-BR" altLang="pt-BR" sz="11200" dirty="0">
-                <a:latin typeface="Times New Roman" pitchFamily="18" charset="0"/>
-                <a:cs typeface="Times New Roman" pitchFamily="18" charset="0"/>
-              </a:rPr>
-              <a:t>;</a:t>
-            </a:r>
-          </a:p>
-          <a:p>
-            <a:pPr marL="684213" lvl="1" indent="-682625">
-              <a:buClr>
-                <a:schemeClr val="tx2"/>
-              </a:buClr>
-              <a:buFont typeface="Wingdings" pitchFamily="2" charset="2"/>
-              <a:buChar char="Ø"/>
-              <a:tabLst>
-                <a:tab pos="684213" algn="l"/>
-                <a:tab pos="788988" algn="l"/>
-                <a:tab pos="1238250" algn="l"/>
-                <a:tab pos="1687513" algn="l"/>
-                <a:tab pos="2136775" algn="l"/>
-                <a:tab pos="2586038" algn="l"/>
-                <a:tab pos="3035300" algn="l"/>
-                <a:tab pos="3484563" algn="l"/>
-                <a:tab pos="3933825" algn="l"/>
-                <a:tab pos="4383088" algn="l"/>
-                <a:tab pos="4832350" algn="l"/>
-                <a:tab pos="5281613" algn="l"/>
-                <a:tab pos="5730875" algn="l"/>
-                <a:tab pos="6180138" algn="l"/>
-                <a:tab pos="6629400" algn="l"/>
-                <a:tab pos="7078663" algn="l"/>
-                <a:tab pos="7527925" algn="l"/>
-                <a:tab pos="7977188" algn="l"/>
-                <a:tab pos="8426450" algn="l"/>
-                <a:tab pos="8875713" algn="l"/>
-                <a:tab pos="9324975" algn="l"/>
-              </a:tabLst>
-            </a:pPr>
-            <a:r>
-              <a:rPr lang="pt-BR" sz="11200" dirty="0">
-                <a:latin typeface="Times New Roman" pitchFamily="18" charset="0"/>
-                <a:cs typeface="Times New Roman" pitchFamily="18" charset="0"/>
-              </a:rPr>
-              <a:t>Utilização do php para acesso a banco;</a:t>
-            </a:r>
-          </a:p>
-          <a:p>
-            <a:pPr marL="684213" lvl="1" indent="-682625">
-              <a:buClr>
-                <a:schemeClr val="tx2"/>
-              </a:buClr>
-              <a:buFont typeface="Wingdings" pitchFamily="2" charset="2"/>
-              <a:buChar char="Ø"/>
-              <a:tabLst>
-                <a:tab pos="684213" algn="l"/>
-                <a:tab pos="788988" algn="l"/>
-                <a:tab pos="1238250" algn="l"/>
-                <a:tab pos="1687513" algn="l"/>
-                <a:tab pos="2136775" algn="l"/>
-                <a:tab pos="2586038" algn="l"/>
-                <a:tab pos="3035300" algn="l"/>
-                <a:tab pos="3484563" algn="l"/>
-                <a:tab pos="3933825" algn="l"/>
-                <a:tab pos="4383088" algn="l"/>
-                <a:tab pos="4832350" algn="l"/>
-                <a:tab pos="5281613" algn="l"/>
-                <a:tab pos="5730875" algn="l"/>
-                <a:tab pos="6180138" algn="l"/>
-                <a:tab pos="6629400" algn="l"/>
-                <a:tab pos="7078663" algn="l"/>
-                <a:tab pos="7527925" algn="l"/>
-                <a:tab pos="7977188" algn="l"/>
-                <a:tab pos="8426450" algn="l"/>
-                <a:tab pos="8875713" algn="l"/>
-                <a:tab pos="9324975" algn="l"/>
-              </a:tabLst>
-            </a:pPr>
-            <a:r>
-              <a:rPr lang="pt-BR" sz="11200" dirty="0">
-                <a:latin typeface="Times New Roman" pitchFamily="18" charset="0"/>
-                <a:cs typeface="Times New Roman" pitchFamily="18" charset="0"/>
-              </a:rPr>
-              <a:t>Utilizando local do banco de dados mysql com crute (create, update</a:t>
-            </a:r>
-            <a:r>
-              <a:rPr lang="pt-BR" sz="11200" dirty="0">
-                <a:latin typeface="Times New Roman" pitchFamily="18" charset="0"/>
-                <a:cs typeface="Times New Roman" pitchFamily="18" charset="0"/>
-              </a:rPr>
-              <a:t> e delete</a:t>
-            </a:r>
-            <a:r>
-              <a:rPr lang="pt-BR" sz="11200" dirty="0" smtClean="0">
-                <a:latin typeface="Times New Roman" pitchFamily="18" charset="0"/>
-                <a:cs typeface="Times New Roman" pitchFamily="18" charset="0"/>
-              </a:rPr>
-              <a:t>);</a:t>
-            </a:r>
-            <a:endParaRPr lang="pt-BR" sz="11200" dirty="0">
-              <a:latin typeface="Times New Roman" pitchFamily="18" charset="0"/>
-              <a:cs typeface="Times New Roman" pitchFamily="18" charset="0"/>
-            </a:endParaRPr>
-          </a:p>
-          <a:p>
-            <a:pPr marL="684213" lvl="1" indent="-682625">
-              <a:buClr>
-                <a:schemeClr val="tx2"/>
-              </a:buClr>
-              <a:buFont typeface="Wingdings" pitchFamily="2" charset="2"/>
-              <a:buChar char="Ø"/>
-              <a:tabLst>
-                <a:tab pos="684213" algn="l"/>
-                <a:tab pos="788988" algn="l"/>
-                <a:tab pos="1238250" algn="l"/>
-                <a:tab pos="1687513" algn="l"/>
-                <a:tab pos="2136775" algn="l"/>
-                <a:tab pos="2586038" algn="l"/>
-                <a:tab pos="3035300" algn="l"/>
-                <a:tab pos="3484563" algn="l"/>
-                <a:tab pos="3933825" algn="l"/>
-                <a:tab pos="4383088" algn="l"/>
-                <a:tab pos="4832350" algn="l"/>
-                <a:tab pos="5281613" algn="l"/>
-                <a:tab pos="5730875" algn="l"/>
-                <a:tab pos="6180138" algn="l"/>
-                <a:tab pos="6629400" algn="l"/>
-                <a:tab pos="7078663" algn="l"/>
-                <a:tab pos="7527925" algn="l"/>
-                <a:tab pos="7977188" algn="l"/>
-                <a:tab pos="8426450" algn="l"/>
-                <a:tab pos="8875713" algn="l"/>
-                <a:tab pos="9324975" algn="l"/>
-              </a:tabLst>
-            </a:pPr>
-            <a:endParaRPr lang="pt-BR" altLang="pt-BR" sz="11200" dirty="0">
-              <a:latin typeface="Times New Roman" pitchFamily="18" charset="0"/>
-              <a:cs typeface="Times New Roman" pitchFamily="18" charset="0"/>
-            </a:endParaRPr>
-          </a:p>
-          <a:p>
-            <a:pPr marL="684213" indent="-682625">
-              <a:buClr>
-                <a:srgbClr val="92D050"/>
-              </a:buClr>
-              <a:buFont typeface="Times New Roman" pitchFamily="18" charset="0"/>
-              <a:buNone/>
-              <a:tabLst>
-                <a:tab pos="684213" algn="l"/>
-                <a:tab pos="788988" algn="l"/>
-                <a:tab pos="1238250" algn="l"/>
-                <a:tab pos="1687513" algn="l"/>
-                <a:tab pos="2136775" algn="l"/>
-                <a:tab pos="2586038" algn="l"/>
-                <a:tab pos="3035300" algn="l"/>
-                <a:tab pos="3484563" algn="l"/>
-                <a:tab pos="3933825" algn="l"/>
-                <a:tab pos="4383088" algn="l"/>
-                <a:tab pos="4832350" algn="l"/>
-                <a:tab pos="5281613" algn="l"/>
-                <a:tab pos="5730875" algn="l"/>
-                <a:tab pos="6180138" algn="l"/>
-                <a:tab pos="6629400" algn="l"/>
-                <a:tab pos="7078663" algn="l"/>
-                <a:tab pos="7527925" algn="l"/>
-                <a:tab pos="7977188" algn="l"/>
-                <a:tab pos="8426450" algn="l"/>
-                <a:tab pos="8875713" algn="l"/>
-                <a:tab pos="9324975" algn="l"/>
-              </a:tabLst>
-            </a:pPr>
-            <a:endParaRPr lang="pt-BR" altLang="pt-BR" sz="11200" dirty="0" smtClean="0">
-              <a:latin typeface="Times New Roman" pitchFamily="18" charset="0"/>
-            </a:endParaRPr>
-          </a:p>
-          <a:p>
-            <a:pPr marL="684213" indent="-682625">
-              <a:buClr>
-                <a:srgbClr val="92D050"/>
-              </a:buClr>
-              <a:buFont typeface="Times New Roman" pitchFamily="18" charset="0"/>
-              <a:buNone/>
-              <a:tabLst>
-                <a:tab pos="684213" algn="l"/>
-                <a:tab pos="788988" algn="l"/>
-                <a:tab pos="1238250" algn="l"/>
-                <a:tab pos="1687513" algn="l"/>
-                <a:tab pos="2136775" algn="l"/>
-                <a:tab pos="2586038" algn="l"/>
-                <a:tab pos="3035300" algn="l"/>
-                <a:tab pos="3484563" algn="l"/>
-                <a:tab pos="3933825" algn="l"/>
-                <a:tab pos="4383088" algn="l"/>
-                <a:tab pos="4832350" algn="l"/>
-                <a:tab pos="5281613" algn="l"/>
-                <a:tab pos="5730875" algn="l"/>
-                <a:tab pos="6180138" algn="l"/>
-                <a:tab pos="6629400" algn="l"/>
-                <a:tab pos="7078663" algn="l"/>
-                <a:tab pos="7527925" algn="l"/>
-                <a:tab pos="7977188" algn="l"/>
-                <a:tab pos="8426450" algn="l"/>
-                <a:tab pos="8875713" algn="l"/>
-                <a:tab pos="9324975" algn="l"/>
-              </a:tabLst>
-            </a:pPr>
-            <a:endParaRPr lang="pt-BR" altLang="pt-BR" sz="11200" dirty="0" smtClean="0">
-              <a:latin typeface="Times New Roman" pitchFamily="18" charset="0"/>
-            </a:endParaRPr>
-          </a:p>
-          <a:p>
-            <a:pPr marL="684213" indent="-682625">
-              <a:buClr>
-                <a:srgbClr val="92D050"/>
-              </a:buClr>
-              <a:buFont typeface="Times New Roman" pitchFamily="18" charset="0"/>
-              <a:buNone/>
-              <a:tabLst>
-                <a:tab pos="684213" algn="l"/>
-                <a:tab pos="788988" algn="l"/>
-                <a:tab pos="1238250" algn="l"/>
-                <a:tab pos="1687513" algn="l"/>
-                <a:tab pos="2136775" algn="l"/>
-                <a:tab pos="2586038" algn="l"/>
-                <a:tab pos="3035300" algn="l"/>
-                <a:tab pos="3484563" algn="l"/>
-                <a:tab pos="3933825" algn="l"/>
-                <a:tab pos="4383088" algn="l"/>
-                <a:tab pos="4832350" algn="l"/>
-                <a:tab pos="5281613" algn="l"/>
-                <a:tab pos="5730875" algn="l"/>
-                <a:tab pos="6180138" algn="l"/>
-                <a:tab pos="6629400" algn="l"/>
-                <a:tab pos="7078663" algn="l"/>
-                <a:tab pos="7527925" algn="l"/>
-                <a:tab pos="7977188" algn="l"/>
-                <a:tab pos="8426450" algn="l"/>
-                <a:tab pos="8875713" algn="l"/>
-                <a:tab pos="9324975" algn="l"/>
-              </a:tabLst>
-            </a:pPr>
-            <a:endParaRPr lang="pt-BR" altLang="pt-BR" dirty="0" smtClean="0">
-              <a:latin typeface="Times New Roman" pitchFamily="18" charset="0"/>
-            </a:endParaRPr>
-          </a:p>
-          <a:p>
-            <a:pPr marL="684213" indent="-682625">
-              <a:buClr>
-                <a:srgbClr val="92D050"/>
-              </a:buClr>
-              <a:buFont typeface="Times New Roman" pitchFamily="18" charset="0"/>
-              <a:buNone/>
-              <a:tabLst>
-                <a:tab pos="684213" algn="l"/>
-                <a:tab pos="788988" algn="l"/>
-                <a:tab pos="1238250" algn="l"/>
-                <a:tab pos="1687513" algn="l"/>
-                <a:tab pos="2136775" algn="l"/>
-                <a:tab pos="2586038" algn="l"/>
-                <a:tab pos="3035300" algn="l"/>
-                <a:tab pos="3484563" algn="l"/>
-                <a:tab pos="3933825" algn="l"/>
-                <a:tab pos="4383088" algn="l"/>
-                <a:tab pos="4832350" algn="l"/>
-                <a:tab pos="5281613" algn="l"/>
-                <a:tab pos="5730875" algn="l"/>
-                <a:tab pos="6180138" algn="l"/>
-                <a:tab pos="6629400" algn="l"/>
-                <a:tab pos="7078663" algn="l"/>
-                <a:tab pos="7527925" algn="l"/>
-                <a:tab pos="7977188" algn="l"/>
-                <a:tab pos="8426450" algn="l"/>
-                <a:tab pos="8875713" algn="l"/>
-                <a:tab pos="9324975" algn="l"/>
-              </a:tabLst>
-            </a:pPr>
-            <a:r>
-              <a:rPr lang="pt-BR" altLang="pt-BR" dirty="0" smtClean="0">
-                <a:latin typeface="Times New Roman" pitchFamily="18" charset="0"/>
-              </a:rPr>
-              <a:t>	</a:t>
-            </a:r>
-          </a:p>
-        </p:txBody>
-      </p:sp>
-      <p:pic>
-        <p:nvPicPr>
-          <p:cNvPr id="7" name="Picture 3"/>
-          <p:cNvPicPr>
-            <a:picLocks noChangeAspect="1" noChangeArrowheads="1"/>
-          </p:cNvPicPr>
-          <p:nvPr/>
-        </p:nvPicPr>
-        <p:blipFill>
-          <a:blip r:embed="rId3">
-            <a:extLst>
-              <a:ext uri="{28A0092B-C50C-407E-A947-70E740481C1C}">
-                <a14:useLocalDpi xmlns:a14="http://schemas.microsoft.com/office/drawing/2010/main" val="0"/>
-              </a:ext>
-            </a:extLst>
-          </a:blip>
-          <a:srcRect/>
-          <a:stretch>
-            <a:fillRect/>
-          </a:stretch>
-        </p:blipFill>
-        <p:spPr bwMode="auto">
-          <a:xfrm>
-            <a:off x="7524328" y="1171763"/>
-            <a:ext cx="1080120" cy="1080120"/>
-          </a:xfrm>
-          <a:prstGeom prst="rect">
-            <a:avLst/>
-          </a:prstGeom>
-          <a:noFill/>
-          <a:ln>
-            <a:noFill/>
-          </a:ln>
-          <a:extLst>
-            <a:ext uri="{909E8E84-426E-40DD-AFC4-6F175D3DCCD1}">
-              <a14:hiddenFill xmlns:a14="http://schemas.microsoft.com/office/drawing/2010/main">
-                <a:solidFill>
-                  <a:schemeClr val="accent1"/>
-                </a:solidFill>
-              </a14:hiddenFill>
-            </a:ext>
-            <a:ext uri="{91240B29-F687-4F45-9708-019B960494DF}">
-              <a14:hiddenLine xmlns:a14="http://schemas.microsoft.com/office/drawing/2010/main" w="9525">
-                <a:solidFill>
-                  <a:schemeClr val="tx1"/>
-                </a:solidFill>
-                <a:miter lim="800000"/>
-                <a:headEnd/>
-                <a:tailEnd/>
-              </a14:hiddenLine>
-            </a:ext>
-          </a:extLst>
-        </p:spPr>
-      </p:pic>
-    </p:spTree>
-    <p:extLst>
-      <p:ext uri="{BB962C8B-B14F-4D97-AF65-F5344CB8AC3E}">
-        <p14:creationId xmlns:p14="http://schemas.microsoft.com/office/powerpoint/2010/main" val="696165338"/>
-      </p:ext>
-    </p:extLst>
-  </p:cSld>
-  <p:clrMapOvr>
-    <a:masterClrMapping/>
-  </p:clrMapOvr>
-  <p:timing>
-    <p:tnLst>
-      <p:par>
-        <p:cTn id="1" dur="indefinite" restart="never" nodeType="tmRoot">
-          <p:childTnLst>
-            <p:seq concurrent="1" nextAc="seek">
-              <p:cTn id="2" dur="indefinite" nodeType="mainSeq">
-                <p:childTnLst>
-                  <p:par>
-                    <p:cTn id="3" fill="hold">
-                      <p:stCondLst>
-                        <p:cond delay="indefinite"/>
-                      </p:stCondLst>
-                      <p:childTnLst>
-                        <p:par>
-                          <p:cTn id="4" fill="hold">
-                            <p:stCondLst>
-                              <p:cond delay="0"/>
-                            </p:stCondLst>
-                            <p:childTnLst>
-                              <p:par>
-                                <p:cTn id="5" presetID="20" presetClass="exit" presetSubtype="0" fill="hold" grpId="0" nodeType="clickEffect">
-                                  <p:stCondLst>
-                                    <p:cond delay="0"/>
-                                  </p:stCondLst>
-                                  <p:childTnLst>
-                                    <p:animEffect transition="out" filter="wedge">
-                                      <p:cBhvr>
-                                        <p:cTn id="6" dur="12000"/>
-                                        <p:tgtEl>
-                                          <p:spTgt spid="5"/>
-                                        </p:tgtEl>
-                                      </p:cBhvr>
-                                    </p:animEffect>
-                                    <p:set>
-                                      <p:cBhvr>
-                                        <p:cTn id="7" dur="1" fill="hold">
-                                          <p:stCondLst>
-                                            <p:cond delay="11999"/>
-                                          </p:stCondLst>
-                                        </p:cTn>
-                                        <p:tgtEl>
-                                          <p:spTgt spid="5"/>
-                                        </p:tgtEl>
-                                        <p:attrNameLst>
-                                          <p:attrName>style.visibility</p:attrName>
-                                        </p:attrNameLst>
-                                      </p:cBhvr>
-                                      <p:to>
-                                        <p:strVal val="hidden"/>
-                                      </p:to>
-                                    </p:set>
-                                  </p:childTnLst>
-                                </p:cTn>
-                              </p:par>
-                            </p:childTnLst>
-                          </p:cTn>
-                        </p:par>
-                      </p:childTnLst>
-                    </p:cTn>
-                  </p:par>
-                </p:childTnLst>
-              </p:cTn>
-              <p:prevCondLst>
-                <p:cond evt="onPrev" delay="0">
-                  <p:tgtEl>
-                    <p:sldTgt/>
-                  </p:tgtEl>
-                </p:cond>
-              </p:prevCondLst>
-              <p:nextCondLst>
-                <p:cond evt="onNext" delay="0">
-                  <p:tgtEl>
-                    <p:sldTgt/>
-                  </p:tgtEl>
-                </p:cond>
-              </p:nextCondLst>
-            </p:seq>
-          </p:childTnLst>
-        </p:cTn>
-      </p:par>
-    </p:tnLst>
-    <p:bldLst>
-      <p:bldP spid="5" grpId="0" animBg="1"/>
-    </p:bldLst>
-  </p:timing>
-</p:sld>
-</file>
-
-<file path=ppt/slides/slide4.xml><?xml version="1.0" encoding="utf-8"?>
-<p:sld xmlns:a="http://schemas.openxmlformats.org/drawingml/2006/main" xmlns:r="http://schemas.openxmlformats.org/officeDocument/2006/relationships" xmlns:p="http://schemas.openxmlformats.org/presentationml/2006/main">
-  <p:cSld>
-    <p:spTree>
-      <p:nvGrpSpPr>
-        <p:cNvPr id="1" name=""/>
-        <p:cNvGrpSpPr/>
-        <p:nvPr/>
-      </p:nvGrpSpPr>
-      <p:grpSpPr>
-        <a:xfrm>
-          <a:off x="0" y="0"/>
-          <a:ext cx="0" cy="0"/>
-          <a:chOff x="0" y="0"/>
-          <a:chExt cx="0" cy="0"/>
-        </a:xfrm>
-      </p:grpSpPr>
-      <p:pic>
-        <p:nvPicPr>
-          <p:cNvPr id="12" name="Picture 3"/>
-          <p:cNvPicPr>
-            <a:picLocks noChangeAspect="1" noChangeArrowheads="1"/>
-          </p:cNvPicPr>
-          <p:nvPr/>
-        </p:nvPicPr>
-        <p:blipFill>
-          <a:blip r:embed="rId2">
-            <a:extLst>
-              <a:ext uri="{28A0092B-C50C-407E-A947-70E740481C1C}">
-                <a14:useLocalDpi xmlns:a14="http://schemas.microsoft.com/office/drawing/2010/main" val="0"/>
-              </a:ext>
-            </a:extLst>
-          </a:blip>
-          <a:srcRect/>
-          <a:stretch>
-            <a:fillRect/>
-          </a:stretch>
-        </p:blipFill>
-        <p:spPr bwMode="auto">
-          <a:xfrm>
-            <a:off x="7844730" y="5949280"/>
-            <a:ext cx="1047750" cy="895350"/>
-          </a:xfrm>
-          <a:prstGeom prst="rect">
-            <a:avLst/>
-          </a:prstGeom>
-          <a:noFill/>
-          <a:ln>
-            <a:noFill/>
-          </a:ln>
-          <a:extLst>
-            <a:ext uri="{909E8E84-426E-40DD-AFC4-6F175D3DCCD1}">
-              <a14:hiddenFill xmlns:a14="http://schemas.microsoft.com/office/drawing/2010/main">
-                <a:solidFill>
-                  <a:schemeClr val="accent1"/>
-                </a:solidFill>
-              </a14:hiddenFill>
-            </a:ext>
-            <a:ext uri="{91240B29-F687-4F45-9708-019B960494DF}">
-              <a14:hiddenLine xmlns:a14="http://schemas.microsoft.com/office/drawing/2010/main" w="9525">
-                <a:solidFill>
-                  <a:schemeClr val="tx1"/>
-                </a:solidFill>
-                <a:miter lim="800000"/>
-                <a:headEnd/>
-                <a:tailEnd/>
-              </a14:hiddenLine>
-            </a:ext>
-          </a:extLst>
-        </p:spPr>
-      </p:pic>
-      <p:sp>
-        <p:nvSpPr>
-          <p:cNvPr id="10" name="Rectangle 1"/>
-          <p:cNvSpPr txBox="1">
-            <a:spLocks noChangeArrowheads="1"/>
-          </p:cNvSpPr>
-          <p:nvPr/>
-        </p:nvSpPr>
-        <p:spPr>
-          <a:xfrm>
-            <a:off x="79030" y="28863"/>
-            <a:ext cx="9064625" cy="1255713"/>
-          </a:xfrm>
-          <a:prstGeom prst="rect">
-            <a:avLst/>
-          </a:prstGeom>
-        </p:spPr>
-        <p:txBody>
-          <a:bodyPr vert="horz" lIns="91440" tIns="45720" rIns="91440" bIns="45720" rtlCol="0" anchor="ctr">
-            <a:normAutofit/>
-          </a:bodyPr>
-          <a:lstStyle>
-            <a:lvl1pPr algn="ctr" defTabSz="914400" rtl="0" eaLnBrk="1" latinLnBrk="0" hangingPunct="1">
-              <a:spcBef>
-                <a:spcPct val="0"/>
-              </a:spcBef>
-              <a:buNone/>
-              <a:defRPr sz="4400" kern="1200">
-                <a:solidFill>
-                  <a:schemeClr val="tx1"/>
-                </a:solidFill>
-                <a:latin typeface="+mj-lt"/>
-                <a:ea typeface="+mj-ea"/>
-                <a:cs typeface="+mj-cs"/>
-              </a:defRPr>
-            </a:lvl1pPr>
-          </a:lstStyle>
-          <a:p>
-            <a:pPr>
-              <a:tabLst>
-                <a:tab pos="0" algn="l"/>
-                <a:tab pos="447675" algn="l"/>
-                <a:tab pos="896938" algn="l"/>
-                <a:tab pos="1346200" algn="l"/>
-                <a:tab pos="1795463" algn="l"/>
-                <a:tab pos="2244725" algn="l"/>
-                <a:tab pos="2693988" algn="l"/>
-                <a:tab pos="3143250" algn="l"/>
-                <a:tab pos="3592513" algn="l"/>
-                <a:tab pos="4041775" algn="l"/>
-                <a:tab pos="4491038" algn="l"/>
-                <a:tab pos="4940300" algn="l"/>
-                <a:tab pos="5389563" algn="l"/>
-                <a:tab pos="5838825" algn="l"/>
-                <a:tab pos="6288088" algn="l"/>
-                <a:tab pos="6737350" algn="l"/>
-                <a:tab pos="7186613" algn="l"/>
-                <a:tab pos="7635875" algn="l"/>
-                <a:tab pos="8085138" algn="l"/>
-                <a:tab pos="8534400" algn="l"/>
-                <a:tab pos="8983663" algn="l"/>
-              </a:tabLst>
-            </a:pPr>
-            <a:r>
-              <a:rPr lang="pt-BR" altLang="pt-BR" dirty="0" smtClean="0">
-                <a:solidFill>
-                  <a:srgbClr val="92D050"/>
-                </a:solidFill>
-                <a:latin typeface="Castellar" pitchFamily="18" charset="0"/>
-              </a:rPr>
-              <a:t>   </a:t>
-            </a:r>
-            <a:r>
-              <a:rPr lang="pt-BR" altLang="pt-BR" sz="5400" b="1" dirty="0" smtClean="0">
-                <a:ln w="17780" cmpd="sng">
-                  <a:solidFill>
-                    <a:srgbClr val="FFFFFF"/>
-                  </a:solidFill>
-                  <a:prstDash val="solid"/>
-                  <a:miter lim="800000"/>
-                </a:ln>
-                <a:gradFill rotWithShape="1">
-                  <a:gsLst>
-                    <a:gs pos="0">
-                      <a:srgbClr val="000000">
-                        <a:tint val="92000"/>
-                        <a:shade val="100000"/>
-                        <a:satMod val="150000"/>
-                      </a:srgbClr>
-                    </a:gs>
-                    <a:gs pos="49000">
-                      <a:srgbClr val="000000">
-                        <a:tint val="89000"/>
-                        <a:shade val="90000"/>
-                        <a:satMod val="150000"/>
-                      </a:srgbClr>
-                    </a:gs>
-                    <a:gs pos="50000">
-                      <a:srgbClr val="000000">
-                        <a:tint val="100000"/>
-                        <a:shade val="75000"/>
-                        <a:satMod val="150000"/>
-                      </a:srgbClr>
-                    </a:gs>
-                    <a:gs pos="95000">
-                      <a:srgbClr val="000000">
-                        <a:shade val="47000"/>
-                        <a:satMod val="150000"/>
-                      </a:srgbClr>
-                    </a:gs>
-                    <a:gs pos="100000">
-                      <a:srgbClr val="000000">
-                        <a:shade val="39000"/>
-                        <a:satMod val="150000"/>
-                      </a:srgbClr>
-                    </a:gs>
-                  </a:gsLst>
-                  <a:lin ang="5400000"/>
-                </a:gradFill>
-                <a:effectLst>
-                  <a:outerShdw blurRad="50800" algn="tl" rotWithShape="0">
-                    <a:srgbClr val="000000"/>
-                  </a:outerShdw>
-                </a:effectLst>
-                <a:latin typeface="+mn-lt"/>
-                <a:ea typeface="+mn-ea"/>
-                <a:cs typeface="+mn-cs"/>
-              </a:rPr>
-              <a:t>Ferramentas</a:t>
-            </a:r>
-            <a:endParaRPr lang="pt-BR" altLang="pt-BR" sz="5400" b="1" dirty="0">
-              <a:ln w="17780" cmpd="sng">
-                <a:solidFill>
-                  <a:srgbClr val="FFFFFF"/>
-                </a:solidFill>
-                <a:prstDash val="solid"/>
-                <a:miter lim="800000"/>
-              </a:ln>
-              <a:gradFill rotWithShape="1">
-                <a:gsLst>
-                  <a:gs pos="0">
-                    <a:srgbClr val="000000">
-                      <a:tint val="92000"/>
-                      <a:shade val="100000"/>
-                      <a:satMod val="150000"/>
-                    </a:srgbClr>
-                  </a:gs>
-                  <a:gs pos="49000">
-                    <a:srgbClr val="000000">
-                      <a:tint val="89000"/>
-                      <a:shade val="90000"/>
-                      <a:satMod val="150000"/>
-                    </a:srgbClr>
-                  </a:gs>
-                  <a:gs pos="50000">
-                    <a:srgbClr val="000000">
-                      <a:tint val="100000"/>
-                      <a:shade val="75000"/>
-                      <a:satMod val="150000"/>
-                    </a:srgbClr>
-                  </a:gs>
-                  <a:gs pos="95000">
-                    <a:srgbClr val="000000">
-                      <a:shade val="47000"/>
-                      <a:satMod val="150000"/>
-                    </a:srgbClr>
-                  </a:gs>
-                  <a:gs pos="100000">
-                    <a:srgbClr val="000000">
-                      <a:shade val="39000"/>
-                      <a:satMod val="150000"/>
-                    </a:srgbClr>
-                  </a:gs>
-                </a:gsLst>
-                <a:lin ang="5400000"/>
-              </a:gradFill>
-              <a:effectLst>
-                <a:outerShdw blurRad="50800" algn="tl" rotWithShape="0">
-                  <a:srgbClr val="000000"/>
-                </a:outerShdw>
-              </a:effectLst>
-              <a:latin typeface="+mn-lt"/>
-              <a:ea typeface="+mn-ea"/>
-              <a:cs typeface="+mn-cs"/>
-            </a:endParaRPr>
-          </a:p>
-        </p:txBody>
-      </p:sp>
-      <p:sp>
-        <p:nvSpPr>
-          <p:cNvPr id="8" name="Elipse 7"/>
-          <p:cNvSpPr/>
-          <p:nvPr/>
-        </p:nvSpPr>
-        <p:spPr>
-          <a:xfrm>
-            <a:off x="7926880" y="5978776"/>
-            <a:ext cx="908340" cy="720080"/>
-          </a:xfrm>
-          <a:prstGeom prst="ellipse">
-            <a:avLst/>
-          </a:prstGeom>
-          <a:noFill/>
-          <a:ln>
-            <a:solidFill>
-              <a:schemeClr val="bg1">
-                <a:lumMod val="95000"/>
-              </a:schemeClr>
-            </a:solidFill>
-          </a:ln>
-          <a:effectLst>
-            <a:outerShdw blurRad="50800" dist="50800" dir="5400000" algn="ctr" rotWithShape="0">
-              <a:schemeClr val="tx1"/>
-            </a:outerShdw>
-          </a:effectLst>
-        </p:spPr>
-        <p:style>
-          <a:lnRef idx="2">
-            <a:schemeClr val="accent1">
-              <a:shade val="50000"/>
-            </a:schemeClr>
-          </a:lnRef>
-          <a:fillRef idx="1">
-            <a:schemeClr val="accent1"/>
-          </a:fillRef>
-          <a:effectRef idx="0">
-            <a:schemeClr val="accent1"/>
-          </a:effectRef>
-          <a:fontRef idx="minor">
-            <a:schemeClr val="lt1"/>
-          </a:fontRef>
-        </p:style>
-        <p:txBody>
-          <a:bodyPr rtlCol="0" anchor="ctr"/>
-          <a:lstStyle/>
-          <a:p>
-            <a:pPr algn="ctr"/>
-            <a:endParaRPr lang="pt-BR" dirty="0"/>
-          </a:p>
-        </p:txBody>
-      </p:sp>
-      <p:sp>
-        <p:nvSpPr>
-          <p:cNvPr id="14" name="Rectangle 1"/>
-          <p:cNvSpPr txBox="1">
-            <a:spLocks noChangeArrowheads="1"/>
-          </p:cNvSpPr>
-          <p:nvPr/>
-        </p:nvSpPr>
-        <p:spPr>
-          <a:xfrm>
-            <a:off x="231429" y="656719"/>
-            <a:ext cx="9064625" cy="1255713"/>
-          </a:xfrm>
-          <a:prstGeom prst="rect">
-            <a:avLst/>
-          </a:prstGeom>
-        </p:spPr>
-        <p:txBody>
-          <a:bodyPr vert="horz" lIns="91440" tIns="45720" rIns="91440" bIns="45720" rtlCol="0" anchor="ctr">
-            <a:normAutofit/>
-          </a:bodyPr>
-          <a:lstStyle>
-            <a:lvl1pPr algn="ctr" defTabSz="914400" rtl="0" eaLnBrk="1" latinLnBrk="0" hangingPunct="1">
-              <a:spcBef>
-                <a:spcPct val="0"/>
-              </a:spcBef>
-              <a:buNone/>
-              <a:defRPr sz="4400" kern="1200">
-                <a:solidFill>
-                  <a:schemeClr val="tx1"/>
-                </a:solidFill>
-                <a:latin typeface="+mj-lt"/>
-                <a:ea typeface="+mj-ea"/>
-                <a:cs typeface="+mj-cs"/>
-              </a:defRPr>
-            </a:lvl1pPr>
-          </a:lstStyle>
-          <a:p>
-            <a:pPr>
-              <a:tabLst>
-                <a:tab pos="0" algn="l"/>
-                <a:tab pos="447675" algn="l"/>
-                <a:tab pos="896938" algn="l"/>
-                <a:tab pos="1346200" algn="l"/>
-                <a:tab pos="1795463" algn="l"/>
-                <a:tab pos="2244725" algn="l"/>
-                <a:tab pos="2693988" algn="l"/>
-                <a:tab pos="3143250" algn="l"/>
-                <a:tab pos="3592513" algn="l"/>
-                <a:tab pos="4041775" algn="l"/>
-                <a:tab pos="4491038" algn="l"/>
-                <a:tab pos="4940300" algn="l"/>
-                <a:tab pos="5389563" algn="l"/>
-                <a:tab pos="5838825" algn="l"/>
-                <a:tab pos="6288088" algn="l"/>
-                <a:tab pos="6737350" algn="l"/>
-                <a:tab pos="7186613" algn="l"/>
-                <a:tab pos="7635875" algn="l"/>
-                <a:tab pos="8085138" algn="l"/>
-                <a:tab pos="8534400" algn="l"/>
-                <a:tab pos="8983663" algn="l"/>
-              </a:tabLst>
-            </a:pPr>
-            <a:r>
-              <a:rPr lang="pt-BR" altLang="pt-BR" sz="4000" dirty="0" smtClean="0">
-                <a:solidFill>
-                  <a:srgbClr val="92D050"/>
-                </a:solidFill>
-                <a:latin typeface="Castellar" pitchFamily="18" charset="0"/>
-              </a:rPr>
-              <a:t>   </a:t>
-            </a:r>
-            <a:r>
-              <a:rPr lang="pt-BR" altLang="pt-BR" sz="4000" b="1" dirty="0" smtClean="0">
-                <a:ln w="17780" cmpd="sng">
-                  <a:solidFill>
-                    <a:srgbClr val="FFFFFF"/>
-                  </a:solidFill>
-                  <a:prstDash val="solid"/>
-                  <a:miter lim="800000"/>
-                </a:ln>
-                <a:gradFill rotWithShape="1">
-                  <a:gsLst>
-                    <a:gs pos="0">
-                      <a:srgbClr val="000000">
-                        <a:tint val="92000"/>
-                        <a:shade val="100000"/>
-                        <a:satMod val="150000"/>
-                      </a:srgbClr>
-                    </a:gs>
-                    <a:gs pos="49000">
-                      <a:srgbClr val="000000">
-                        <a:tint val="89000"/>
-                        <a:shade val="90000"/>
-                        <a:satMod val="150000"/>
-                      </a:srgbClr>
-                    </a:gs>
-                    <a:gs pos="50000">
-                      <a:srgbClr val="000000">
-                        <a:tint val="100000"/>
-                        <a:shade val="75000"/>
-                        <a:satMod val="150000"/>
-                      </a:srgbClr>
-                    </a:gs>
-                    <a:gs pos="95000">
-                      <a:srgbClr val="000000">
-                        <a:shade val="47000"/>
-                        <a:satMod val="150000"/>
-                      </a:srgbClr>
-                    </a:gs>
-                    <a:gs pos="100000">
-                      <a:srgbClr val="000000">
-                        <a:shade val="39000"/>
-                        <a:satMod val="150000"/>
-                      </a:srgbClr>
-                    </a:gs>
-                  </a:gsLst>
-                  <a:lin ang="5400000"/>
-                </a:gradFill>
-                <a:effectLst>
-                  <a:outerShdw blurRad="50800" algn="tl" rotWithShape="0">
-                    <a:srgbClr val="000000"/>
-                  </a:outerShdw>
-                </a:effectLst>
-                <a:latin typeface="+mn-lt"/>
-                <a:ea typeface="+mn-ea"/>
-                <a:cs typeface="+mn-cs"/>
-              </a:rPr>
-              <a:t>Utilizadas</a:t>
-            </a:r>
-            <a:endParaRPr lang="pt-BR" altLang="pt-BR" sz="4000" b="1" dirty="0">
-              <a:ln w="17780" cmpd="sng">
-                <a:solidFill>
-                  <a:srgbClr val="FFFFFF"/>
-                </a:solidFill>
-                <a:prstDash val="solid"/>
-                <a:miter lim="800000"/>
-              </a:ln>
-              <a:gradFill rotWithShape="1">
-                <a:gsLst>
-                  <a:gs pos="0">
-                    <a:srgbClr val="000000">
-                      <a:tint val="92000"/>
-                      <a:shade val="100000"/>
-                      <a:satMod val="150000"/>
-                    </a:srgbClr>
-                  </a:gs>
-                  <a:gs pos="49000">
-                    <a:srgbClr val="000000">
-                      <a:tint val="89000"/>
-                      <a:shade val="90000"/>
-                      <a:satMod val="150000"/>
-                    </a:srgbClr>
-                  </a:gs>
-                  <a:gs pos="50000">
-                    <a:srgbClr val="000000">
-                      <a:tint val="100000"/>
-                      <a:shade val="75000"/>
-                      <a:satMod val="150000"/>
-                    </a:srgbClr>
-                  </a:gs>
-                  <a:gs pos="95000">
-                    <a:srgbClr val="000000">
-                      <a:shade val="47000"/>
-                      <a:satMod val="150000"/>
-                    </a:srgbClr>
-                  </a:gs>
-                  <a:gs pos="100000">
-                    <a:srgbClr val="000000">
-                      <a:shade val="39000"/>
-                      <a:satMod val="150000"/>
-                    </a:srgbClr>
-                  </a:gs>
-                </a:gsLst>
-                <a:lin ang="5400000"/>
-              </a:gradFill>
-              <a:effectLst>
-                <a:outerShdw blurRad="50800" algn="tl" rotWithShape="0">
-                  <a:srgbClr val="000000"/>
-                </a:outerShdw>
-              </a:effectLst>
-              <a:latin typeface="+mn-lt"/>
-              <a:ea typeface="+mn-ea"/>
-              <a:cs typeface="+mn-cs"/>
-            </a:endParaRPr>
-          </a:p>
-        </p:txBody>
-      </p:sp>
-      <p:pic>
-        <p:nvPicPr>
-          <p:cNvPr id="1026" name="Picture 2"/>
-          <p:cNvPicPr>
-            <a:picLocks noChangeAspect="1" noChangeArrowheads="1"/>
-          </p:cNvPicPr>
-          <p:nvPr/>
-        </p:nvPicPr>
-        <p:blipFill>
-          <a:blip r:embed="rId3">
-            <a:extLst>
-              <a:ext uri="{28A0092B-C50C-407E-A947-70E740481C1C}">
-                <a14:useLocalDpi xmlns:a14="http://schemas.microsoft.com/office/drawing/2010/main" val="0"/>
-              </a:ext>
-            </a:extLst>
-          </a:blip>
-          <a:srcRect/>
-          <a:stretch>
-            <a:fillRect/>
-          </a:stretch>
-        </p:blipFill>
-        <p:spPr bwMode="auto">
-          <a:xfrm>
-            <a:off x="539552" y="1680652"/>
-            <a:ext cx="3314700" cy="923925"/>
-          </a:xfrm>
-          <a:prstGeom prst="rect">
-            <a:avLst/>
-          </a:prstGeom>
-          <a:noFill/>
-          <a:ln>
-            <a:noFill/>
-          </a:ln>
-          <a:extLst>
-            <a:ext uri="{909E8E84-426E-40DD-AFC4-6F175D3DCCD1}">
-              <a14:hiddenFill xmlns:a14="http://schemas.microsoft.com/office/drawing/2010/main">
-                <a:solidFill>
-                  <a:schemeClr val="accent1"/>
-                </a:solidFill>
-              </a14:hiddenFill>
-            </a:ext>
-            <a:ext uri="{91240B29-F687-4F45-9708-019B960494DF}">
-              <a14:hiddenLine xmlns:a14="http://schemas.microsoft.com/office/drawing/2010/main" w="9525">
-                <a:solidFill>
-                  <a:schemeClr val="tx1"/>
-                </a:solidFill>
-                <a:miter lim="800000"/>
-                <a:headEnd/>
-                <a:tailEnd/>
-              </a14:hiddenLine>
-            </a:ext>
-          </a:extLst>
-        </p:spPr>
-      </p:pic>
-      <p:pic>
-        <p:nvPicPr>
-          <p:cNvPr id="1028" name="Picture 4"/>
-          <p:cNvPicPr>
-            <a:picLocks noChangeAspect="1" noChangeArrowheads="1"/>
-          </p:cNvPicPr>
-          <p:nvPr/>
-        </p:nvPicPr>
-        <p:blipFill>
-          <a:blip r:embed="rId4">
-            <a:extLst>
-              <a:ext uri="{28A0092B-C50C-407E-A947-70E740481C1C}">
-                <a14:useLocalDpi xmlns:a14="http://schemas.microsoft.com/office/drawing/2010/main" val="0"/>
-              </a:ext>
-            </a:extLst>
-          </a:blip>
-          <a:srcRect/>
-          <a:stretch>
-            <a:fillRect/>
-          </a:stretch>
-        </p:blipFill>
-        <p:spPr bwMode="auto">
-          <a:xfrm>
-            <a:off x="2393429" y="3345153"/>
-            <a:ext cx="1724025" cy="828675"/>
-          </a:xfrm>
-          <a:prstGeom prst="rect">
-            <a:avLst/>
-          </a:prstGeom>
-          <a:noFill/>
-          <a:ln>
-            <a:noFill/>
-          </a:ln>
-          <a:extLst>
-            <a:ext uri="{909E8E84-426E-40DD-AFC4-6F175D3DCCD1}">
-              <a14:hiddenFill xmlns:a14="http://schemas.microsoft.com/office/drawing/2010/main">
-                <a:solidFill>
-                  <a:schemeClr val="accent1"/>
-                </a:solidFill>
-              </a14:hiddenFill>
-            </a:ext>
-            <a:ext uri="{91240B29-F687-4F45-9708-019B960494DF}">
-              <a14:hiddenLine xmlns:a14="http://schemas.microsoft.com/office/drawing/2010/main" w="9525">
-                <a:solidFill>
-                  <a:schemeClr val="tx1"/>
-                </a:solidFill>
-                <a:miter lim="800000"/>
-                <a:headEnd/>
-                <a:tailEnd/>
-              </a14:hiddenLine>
-            </a:ext>
-          </a:extLst>
-        </p:spPr>
-      </p:pic>
-      <p:pic>
-        <p:nvPicPr>
-          <p:cNvPr id="1029" name="Picture 5"/>
-          <p:cNvPicPr>
-            <a:picLocks noChangeAspect="1" noChangeArrowheads="1"/>
-          </p:cNvPicPr>
-          <p:nvPr/>
-        </p:nvPicPr>
-        <p:blipFill>
-          <a:blip r:embed="rId5">
-            <a:extLst>
-              <a:ext uri="{28A0092B-C50C-407E-A947-70E740481C1C}">
-                <a14:useLocalDpi xmlns:a14="http://schemas.microsoft.com/office/drawing/2010/main" val="0"/>
-              </a:ext>
-            </a:extLst>
-          </a:blip>
-          <a:srcRect/>
-          <a:stretch>
-            <a:fillRect/>
-          </a:stretch>
-        </p:blipFill>
-        <p:spPr bwMode="auto">
-          <a:xfrm>
-            <a:off x="4917207" y="3483265"/>
-            <a:ext cx="1847850" cy="552450"/>
-          </a:xfrm>
-          <a:prstGeom prst="rect">
-            <a:avLst/>
-          </a:prstGeom>
-          <a:noFill/>
-          <a:ln>
-            <a:noFill/>
-          </a:ln>
-          <a:extLst>
-            <a:ext uri="{909E8E84-426E-40DD-AFC4-6F175D3DCCD1}">
-              <a14:hiddenFill xmlns:a14="http://schemas.microsoft.com/office/drawing/2010/main">
-                <a:solidFill>
-                  <a:schemeClr val="accent1"/>
-                </a:solidFill>
-              </a14:hiddenFill>
-            </a:ext>
-            <a:ext uri="{91240B29-F687-4F45-9708-019B960494DF}">
-              <a14:hiddenLine xmlns:a14="http://schemas.microsoft.com/office/drawing/2010/main" w="9525">
-                <a:solidFill>
-                  <a:schemeClr val="tx1"/>
-                </a:solidFill>
-                <a:miter lim="800000"/>
-                <a:headEnd/>
-                <a:tailEnd/>
-              </a14:hiddenLine>
-            </a:ext>
-          </a:extLst>
-        </p:spPr>
-      </p:pic>
-      <p:pic>
-        <p:nvPicPr>
-          <p:cNvPr id="3" name="Picture 3"/>
-          <p:cNvPicPr>
-            <a:picLocks noChangeAspect="1" noChangeArrowheads="1"/>
-          </p:cNvPicPr>
-          <p:nvPr/>
-        </p:nvPicPr>
-        <p:blipFill>
-          <a:blip r:embed="rId6">
-            <a:extLst>
-              <a:ext uri="{28A0092B-C50C-407E-A947-70E740481C1C}">
-                <a14:useLocalDpi xmlns:a14="http://schemas.microsoft.com/office/drawing/2010/main" val="0"/>
-              </a:ext>
-            </a:extLst>
-          </a:blip>
-          <a:srcRect/>
-          <a:stretch>
-            <a:fillRect/>
-          </a:stretch>
-        </p:blipFill>
-        <p:spPr bwMode="auto">
-          <a:xfrm>
-            <a:off x="7134545" y="4349080"/>
-            <a:ext cx="1647825" cy="1600200"/>
-          </a:xfrm>
-          <a:prstGeom prst="rect">
-            <a:avLst/>
-          </a:prstGeom>
-          <a:noFill/>
-          <a:ln>
-            <a:noFill/>
-          </a:ln>
-          <a:extLst>
-            <a:ext uri="{909E8E84-426E-40DD-AFC4-6F175D3DCCD1}">
-              <a14:hiddenFill xmlns:a14="http://schemas.microsoft.com/office/drawing/2010/main">
-                <a:solidFill>
-                  <a:schemeClr val="accent1"/>
-                </a:solidFill>
-              </a14:hiddenFill>
-            </a:ext>
-            <a:ext uri="{91240B29-F687-4F45-9708-019B960494DF}">
-              <a14:hiddenLine xmlns:a14="http://schemas.microsoft.com/office/drawing/2010/main" w="9525">
-                <a:solidFill>
-                  <a:schemeClr val="tx1"/>
-                </a:solidFill>
-                <a:miter lim="800000"/>
-                <a:headEnd/>
-                <a:tailEnd/>
-              </a14:hiddenLine>
-            </a:ext>
-          </a:extLst>
-        </p:spPr>
-      </p:pic>
-      <p:pic>
-        <p:nvPicPr>
-          <p:cNvPr id="4" name="Picture 4"/>
-          <p:cNvPicPr>
-            <a:picLocks noChangeAspect="1" noChangeArrowheads="1"/>
-          </p:cNvPicPr>
-          <p:nvPr/>
-        </p:nvPicPr>
-        <p:blipFill>
-          <a:blip r:embed="rId7">
-            <a:extLst>
-              <a:ext uri="{28A0092B-C50C-407E-A947-70E740481C1C}">
-                <a14:useLocalDpi xmlns:a14="http://schemas.microsoft.com/office/drawing/2010/main" val="0"/>
-              </a:ext>
-            </a:extLst>
-          </a:blip>
-          <a:srcRect/>
-          <a:stretch>
-            <a:fillRect/>
-          </a:stretch>
-        </p:blipFill>
-        <p:spPr bwMode="auto">
-          <a:xfrm>
-            <a:off x="3059832" y="4738616"/>
-            <a:ext cx="2781300" cy="1600200"/>
-          </a:xfrm>
-          <a:prstGeom prst="rect">
-            <a:avLst/>
-          </a:prstGeom>
-          <a:noFill/>
-          <a:ln>
-            <a:noFill/>
-          </a:ln>
-          <a:extLst>
-            <a:ext uri="{909E8E84-426E-40DD-AFC4-6F175D3DCCD1}">
-              <a14:hiddenFill xmlns:a14="http://schemas.microsoft.com/office/drawing/2010/main">
-                <a:solidFill>
-                  <a:schemeClr val="accent1"/>
-                </a:solidFill>
-              </a14:hiddenFill>
-            </a:ext>
-            <a:ext uri="{91240B29-F687-4F45-9708-019B960494DF}">
-              <a14:hiddenLine xmlns:a14="http://schemas.microsoft.com/office/drawing/2010/main" w="9525">
-                <a:solidFill>
-                  <a:schemeClr val="tx1"/>
-                </a:solidFill>
-                <a:miter lim="800000"/>
-                <a:headEnd/>
-                <a:tailEnd/>
-              </a14:hiddenLine>
-            </a:ext>
-          </a:extLst>
-        </p:spPr>
-      </p:pic>
-      <p:pic>
-        <p:nvPicPr>
-          <p:cNvPr id="5" name="Picture 5"/>
-          <p:cNvPicPr>
-            <a:picLocks noChangeAspect="1" noChangeArrowheads="1"/>
-          </p:cNvPicPr>
-          <p:nvPr/>
-        </p:nvPicPr>
-        <p:blipFill>
-          <a:blip r:embed="rId8">
-            <a:extLst>
-              <a:ext uri="{28A0092B-C50C-407E-A947-70E740481C1C}">
-                <a14:useLocalDpi xmlns:a14="http://schemas.microsoft.com/office/drawing/2010/main" val="0"/>
-              </a:ext>
-            </a:extLst>
-          </a:blip>
-          <a:srcRect/>
-          <a:stretch>
-            <a:fillRect/>
-          </a:stretch>
-        </p:blipFill>
-        <p:spPr bwMode="auto">
-          <a:xfrm>
-            <a:off x="6588224" y="1447289"/>
-            <a:ext cx="1676400" cy="1390650"/>
-          </a:xfrm>
-          <a:prstGeom prst="rect">
-            <a:avLst/>
-          </a:prstGeom>
-          <a:noFill/>
-          <a:ln>
-            <a:noFill/>
-          </a:ln>
-          <a:extLst>
-            <a:ext uri="{909E8E84-426E-40DD-AFC4-6F175D3DCCD1}">
-              <a14:hiddenFill xmlns:a14="http://schemas.microsoft.com/office/drawing/2010/main">
-                <a:solidFill>
-                  <a:schemeClr val="accent1"/>
-                </a:solidFill>
-              </a14:hiddenFill>
-            </a:ext>
-            <a:ext uri="{91240B29-F687-4F45-9708-019B960494DF}">
-              <a14:hiddenLine xmlns:a14="http://schemas.microsoft.com/office/drawing/2010/main" w="9525">
-                <a:solidFill>
-                  <a:schemeClr val="tx1"/>
-                </a:solidFill>
-                <a:miter lim="800000"/>
-                <a:headEnd/>
-                <a:tailEnd/>
-              </a14:hiddenLine>
-            </a:ext>
-          </a:extLst>
-        </p:spPr>
-      </p:pic>
-    </p:spTree>
-    <p:extLst>
-      <p:ext uri="{BB962C8B-B14F-4D97-AF65-F5344CB8AC3E}">
-        <p14:creationId xmlns:p14="http://schemas.microsoft.com/office/powerpoint/2010/main" val="104837561"/>
-      </p:ext>
-    </p:extLst>
-  </p:cSld>
-  <p:clrMapOvr>
-    <a:masterClrMapping/>
-  </p:clrMapOvr>
-  <p:timing>
-    <p:tnLst>
-      <p:par>
-        <p:cTn id="1" dur="indefinite" restart="never" nodeType="tmRoot">
-          <p:childTnLst>
-            <p:seq concurrent="1" nextAc="seek">
-              <p:cTn id="2" dur="indefinite" nodeType="mainSeq">
-                <p:childTnLst>
-                  <p:par>
-                    <p:cTn id="3" fill="hold">
-                      <p:stCondLst>
-                        <p:cond delay="indefinite"/>
-                      </p:stCondLst>
-                      <p:childTnLst>
-                        <p:par>
-                          <p:cTn id="4" fill="hold">
-                            <p:stCondLst>
-                              <p:cond delay="0"/>
-                            </p:stCondLst>
-                            <p:childTnLst>
-                              <p:par>
-                                <p:cTn id="5" presetID="20" presetClass="exit" presetSubtype="0" fill="hold" grpId="0" nodeType="clickEffect">
-                                  <p:stCondLst>
-                                    <p:cond delay="0"/>
-                                  </p:stCondLst>
-                                  <p:childTnLst>
-                                    <p:animEffect transition="out" filter="wedge">
-                                      <p:cBhvr>
-                                        <p:cTn id="6" dur="22000"/>
-                                        <p:tgtEl>
-                                          <p:spTgt spid="8"/>
-                                        </p:tgtEl>
-                                      </p:cBhvr>
-                                    </p:animEffect>
-                                    <p:set>
-                                      <p:cBhvr>
-                                        <p:cTn id="7" dur="1" fill="hold">
-                                          <p:stCondLst>
-                                            <p:cond delay="21999"/>
-                                          </p:stCondLst>
-                                        </p:cTn>
-                                        <p:tgtEl>
-                                          <p:spTgt spid="8"/>
-                                        </p:tgtEl>
-                                        <p:attrNameLst>
-                                          <p:attrName>style.visibility</p:attrName>
-                                        </p:attrNameLst>
-                                      </p:cBhvr>
-                                      <p:to>
-                                        <p:strVal val="hidden"/>
-                                      </p:to>
-                                    </p:set>
-                                  </p:childTnLst>
-                                </p:cTn>
-                              </p:par>
-                            </p:childTnLst>
-                          </p:cTn>
-                        </p:par>
-                      </p:childTnLst>
-                    </p:cTn>
-                  </p:par>
-                </p:childTnLst>
-              </p:cTn>
-              <p:prevCondLst>
-                <p:cond evt="onPrev" delay="0">
-                  <p:tgtEl>
-                    <p:sldTgt/>
-                  </p:tgtEl>
-                </p:cond>
-              </p:prevCondLst>
-              <p:nextCondLst>
-                <p:cond evt="onNext" delay="0">
-                  <p:tgtEl>
-                    <p:sldTgt/>
-                  </p:tgtEl>
-                </p:cond>
-              </p:nextCondLst>
-            </p:seq>
-          </p:childTnLst>
-        </p:cTn>
-      </p:par>
-    </p:tnLst>
-    <p:bldLst>
-      <p:bldP spid="8" grpId="0" animBg="1"/>
-    </p:bldLst>
-  </p:timing>
-</p:sld>
-</file>
-
-<file path=ppt/slides/slide5.xml><?xml version="1.0" encoding="utf-8"?>
+<file path=ppt/slides/slide8.xml><?xml version="1.0" encoding="utf-8"?>
 <p:sld xmlns:a="http://schemas.openxmlformats.org/drawingml/2006/main" xmlns:r="http://schemas.openxmlformats.org/officeDocument/2006/relationships" xmlns:p="http://schemas.openxmlformats.org/presentationml/2006/main">
   <p:cSld>
     <p:spTree>
@@ -7539,7 +9964,7 @@
       </p:pic>
       <p:pic>
         <p:nvPicPr>
-          <p:cNvPr id="2050" name="Picture 2"/>
+          <p:cNvPr id="1026" name="Picture 2"/>
           <p:cNvPicPr>
             <a:picLocks noChangeAspect="1" noChangeArrowheads="1"/>
           </p:cNvPicPr>
@@ -7560,8 +9985,8 @@
         </p:blipFill>
         <p:spPr bwMode="auto">
           <a:xfrm>
-            <a:off x="683568" y="3816252"/>
-            <a:ext cx="1949537" cy="2896741"/>
+            <a:off x="835550" y="3883075"/>
+            <a:ext cx="1828800" cy="2809875"/>
           </a:xfrm>
           <a:prstGeom prst="rect">
             <a:avLst/>
@@ -7593,7 +10018,7 @@
       </p:pic>
       <p:pic>
         <p:nvPicPr>
-          <p:cNvPr id="2051" name="Picture 3"/>
+          <p:cNvPr id="1027" name="Picture 3"/>
           <p:cNvPicPr>
             <a:picLocks noChangeAspect="1" noChangeArrowheads="1"/>
           </p:cNvPicPr>
@@ -7614,8 +10039,8 @@
         </p:blipFill>
         <p:spPr bwMode="auto">
           <a:xfrm>
-            <a:off x="3203848" y="3822005"/>
-            <a:ext cx="2000660" cy="2932017"/>
+            <a:off x="3203848" y="3822306"/>
+            <a:ext cx="1857375" cy="2819400"/>
           </a:xfrm>
           <a:prstGeom prst="rect">
             <a:avLst/>
@@ -7647,7 +10072,7 @@
       </p:pic>
       <p:pic>
         <p:nvPicPr>
-          <p:cNvPr id="2052" name="Picture 4"/>
+          <p:cNvPr id="1028" name="Picture 4"/>
           <p:cNvPicPr>
             <a:picLocks noChangeAspect="1" noChangeArrowheads="1"/>
           </p:cNvPicPr>
@@ -7668,8 +10093,8 @@
         </p:blipFill>
         <p:spPr bwMode="auto">
           <a:xfrm>
-            <a:off x="5594777" y="3765156"/>
-            <a:ext cx="1962150" cy="2933700"/>
+            <a:off x="5487541" y="3822306"/>
+            <a:ext cx="1847850" cy="2838450"/>
           </a:xfrm>
           <a:prstGeom prst="rect">
             <a:avLst/>
@@ -7798,1206 +10223,7 @@
 </p:sld>
 </file>
 
-<file path=ppt/slides/slide6.xml><?xml version="1.0" encoding="utf-8"?>
-<p:sld xmlns:a="http://schemas.openxmlformats.org/drawingml/2006/main" xmlns:r="http://schemas.openxmlformats.org/officeDocument/2006/relationships" xmlns:p="http://schemas.openxmlformats.org/presentationml/2006/main">
-  <p:cSld>
-    <p:spTree>
-      <p:nvGrpSpPr>
-        <p:cNvPr id="1" name=""/>
-        <p:cNvGrpSpPr/>
-        <p:nvPr/>
-      </p:nvGrpSpPr>
-      <p:grpSpPr>
-        <a:xfrm>
-          <a:off x="0" y="0"/>
-          <a:ext cx="0" cy="0"/>
-          <a:chOff x="0" y="0"/>
-          <a:chExt cx="0" cy="0"/>
-        </a:xfrm>
-      </p:grpSpPr>
-      <p:sp>
-        <p:nvSpPr>
-          <p:cNvPr id="10" name="Rectangle 1"/>
-          <p:cNvSpPr txBox="1">
-            <a:spLocks noChangeArrowheads="1"/>
-          </p:cNvSpPr>
-          <p:nvPr/>
-        </p:nvSpPr>
-        <p:spPr>
-          <a:xfrm>
-            <a:off x="45787" y="28863"/>
-            <a:ext cx="9064625" cy="1255713"/>
-          </a:xfrm>
-          <a:prstGeom prst="rect">
-            <a:avLst/>
-          </a:prstGeom>
-        </p:spPr>
-        <p:txBody>
-          <a:bodyPr vert="horz" lIns="91440" tIns="45720" rIns="91440" bIns="45720" rtlCol="0" anchor="ctr">
-            <a:normAutofit/>
-          </a:bodyPr>
-          <a:lstStyle>
-            <a:lvl1pPr algn="ctr" defTabSz="914400" rtl="0" eaLnBrk="1" latinLnBrk="0" hangingPunct="1">
-              <a:spcBef>
-                <a:spcPct val="0"/>
-              </a:spcBef>
-              <a:buNone/>
-              <a:defRPr sz="4400" kern="1200">
-                <a:solidFill>
-                  <a:schemeClr val="tx1"/>
-                </a:solidFill>
-                <a:latin typeface="+mj-lt"/>
-                <a:ea typeface="+mj-ea"/>
-                <a:cs typeface="+mj-cs"/>
-              </a:defRPr>
-            </a:lvl1pPr>
-          </a:lstStyle>
-          <a:p>
-            <a:pPr>
-              <a:tabLst>
-                <a:tab pos="0" algn="l"/>
-                <a:tab pos="447675" algn="l"/>
-                <a:tab pos="896938" algn="l"/>
-                <a:tab pos="1346200" algn="l"/>
-                <a:tab pos="1795463" algn="l"/>
-                <a:tab pos="2244725" algn="l"/>
-                <a:tab pos="2693988" algn="l"/>
-                <a:tab pos="3143250" algn="l"/>
-                <a:tab pos="3592513" algn="l"/>
-                <a:tab pos="4041775" algn="l"/>
-                <a:tab pos="4491038" algn="l"/>
-                <a:tab pos="4940300" algn="l"/>
-                <a:tab pos="5389563" algn="l"/>
-                <a:tab pos="5838825" algn="l"/>
-                <a:tab pos="6288088" algn="l"/>
-                <a:tab pos="6737350" algn="l"/>
-                <a:tab pos="7186613" algn="l"/>
-                <a:tab pos="7635875" algn="l"/>
-                <a:tab pos="8085138" algn="l"/>
-                <a:tab pos="8534400" algn="l"/>
-                <a:tab pos="8983663" algn="l"/>
-              </a:tabLst>
-            </a:pPr>
-            <a:r>
-              <a:rPr lang="pt-BR" altLang="pt-BR" dirty="0" smtClean="0">
-                <a:solidFill>
-                  <a:srgbClr val="92D050"/>
-                </a:solidFill>
-                <a:latin typeface="Castellar" pitchFamily="18" charset="0"/>
-              </a:rPr>
-              <a:t>   </a:t>
-            </a:r>
-            <a:r>
-              <a:rPr lang="pt-BR" altLang="pt-BR" sz="5400" b="1" dirty="0" smtClean="0">
-                <a:ln w="17780" cmpd="sng">
-                  <a:solidFill>
-                    <a:srgbClr val="FFFFFF"/>
-                  </a:solidFill>
-                  <a:prstDash val="solid"/>
-                  <a:miter lim="800000"/>
-                </a:ln>
-                <a:gradFill rotWithShape="1">
-                  <a:gsLst>
-                    <a:gs pos="0">
-                      <a:srgbClr val="000000">
-                        <a:tint val="92000"/>
-                        <a:shade val="100000"/>
-                        <a:satMod val="150000"/>
-                      </a:srgbClr>
-                    </a:gs>
-                    <a:gs pos="49000">
-                      <a:srgbClr val="000000">
-                        <a:tint val="89000"/>
-                        <a:shade val="90000"/>
-                        <a:satMod val="150000"/>
-                      </a:srgbClr>
-                    </a:gs>
-                    <a:gs pos="50000">
-                      <a:srgbClr val="000000">
-                        <a:tint val="100000"/>
-                        <a:shade val="75000"/>
-                        <a:satMod val="150000"/>
-                      </a:srgbClr>
-                    </a:gs>
-                    <a:gs pos="95000">
-                      <a:srgbClr val="000000">
-                        <a:shade val="47000"/>
-                        <a:satMod val="150000"/>
-                      </a:srgbClr>
-                    </a:gs>
-                    <a:gs pos="100000">
-                      <a:srgbClr val="000000">
-                        <a:shade val="39000"/>
-                        <a:satMod val="150000"/>
-                      </a:srgbClr>
-                    </a:gs>
-                  </a:gsLst>
-                  <a:lin ang="5400000"/>
-                </a:gradFill>
-                <a:effectLst>
-                  <a:outerShdw blurRad="50800" algn="tl" rotWithShape="0">
-                    <a:srgbClr val="000000"/>
-                  </a:outerShdw>
-                </a:effectLst>
-                <a:latin typeface="+mn-lt"/>
-                <a:ea typeface="+mn-ea"/>
-                <a:cs typeface="+mn-cs"/>
-              </a:rPr>
-              <a:t>Conclusão</a:t>
-            </a:r>
-            <a:endParaRPr lang="pt-BR" altLang="pt-BR" sz="5400" b="1" dirty="0">
-              <a:ln w="17780" cmpd="sng">
-                <a:solidFill>
-                  <a:srgbClr val="FFFFFF"/>
-                </a:solidFill>
-                <a:prstDash val="solid"/>
-                <a:miter lim="800000"/>
-              </a:ln>
-              <a:gradFill rotWithShape="1">
-                <a:gsLst>
-                  <a:gs pos="0">
-                    <a:srgbClr val="000000">
-                      <a:tint val="92000"/>
-                      <a:shade val="100000"/>
-                      <a:satMod val="150000"/>
-                    </a:srgbClr>
-                  </a:gs>
-                  <a:gs pos="49000">
-                    <a:srgbClr val="000000">
-                      <a:tint val="89000"/>
-                      <a:shade val="90000"/>
-                      <a:satMod val="150000"/>
-                    </a:srgbClr>
-                  </a:gs>
-                  <a:gs pos="50000">
-                    <a:srgbClr val="000000">
-                      <a:tint val="100000"/>
-                      <a:shade val="75000"/>
-                      <a:satMod val="150000"/>
-                    </a:srgbClr>
-                  </a:gs>
-                  <a:gs pos="95000">
-                    <a:srgbClr val="000000">
-                      <a:shade val="47000"/>
-                      <a:satMod val="150000"/>
-                    </a:srgbClr>
-                  </a:gs>
-                  <a:gs pos="100000">
-                    <a:srgbClr val="000000">
-                      <a:shade val="39000"/>
-                      <a:satMod val="150000"/>
-                    </a:srgbClr>
-                  </a:gs>
-                </a:gsLst>
-                <a:lin ang="5400000"/>
-              </a:gradFill>
-              <a:effectLst>
-                <a:outerShdw blurRad="50800" algn="tl" rotWithShape="0">
-                  <a:srgbClr val="000000"/>
-                </a:outerShdw>
-              </a:effectLst>
-              <a:latin typeface="+mn-lt"/>
-              <a:ea typeface="+mn-ea"/>
-              <a:cs typeface="+mn-cs"/>
-            </a:endParaRPr>
-          </a:p>
-        </p:txBody>
-      </p:sp>
-      <p:pic>
-        <p:nvPicPr>
-          <p:cNvPr id="7" name="Imagem 6"/>
-          <p:cNvPicPr/>
-          <p:nvPr/>
-        </p:nvPicPr>
-        <p:blipFill>
-          <a:blip r:embed="rId2" cstate="print"/>
-          <a:srcRect/>
-          <a:stretch>
-            <a:fillRect/>
-          </a:stretch>
-        </p:blipFill>
-        <p:spPr bwMode="auto">
-          <a:xfrm>
-            <a:off x="7668344" y="5877272"/>
-            <a:ext cx="1440160" cy="936103"/>
-          </a:xfrm>
-          <a:prstGeom prst="rect">
-            <a:avLst/>
-          </a:prstGeom>
-          <a:noFill/>
-          <a:ln w="9525">
-            <a:noFill/>
-            <a:miter lim="800000"/>
-            <a:headEnd/>
-            <a:tailEnd/>
-          </a:ln>
-        </p:spPr>
-      </p:pic>
-      <p:sp>
-        <p:nvSpPr>
-          <p:cNvPr id="8" name="Elipse 7"/>
-          <p:cNvSpPr/>
-          <p:nvPr/>
-        </p:nvSpPr>
-        <p:spPr>
-          <a:xfrm>
-            <a:off x="7926880" y="5978776"/>
-            <a:ext cx="908340" cy="720080"/>
-          </a:xfrm>
-          <a:prstGeom prst="ellipse">
-            <a:avLst/>
-          </a:prstGeom>
-          <a:noFill/>
-          <a:ln>
-            <a:solidFill>
-              <a:schemeClr val="bg1">
-                <a:lumMod val="95000"/>
-              </a:schemeClr>
-            </a:solidFill>
-          </a:ln>
-          <a:effectLst>
-            <a:outerShdw blurRad="50800" dist="50800" dir="5400000" algn="ctr" rotWithShape="0">
-              <a:schemeClr val="tx1"/>
-            </a:outerShdw>
-          </a:effectLst>
-        </p:spPr>
-        <p:style>
-          <a:lnRef idx="2">
-            <a:schemeClr val="accent1">
-              <a:shade val="50000"/>
-            </a:schemeClr>
-          </a:lnRef>
-          <a:fillRef idx="1">
-            <a:schemeClr val="accent1"/>
-          </a:fillRef>
-          <a:effectRef idx="0">
-            <a:schemeClr val="accent1"/>
-          </a:effectRef>
-          <a:fontRef idx="minor">
-            <a:schemeClr val="lt1"/>
-          </a:fontRef>
-        </p:style>
-        <p:txBody>
-          <a:bodyPr rtlCol="0" anchor="ctr"/>
-          <a:lstStyle/>
-          <a:p>
-            <a:pPr algn="ctr"/>
-            <a:endParaRPr lang="pt-BR" dirty="0"/>
-          </a:p>
-        </p:txBody>
-      </p:sp>
-      <p:sp>
-        <p:nvSpPr>
-          <p:cNvPr id="11" name="Text Box 3"/>
-          <p:cNvSpPr txBox="1">
-            <a:spLocks noChangeArrowheads="1"/>
-          </p:cNvSpPr>
-          <p:nvPr/>
-        </p:nvSpPr>
-        <p:spPr bwMode="auto">
-          <a:xfrm>
-            <a:off x="467544" y="1052736"/>
-            <a:ext cx="8187521" cy="4680520"/>
-          </a:xfrm>
-          <a:prstGeom prst="rect">
-            <a:avLst/>
-          </a:prstGeom>
-          <a:noFill/>
-          <a:ln>
-            <a:noFill/>
-          </a:ln>
-          <a:extLst>
-            <a:ext uri="{909E8E84-426E-40DD-AFC4-6F175D3DCCD1}">
-              <a14:hiddenFill xmlns:a14="http://schemas.microsoft.com/office/drawing/2010/main">
-                <a:solidFill>
-                  <a:srgbClr val="FFFFFF"/>
-                </a:solidFill>
-              </a14:hiddenFill>
-            </a:ext>
-            <a:ext uri="{91240B29-F687-4F45-9708-019B960494DF}">
-              <a14:hiddenLine xmlns:a14="http://schemas.microsoft.com/office/drawing/2010/main" w="9525">
-                <a:solidFill>
-                  <a:srgbClr val="000000"/>
-                </a:solidFill>
-                <a:round/>
-                <a:headEnd/>
-                <a:tailEnd/>
-              </a14:hiddenLine>
-            </a:ext>
-          </a:extLst>
-        </p:spPr>
-        <p:txBody>
-          <a:bodyPr lIns="0" tIns="28080" rIns="0" bIns="0"/>
-          <a:lstStyle>
-            <a:lvl1pPr marL="682625" indent="-681038" eaLnBrk="0">
-              <a:tabLst>
-                <a:tab pos="682625" algn="l"/>
-                <a:tab pos="1130300" algn="l"/>
-                <a:tab pos="1579563" algn="l"/>
-                <a:tab pos="2028825" algn="l"/>
-                <a:tab pos="2478088" algn="l"/>
-                <a:tab pos="2927350" algn="l"/>
-                <a:tab pos="3376613" algn="l"/>
-                <a:tab pos="3825875" algn="l"/>
-                <a:tab pos="4275138" algn="l"/>
-                <a:tab pos="4724400" algn="l"/>
-                <a:tab pos="5173663" algn="l"/>
-                <a:tab pos="5622925" algn="l"/>
-                <a:tab pos="6072188" algn="l"/>
-                <a:tab pos="6521450" algn="l"/>
-                <a:tab pos="6970713" algn="l"/>
-                <a:tab pos="7419975" algn="l"/>
-                <a:tab pos="7869238" algn="l"/>
-                <a:tab pos="8318500" algn="l"/>
-                <a:tab pos="8767763" algn="l"/>
-                <a:tab pos="9217025" algn="l"/>
-                <a:tab pos="9666288" algn="l"/>
-              </a:tabLst>
-              <a:defRPr>
-                <a:solidFill>
-                  <a:schemeClr val="bg1"/>
-                </a:solidFill>
-                <a:latin typeface="Arial" charset="0"/>
-                <a:ea typeface="DejaVu Sans" charset="0"/>
-                <a:cs typeface="DejaVu Sans" charset="0"/>
-              </a:defRPr>
-            </a:lvl1pPr>
-            <a:lvl2pPr marL="1425575" indent="-681038" eaLnBrk="0">
-              <a:tabLst>
-                <a:tab pos="682625" algn="l"/>
-                <a:tab pos="1130300" algn="l"/>
-                <a:tab pos="1579563" algn="l"/>
-                <a:tab pos="2028825" algn="l"/>
-                <a:tab pos="2478088" algn="l"/>
-                <a:tab pos="2927350" algn="l"/>
-                <a:tab pos="3376613" algn="l"/>
-                <a:tab pos="3825875" algn="l"/>
-                <a:tab pos="4275138" algn="l"/>
-                <a:tab pos="4724400" algn="l"/>
-                <a:tab pos="5173663" algn="l"/>
-                <a:tab pos="5622925" algn="l"/>
-                <a:tab pos="6072188" algn="l"/>
-                <a:tab pos="6521450" algn="l"/>
-                <a:tab pos="6970713" algn="l"/>
-                <a:tab pos="7419975" algn="l"/>
-                <a:tab pos="7869238" algn="l"/>
-                <a:tab pos="8318500" algn="l"/>
-                <a:tab pos="8767763" algn="l"/>
-                <a:tab pos="9217025" algn="l"/>
-                <a:tab pos="9666288" algn="l"/>
-              </a:tabLst>
-              <a:defRPr>
-                <a:solidFill>
-                  <a:schemeClr val="bg1"/>
-                </a:solidFill>
-                <a:latin typeface="Arial" charset="0"/>
-                <a:ea typeface="DejaVu Sans" charset="0"/>
-                <a:cs typeface="DejaVu Sans" charset="0"/>
-              </a:defRPr>
-            </a:lvl2pPr>
-            <a:lvl3pPr eaLnBrk="0">
-              <a:tabLst>
-                <a:tab pos="682625" algn="l"/>
-                <a:tab pos="1130300" algn="l"/>
-                <a:tab pos="1579563" algn="l"/>
-                <a:tab pos="2028825" algn="l"/>
-                <a:tab pos="2478088" algn="l"/>
-                <a:tab pos="2927350" algn="l"/>
-                <a:tab pos="3376613" algn="l"/>
-                <a:tab pos="3825875" algn="l"/>
-                <a:tab pos="4275138" algn="l"/>
-                <a:tab pos="4724400" algn="l"/>
-                <a:tab pos="5173663" algn="l"/>
-                <a:tab pos="5622925" algn="l"/>
-                <a:tab pos="6072188" algn="l"/>
-                <a:tab pos="6521450" algn="l"/>
-                <a:tab pos="6970713" algn="l"/>
-                <a:tab pos="7419975" algn="l"/>
-                <a:tab pos="7869238" algn="l"/>
-                <a:tab pos="8318500" algn="l"/>
-                <a:tab pos="8767763" algn="l"/>
-                <a:tab pos="9217025" algn="l"/>
-                <a:tab pos="9666288" algn="l"/>
-              </a:tabLst>
-              <a:defRPr>
-                <a:solidFill>
-                  <a:schemeClr val="bg1"/>
-                </a:solidFill>
-                <a:latin typeface="Arial" charset="0"/>
-                <a:ea typeface="DejaVu Sans" charset="0"/>
-                <a:cs typeface="DejaVu Sans" charset="0"/>
-              </a:defRPr>
-            </a:lvl3pPr>
-            <a:lvl4pPr eaLnBrk="0">
-              <a:tabLst>
-                <a:tab pos="682625" algn="l"/>
-                <a:tab pos="1130300" algn="l"/>
-                <a:tab pos="1579563" algn="l"/>
-                <a:tab pos="2028825" algn="l"/>
-                <a:tab pos="2478088" algn="l"/>
-                <a:tab pos="2927350" algn="l"/>
-                <a:tab pos="3376613" algn="l"/>
-                <a:tab pos="3825875" algn="l"/>
-                <a:tab pos="4275138" algn="l"/>
-                <a:tab pos="4724400" algn="l"/>
-                <a:tab pos="5173663" algn="l"/>
-                <a:tab pos="5622925" algn="l"/>
-                <a:tab pos="6072188" algn="l"/>
-                <a:tab pos="6521450" algn="l"/>
-                <a:tab pos="6970713" algn="l"/>
-                <a:tab pos="7419975" algn="l"/>
-                <a:tab pos="7869238" algn="l"/>
-                <a:tab pos="8318500" algn="l"/>
-                <a:tab pos="8767763" algn="l"/>
-                <a:tab pos="9217025" algn="l"/>
-                <a:tab pos="9666288" algn="l"/>
-              </a:tabLst>
-              <a:defRPr>
-                <a:solidFill>
-                  <a:schemeClr val="bg1"/>
-                </a:solidFill>
-                <a:latin typeface="Arial" charset="0"/>
-                <a:ea typeface="DejaVu Sans" charset="0"/>
-                <a:cs typeface="DejaVu Sans" charset="0"/>
-              </a:defRPr>
-            </a:lvl4pPr>
-            <a:lvl5pPr eaLnBrk="0">
-              <a:tabLst>
-                <a:tab pos="682625" algn="l"/>
-                <a:tab pos="1130300" algn="l"/>
-                <a:tab pos="1579563" algn="l"/>
-                <a:tab pos="2028825" algn="l"/>
-                <a:tab pos="2478088" algn="l"/>
-                <a:tab pos="2927350" algn="l"/>
-                <a:tab pos="3376613" algn="l"/>
-                <a:tab pos="3825875" algn="l"/>
-                <a:tab pos="4275138" algn="l"/>
-                <a:tab pos="4724400" algn="l"/>
-                <a:tab pos="5173663" algn="l"/>
-                <a:tab pos="5622925" algn="l"/>
-                <a:tab pos="6072188" algn="l"/>
-                <a:tab pos="6521450" algn="l"/>
-                <a:tab pos="6970713" algn="l"/>
-                <a:tab pos="7419975" algn="l"/>
-                <a:tab pos="7869238" algn="l"/>
-                <a:tab pos="8318500" algn="l"/>
-                <a:tab pos="8767763" algn="l"/>
-                <a:tab pos="9217025" algn="l"/>
-                <a:tab pos="9666288" algn="l"/>
-              </a:tabLst>
-              <a:defRPr>
-                <a:solidFill>
-                  <a:schemeClr val="bg1"/>
-                </a:solidFill>
-                <a:latin typeface="Arial" charset="0"/>
-                <a:ea typeface="DejaVu Sans" charset="0"/>
-                <a:cs typeface="DejaVu Sans" charset="0"/>
-              </a:defRPr>
-            </a:lvl5pPr>
-            <a:lvl6pPr marL="2514600" indent="-228600" defTabSz="449263" eaLnBrk="0" fontAlgn="base" hangingPunct="0">
-              <a:lnSpc>
-                <a:spcPct val="93000"/>
-              </a:lnSpc>
-              <a:spcBef>
-                <a:spcPct val="0"/>
-              </a:spcBef>
-              <a:spcAft>
-                <a:spcPct val="0"/>
-              </a:spcAft>
-              <a:buClr>
-                <a:srgbClr val="000000"/>
-              </a:buClr>
-              <a:buSzPct val="100000"/>
-              <a:buFont typeface="Times New Roman" pitchFamily="18" charset="0"/>
-              <a:tabLst>
-                <a:tab pos="682625" algn="l"/>
-                <a:tab pos="1130300" algn="l"/>
-                <a:tab pos="1579563" algn="l"/>
-                <a:tab pos="2028825" algn="l"/>
-                <a:tab pos="2478088" algn="l"/>
-                <a:tab pos="2927350" algn="l"/>
-                <a:tab pos="3376613" algn="l"/>
-                <a:tab pos="3825875" algn="l"/>
-                <a:tab pos="4275138" algn="l"/>
-                <a:tab pos="4724400" algn="l"/>
-                <a:tab pos="5173663" algn="l"/>
-                <a:tab pos="5622925" algn="l"/>
-                <a:tab pos="6072188" algn="l"/>
-                <a:tab pos="6521450" algn="l"/>
-                <a:tab pos="6970713" algn="l"/>
-                <a:tab pos="7419975" algn="l"/>
-                <a:tab pos="7869238" algn="l"/>
-                <a:tab pos="8318500" algn="l"/>
-                <a:tab pos="8767763" algn="l"/>
-                <a:tab pos="9217025" algn="l"/>
-                <a:tab pos="9666288" algn="l"/>
-              </a:tabLst>
-              <a:defRPr>
-                <a:solidFill>
-                  <a:schemeClr val="bg1"/>
-                </a:solidFill>
-                <a:latin typeface="Arial" charset="0"/>
-                <a:ea typeface="DejaVu Sans" charset="0"/>
-                <a:cs typeface="DejaVu Sans" charset="0"/>
-              </a:defRPr>
-            </a:lvl6pPr>
-            <a:lvl7pPr marL="2971800" indent="-228600" defTabSz="449263" eaLnBrk="0" fontAlgn="base" hangingPunct="0">
-              <a:lnSpc>
-                <a:spcPct val="93000"/>
-              </a:lnSpc>
-              <a:spcBef>
-                <a:spcPct val="0"/>
-              </a:spcBef>
-              <a:spcAft>
-                <a:spcPct val="0"/>
-              </a:spcAft>
-              <a:buClr>
-                <a:srgbClr val="000000"/>
-              </a:buClr>
-              <a:buSzPct val="100000"/>
-              <a:buFont typeface="Times New Roman" pitchFamily="18" charset="0"/>
-              <a:tabLst>
-                <a:tab pos="682625" algn="l"/>
-                <a:tab pos="1130300" algn="l"/>
-                <a:tab pos="1579563" algn="l"/>
-                <a:tab pos="2028825" algn="l"/>
-                <a:tab pos="2478088" algn="l"/>
-                <a:tab pos="2927350" algn="l"/>
-                <a:tab pos="3376613" algn="l"/>
-                <a:tab pos="3825875" algn="l"/>
-                <a:tab pos="4275138" algn="l"/>
-                <a:tab pos="4724400" algn="l"/>
-                <a:tab pos="5173663" algn="l"/>
-                <a:tab pos="5622925" algn="l"/>
-                <a:tab pos="6072188" algn="l"/>
-                <a:tab pos="6521450" algn="l"/>
-                <a:tab pos="6970713" algn="l"/>
-                <a:tab pos="7419975" algn="l"/>
-                <a:tab pos="7869238" algn="l"/>
-                <a:tab pos="8318500" algn="l"/>
-                <a:tab pos="8767763" algn="l"/>
-                <a:tab pos="9217025" algn="l"/>
-                <a:tab pos="9666288" algn="l"/>
-              </a:tabLst>
-              <a:defRPr>
-                <a:solidFill>
-                  <a:schemeClr val="bg1"/>
-                </a:solidFill>
-                <a:latin typeface="Arial" charset="0"/>
-                <a:ea typeface="DejaVu Sans" charset="0"/>
-                <a:cs typeface="DejaVu Sans" charset="0"/>
-              </a:defRPr>
-            </a:lvl7pPr>
-            <a:lvl8pPr marL="3429000" indent="-228600" defTabSz="449263" eaLnBrk="0" fontAlgn="base" hangingPunct="0">
-              <a:lnSpc>
-                <a:spcPct val="93000"/>
-              </a:lnSpc>
-              <a:spcBef>
-                <a:spcPct val="0"/>
-              </a:spcBef>
-              <a:spcAft>
-                <a:spcPct val="0"/>
-              </a:spcAft>
-              <a:buClr>
-                <a:srgbClr val="000000"/>
-              </a:buClr>
-              <a:buSzPct val="100000"/>
-              <a:buFont typeface="Times New Roman" pitchFamily="18" charset="0"/>
-              <a:tabLst>
-                <a:tab pos="682625" algn="l"/>
-                <a:tab pos="1130300" algn="l"/>
-                <a:tab pos="1579563" algn="l"/>
-                <a:tab pos="2028825" algn="l"/>
-                <a:tab pos="2478088" algn="l"/>
-                <a:tab pos="2927350" algn="l"/>
-                <a:tab pos="3376613" algn="l"/>
-                <a:tab pos="3825875" algn="l"/>
-                <a:tab pos="4275138" algn="l"/>
-                <a:tab pos="4724400" algn="l"/>
-                <a:tab pos="5173663" algn="l"/>
-                <a:tab pos="5622925" algn="l"/>
-                <a:tab pos="6072188" algn="l"/>
-                <a:tab pos="6521450" algn="l"/>
-                <a:tab pos="6970713" algn="l"/>
-                <a:tab pos="7419975" algn="l"/>
-                <a:tab pos="7869238" algn="l"/>
-                <a:tab pos="8318500" algn="l"/>
-                <a:tab pos="8767763" algn="l"/>
-                <a:tab pos="9217025" algn="l"/>
-                <a:tab pos="9666288" algn="l"/>
-              </a:tabLst>
-              <a:defRPr>
-                <a:solidFill>
-                  <a:schemeClr val="bg1"/>
-                </a:solidFill>
-                <a:latin typeface="Arial" charset="0"/>
-                <a:ea typeface="DejaVu Sans" charset="0"/>
-                <a:cs typeface="DejaVu Sans" charset="0"/>
-              </a:defRPr>
-            </a:lvl8pPr>
-            <a:lvl9pPr marL="3886200" indent="-228600" defTabSz="449263" eaLnBrk="0" fontAlgn="base" hangingPunct="0">
-              <a:lnSpc>
-                <a:spcPct val="93000"/>
-              </a:lnSpc>
-              <a:spcBef>
-                <a:spcPct val="0"/>
-              </a:spcBef>
-              <a:spcAft>
-                <a:spcPct val="0"/>
-              </a:spcAft>
-              <a:buClr>
-                <a:srgbClr val="000000"/>
-              </a:buClr>
-              <a:buSzPct val="100000"/>
-              <a:buFont typeface="Times New Roman" pitchFamily="18" charset="0"/>
-              <a:tabLst>
-                <a:tab pos="682625" algn="l"/>
-                <a:tab pos="1130300" algn="l"/>
-                <a:tab pos="1579563" algn="l"/>
-                <a:tab pos="2028825" algn="l"/>
-                <a:tab pos="2478088" algn="l"/>
-                <a:tab pos="2927350" algn="l"/>
-                <a:tab pos="3376613" algn="l"/>
-                <a:tab pos="3825875" algn="l"/>
-                <a:tab pos="4275138" algn="l"/>
-                <a:tab pos="4724400" algn="l"/>
-                <a:tab pos="5173663" algn="l"/>
-                <a:tab pos="5622925" algn="l"/>
-                <a:tab pos="6072188" algn="l"/>
-                <a:tab pos="6521450" algn="l"/>
-                <a:tab pos="6970713" algn="l"/>
-                <a:tab pos="7419975" algn="l"/>
-                <a:tab pos="7869238" algn="l"/>
-                <a:tab pos="8318500" algn="l"/>
-                <a:tab pos="8767763" algn="l"/>
-                <a:tab pos="9217025" algn="l"/>
-                <a:tab pos="9666288" algn="l"/>
-              </a:tabLst>
-              <a:defRPr>
-                <a:solidFill>
-                  <a:schemeClr val="bg1"/>
-                </a:solidFill>
-                <a:latin typeface="Arial" charset="0"/>
-                <a:ea typeface="DejaVu Sans" charset="0"/>
-                <a:cs typeface="DejaVu Sans" charset="0"/>
-              </a:defRPr>
-            </a:lvl9pPr>
-          </a:lstStyle>
-          <a:p>
-            <a:pPr marL="1588" lvl="1" indent="0" eaLnBrk="1">
-              <a:lnSpc>
-                <a:spcPct val="80000"/>
-              </a:lnSpc>
-              <a:spcBef>
-                <a:spcPct val="20000"/>
-              </a:spcBef>
-              <a:spcAft>
-                <a:spcPts val="1425"/>
-              </a:spcAft>
-              <a:buClr>
-                <a:schemeClr val="tx2"/>
-              </a:buClr>
-              <a:tabLst>
-                <a:tab pos="684213" algn="l"/>
-                <a:tab pos="788988" algn="l"/>
-                <a:tab pos="1238250" algn="l"/>
-                <a:tab pos="1687513" algn="l"/>
-                <a:tab pos="2136775" algn="l"/>
-                <a:tab pos="2586038" algn="l"/>
-                <a:tab pos="3035300" algn="l"/>
-                <a:tab pos="3484563" algn="l"/>
-                <a:tab pos="3933825" algn="l"/>
-                <a:tab pos="4383088" algn="l"/>
-                <a:tab pos="4832350" algn="l"/>
-                <a:tab pos="5281613" algn="l"/>
-                <a:tab pos="5730875" algn="l"/>
-                <a:tab pos="6180138" algn="l"/>
-                <a:tab pos="6629400" algn="l"/>
-                <a:tab pos="7078663" algn="l"/>
-                <a:tab pos="7527925" algn="l"/>
-                <a:tab pos="7977188" algn="l"/>
-                <a:tab pos="8426450" algn="l"/>
-                <a:tab pos="8875713" algn="l"/>
-                <a:tab pos="9324975" algn="l"/>
-              </a:tabLst>
-            </a:pPr>
-            <a:r>
-              <a:rPr lang="pt-BR" altLang="pt-BR" sz="2800" dirty="0" smtClean="0">
-                <a:solidFill>
-                  <a:schemeClr val="tx1"/>
-                </a:solidFill>
-                <a:latin typeface="Times New Roman" pitchFamily="18" charset="0"/>
-                <a:ea typeface="+mn-ea"/>
-                <a:cs typeface="Times New Roman" pitchFamily="18" charset="0"/>
-              </a:rPr>
-              <a:t>Crédito:</a:t>
-            </a:r>
-          </a:p>
-          <a:p>
-            <a:pPr marL="1588" lvl="1" indent="0" algn="just" eaLnBrk="1">
-              <a:lnSpc>
-                <a:spcPct val="150000"/>
-              </a:lnSpc>
-              <a:spcBef>
-                <a:spcPct val="20000"/>
-              </a:spcBef>
-              <a:spcAft>
-                <a:spcPts val="1425"/>
-              </a:spcAft>
-              <a:buClr>
-                <a:schemeClr val="tx2"/>
-              </a:buClr>
-              <a:tabLst>
-                <a:tab pos="684213" algn="l"/>
-                <a:tab pos="788988" algn="l"/>
-                <a:tab pos="1238250" algn="l"/>
-                <a:tab pos="1687513" algn="l"/>
-                <a:tab pos="2136775" algn="l"/>
-                <a:tab pos="2586038" algn="l"/>
-                <a:tab pos="3035300" algn="l"/>
-                <a:tab pos="3484563" algn="l"/>
-                <a:tab pos="3933825" algn="l"/>
-                <a:tab pos="4383088" algn="l"/>
-                <a:tab pos="4832350" algn="l"/>
-                <a:tab pos="5281613" algn="l"/>
-                <a:tab pos="5730875" algn="l"/>
-                <a:tab pos="6180138" algn="l"/>
-                <a:tab pos="6629400" algn="l"/>
-                <a:tab pos="7078663" algn="l"/>
-                <a:tab pos="7527925" algn="l"/>
-                <a:tab pos="7977188" algn="l"/>
-                <a:tab pos="8426450" algn="l"/>
-                <a:tab pos="8875713" algn="l"/>
-                <a:tab pos="9324975" algn="l"/>
-              </a:tabLst>
-            </a:pPr>
-            <a:r>
-              <a:rPr lang="pt-BR" sz="1600" dirty="0" smtClean="0">
-                <a:solidFill>
-                  <a:schemeClr val="tx1"/>
-                </a:solidFill>
-              </a:rPr>
-              <a:t>A </a:t>
-            </a:r>
-            <a:r>
-              <a:rPr lang="pt-BR" sz="1600" dirty="0">
-                <a:solidFill>
-                  <a:schemeClr val="tx1"/>
-                </a:solidFill>
-              </a:rPr>
-              <a:t>primeira versão do XDK foi feita pela </a:t>
-            </a:r>
-            <a:r>
-              <a:rPr lang="pt-BR" sz="1600" dirty="0">
-                <a:solidFill>
-                  <a:schemeClr val="tx1"/>
-                </a:solidFill>
-              </a:rPr>
-              <a:t>APPMobi</a:t>
-            </a:r>
-            <a:r>
-              <a:rPr lang="pt-BR" sz="1600" dirty="0">
-                <a:solidFill>
-                  <a:schemeClr val="tx1"/>
-                </a:solidFill>
-              </a:rPr>
-              <a:t> e rodava diretamente </a:t>
-            </a:r>
-            <a:r>
-              <a:rPr lang="pt-BR" sz="1600" dirty="0" smtClean="0">
-                <a:solidFill>
-                  <a:schemeClr val="tx1"/>
-                </a:solidFill>
-              </a:rPr>
-              <a:t>no navegador</a:t>
-            </a:r>
-            <a:r>
-              <a:rPr lang="pt-BR" sz="1600" dirty="0">
-                <a:solidFill>
-                  <a:schemeClr val="tx1"/>
-                </a:solidFill>
-              </a:rPr>
-              <a:t>, sem necessitar de </a:t>
-            </a:r>
-            <a:r>
-              <a:rPr lang="pt-BR" sz="1600" dirty="0">
-                <a:solidFill>
-                  <a:schemeClr val="tx1"/>
-                </a:solidFill>
-              </a:rPr>
-              <a:t>donwloas</a:t>
-            </a:r>
-            <a:r>
-              <a:rPr lang="pt-BR" sz="1600" dirty="0">
-                <a:solidFill>
-                  <a:schemeClr val="tx1"/>
-                </a:solidFill>
-              </a:rPr>
-              <a:t> ou </a:t>
-            </a:r>
-            <a:r>
-              <a:rPr lang="pt-BR" sz="1600" dirty="0" smtClean="0">
-                <a:solidFill>
-                  <a:schemeClr val="tx1"/>
-                </a:solidFill>
-              </a:rPr>
-              <a:t>instalações. Com </a:t>
-            </a:r>
-            <a:r>
-              <a:rPr lang="pt-BR" sz="1600" dirty="0">
-                <a:solidFill>
-                  <a:schemeClr val="tx1"/>
-                </a:solidFill>
-              </a:rPr>
-              <a:t>o tempo o </a:t>
-            </a:r>
-            <a:r>
-              <a:rPr lang="pt-BR" sz="1600" b="1" dirty="0" smtClean="0">
-                <a:solidFill>
-                  <a:schemeClr val="tx1"/>
-                </a:solidFill>
-              </a:rPr>
-              <a:t>APPMobi</a:t>
-            </a:r>
-            <a:r>
-              <a:rPr lang="pt-BR" sz="1600" b="1" dirty="0" smtClean="0">
-                <a:solidFill>
-                  <a:schemeClr val="tx1"/>
-                </a:solidFill>
-              </a:rPr>
-              <a:t> </a:t>
-            </a:r>
-            <a:r>
-              <a:rPr lang="pt-BR" sz="1600" b="1" dirty="0">
-                <a:solidFill>
-                  <a:schemeClr val="tx1"/>
-                </a:solidFill>
-              </a:rPr>
-              <a:t>XDK</a:t>
-            </a:r>
-            <a:r>
-              <a:rPr lang="pt-BR" sz="1600" dirty="0">
-                <a:solidFill>
-                  <a:schemeClr val="tx1"/>
-                </a:solidFill>
-              </a:rPr>
-              <a:t> foi evoluindo e chamou a atenção da Intel, </a:t>
-            </a:r>
-            <a:r>
-              <a:rPr lang="pt-BR" sz="1600" dirty="0" smtClean="0">
-                <a:solidFill>
-                  <a:schemeClr val="tx1"/>
-                </a:solidFill>
-              </a:rPr>
-              <a:t>que adquiriu </a:t>
-            </a:r>
-            <a:r>
-              <a:rPr lang="pt-BR" sz="1600" dirty="0">
-                <a:solidFill>
-                  <a:schemeClr val="tx1"/>
-                </a:solidFill>
-              </a:rPr>
-              <a:t>os direitos da ferramenta e a rebatizou como </a:t>
-            </a:r>
-            <a:r>
-              <a:rPr lang="pt-BR" sz="1600" b="1" dirty="0">
-                <a:solidFill>
-                  <a:schemeClr val="tx1"/>
-                </a:solidFill>
-              </a:rPr>
-              <a:t>Intel </a:t>
-            </a:r>
-            <a:r>
-              <a:rPr lang="pt-BR" sz="1600" b="1" dirty="0" smtClean="0">
-                <a:solidFill>
-                  <a:schemeClr val="tx1"/>
-                </a:solidFill>
-              </a:rPr>
-              <a:t>XDK</a:t>
-            </a:r>
-            <a:r>
-              <a:rPr lang="pt-BR" sz="1600" dirty="0" smtClean="0">
-                <a:solidFill>
-                  <a:schemeClr val="tx1"/>
-                </a:solidFill>
-              </a:rPr>
-              <a:t>. Desde </a:t>
-            </a:r>
-            <a:r>
-              <a:rPr lang="pt-BR" sz="1600" dirty="0">
-                <a:solidFill>
-                  <a:schemeClr val="tx1"/>
-                </a:solidFill>
-              </a:rPr>
-              <a:t>o inicio a ferramenta pareceu promissora e os </a:t>
-            </a:r>
-            <a:r>
-              <a:rPr lang="pt-BR" sz="1600" dirty="0">
-                <a:solidFill>
-                  <a:schemeClr val="tx1"/>
-                </a:solidFill>
-              </a:rPr>
-              <a:t>Devs</a:t>
-            </a:r>
-            <a:r>
-              <a:rPr lang="pt-BR" sz="1600" dirty="0">
-                <a:solidFill>
-                  <a:schemeClr val="tx1"/>
-                </a:solidFill>
-              </a:rPr>
-              <a:t> brasileiros foram os maiores apoiadores, deixando o país em primeiro lugar na quantidade de </a:t>
-            </a:r>
-            <a:r>
-              <a:rPr lang="pt-BR" sz="1600" dirty="0" smtClean="0">
-                <a:solidFill>
-                  <a:schemeClr val="tx1"/>
-                </a:solidFill>
-              </a:rPr>
-              <a:t>downloads efetuados. Infelizmente </a:t>
-            </a:r>
-            <a:r>
-              <a:rPr lang="pt-BR" sz="1600" dirty="0">
-                <a:solidFill>
-                  <a:schemeClr val="tx1"/>
-                </a:solidFill>
-              </a:rPr>
-              <a:t>a Intel mudou seus planos estratégicos para o mercado móvel e abandonou seus principais planos para esta área, inclusive deixando de produzir microprocessadores para smartphones e </a:t>
-            </a:r>
-            <a:r>
-              <a:rPr lang="pt-BR" sz="1600" dirty="0" smtClean="0">
-                <a:solidFill>
-                  <a:schemeClr val="tx1"/>
-                </a:solidFill>
-              </a:rPr>
-              <a:t>tablets</a:t>
-            </a:r>
-            <a:r>
-              <a:rPr lang="pt-BR" sz="1600" dirty="0" smtClean="0">
-                <a:solidFill>
-                  <a:schemeClr val="tx1"/>
-                </a:solidFill>
-              </a:rPr>
-              <a:t>. Com </a:t>
-            </a:r>
-            <a:r>
-              <a:rPr lang="pt-BR" sz="1600" dirty="0">
-                <a:solidFill>
-                  <a:schemeClr val="tx1"/>
-                </a:solidFill>
-              </a:rPr>
-              <a:t>esta nova visão, o XDK virou um peso morto e aos poucos foi perdendo sua importância dentro da empresa, até que foi descontinuado oficialmente.</a:t>
-            </a:r>
-          </a:p>
-        </p:txBody>
-      </p:sp>
-      <p:pic>
-        <p:nvPicPr>
-          <p:cNvPr id="3074" name="Picture 2"/>
-          <p:cNvPicPr>
-            <a:picLocks noChangeAspect="1" noChangeArrowheads="1"/>
-          </p:cNvPicPr>
-          <p:nvPr/>
-        </p:nvPicPr>
-        <p:blipFill>
-          <a:blip r:embed="rId3">
-            <a:extLst>
-              <a:ext uri="{28A0092B-C50C-407E-A947-70E740481C1C}">
-                <a14:useLocalDpi xmlns:a14="http://schemas.microsoft.com/office/drawing/2010/main" val="0"/>
-              </a:ext>
-            </a:extLst>
-          </a:blip>
-          <a:srcRect/>
-          <a:stretch>
-            <a:fillRect/>
-          </a:stretch>
-        </p:blipFill>
-        <p:spPr bwMode="auto">
-          <a:xfrm>
-            <a:off x="7668344" y="116632"/>
-            <a:ext cx="1143000" cy="1466850"/>
-          </a:xfrm>
-          <a:prstGeom prst="rect">
-            <a:avLst/>
-          </a:prstGeom>
-          <a:noFill/>
-          <a:ln>
-            <a:noFill/>
-          </a:ln>
-          <a:extLst>
-            <a:ext uri="{909E8E84-426E-40DD-AFC4-6F175D3DCCD1}">
-              <a14:hiddenFill xmlns:a14="http://schemas.microsoft.com/office/drawing/2010/main">
-                <a:solidFill>
-                  <a:schemeClr val="accent1"/>
-                </a:solidFill>
-              </a14:hiddenFill>
-            </a:ext>
-            <a:ext uri="{91240B29-F687-4F45-9708-019B960494DF}">
-              <a14:hiddenLine xmlns:a14="http://schemas.microsoft.com/office/drawing/2010/main" w="9525">
-                <a:solidFill>
-                  <a:schemeClr val="tx1"/>
-                </a:solidFill>
-                <a:miter lim="800000"/>
-                <a:headEnd/>
-                <a:tailEnd/>
-              </a14:hiddenLine>
-            </a:ext>
-          </a:extLst>
-        </p:spPr>
-      </p:pic>
-      <p:pic>
-        <p:nvPicPr>
-          <p:cNvPr id="3076" name="Picture 4"/>
-          <p:cNvPicPr>
-            <a:picLocks noChangeAspect="1" noChangeArrowheads="1"/>
-          </p:cNvPicPr>
-          <p:nvPr/>
-        </p:nvPicPr>
-        <p:blipFill>
-          <a:blip r:embed="rId4">
-            <a:extLst>
-              <a:ext uri="{28A0092B-C50C-407E-A947-70E740481C1C}">
-                <a14:useLocalDpi xmlns:a14="http://schemas.microsoft.com/office/drawing/2010/main" val="0"/>
-              </a:ext>
-            </a:extLst>
-          </a:blip>
-          <a:srcRect/>
-          <a:stretch>
-            <a:fillRect/>
-          </a:stretch>
-        </p:blipFill>
-        <p:spPr bwMode="auto">
-          <a:xfrm>
-            <a:off x="5022253" y="5059796"/>
-            <a:ext cx="2855313" cy="1668222"/>
-          </a:xfrm>
-          <a:prstGeom prst="rect">
-            <a:avLst/>
-          </a:prstGeom>
-          <a:noFill/>
-          <a:ln>
-            <a:noFill/>
-          </a:ln>
-          <a:extLst>
-            <a:ext uri="{909E8E84-426E-40DD-AFC4-6F175D3DCCD1}">
-              <a14:hiddenFill xmlns:a14="http://schemas.microsoft.com/office/drawing/2010/main">
-                <a:solidFill>
-                  <a:schemeClr val="accent1"/>
-                </a:solidFill>
-              </a14:hiddenFill>
-            </a:ext>
-            <a:ext uri="{91240B29-F687-4F45-9708-019B960494DF}">
-              <a14:hiddenLine xmlns:a14="http://schemas.microsoft.com/office/drawing/2010/main" w="9525">
-                <a:solidFill>
-                  <a:schemeClr val="tx1"/>
-                </a:solidFill>
-                <a:miter lim="800000"/>
-                <a:headEnd/>
-                <a:tailEnd/>
-              </a14:hiddenLine>
-            </a:ext>
-          </a:extLst>
-        </p:spPr>
-      </p:pic>
-    </p:spTree>
-    <p:extLst>
-      <p:ext uri="{BB962C8B-B14F-4D97-AF65-F5344CB8AC3E}">
-        <p14:creationId xmlns:p14="http://schemas.microsoft.com/office/powerpoint/2010/main" val="1217907457"/>
-      </p:ext>
-    </p:extLst>
-  </p:cSld>
-  <p:clrMapOvr>
-    <a:masterClrMapping/>
-  </p:clrMapOvr>
-  <p:timing>
-    <p:tnLst>
-      <p:par>
-        <p:cTn id="1" dur="indefinite" restart="never" nodeType="tmRoot">
-          <p:childTnLst>
-            <p:seq concurrent="1" nextAc="seek">
-              <p:cTn id="2" dur="indefinite" nodeType="mainSeq">
-                <p:childTnLst>
-                  <p:par>
-                    <p:cTn id="3" fill="hold">
-                      <p:stCondLst>
-                        <p:cond delay="indefinite"/>
-                      </p:stCondLst>
-                      <p:childTnLst>
-                        <p:par>
-                          <p:cTn id="4" fill="hold">
-                            <p:stCondLst>
-                              <p:cond delay="0"/>
-                            </p:stCondLst>
-                            <p:childTnLst>
-                              <p:par>
-                                <p:cTn id="5" presetID="20" presetClass="exit" presetSubtype="0" fill="hold" grpId="0" nodeType="clickEffect">
-                                  <p:stCondLst>
-                                    <p:cond delay="0"/>
-                                  </p:stCondLst>
-                                  <p:childTnLst>
-                                    <p:animEffect transition="out" filter="wedge">
-                                      <p:cBhvr>
-                                        <p:cTn id="6" dur="20000"/>
-                                        <p:tgtEl>
-                                          <p:spTgt spid="8"/>
-                                        </p:tgtEl>
-                                      </p:cBhvr>
-                                    </p:animEffect>
-                                    <p:set>
-                                      <p:cBhvr>
-                                        <p:cTn id="7" dur="1" fill="hold">
-                                          <p:stCondLst>
-                                            <p:cond delay="19999"/>
-                                          </p:stCondLst>
-                                        </p:cTn>
-                                        <p:tgtEl>
-                                          <p:spTgt spid="8"/>
-                                        </p:tgtEl>
-                                        <p:attrNameLst>
-                                          <p:attrName>style.visibility</p:attrName>
-                                        </p:attrNameLst>
-                                      </p:cBhvr>
-                                      <p:to>
-                                        <p:strVal val="hidden"/>
-                                      </p:to>
-                                    </p:set>
-                                  </p:childTnLst>
-                                </p:cTn>
-                              </p:par>
-                            </p:childTnLst>
-                          </p:cTn>
-                        </p:par>
-                      </p:childTnLst>
-                    </p:cTn>
-                  </p:par>
-                </p:childTnLst>
-              </p:cTn>
-              <p:prevCondLst>
-                <p:cond evt="onPrev" delay="0">
-                  <p:tgtEl>
-                    <p:sldTgt/>
-                  </p:tgtEl>
-                </p:cond>
-              </p:prevCondLst>
-              <p:nextCondLst>
-                <p:cond evt="onNext" delay="0">
-                  <p:tgtEl>
-                    <p:sldTgt/>
-                  </p:tgtEl>
-                </p:cond>
-              </p:nextCondLst>
-            </p:seq>
-          </p:childTnLst>
-        </p:cTn>
-      </p:par>
-    </p:tnLst>
-    <p:bldLst>
-      <p:bldP spid="8" grpId="0" animBg="1"/>
-    </p:bldLst>
-  </p:timing>
-</p:sld>
-</file>
-
-<file path=ppt/slides/slide7.xml><?xml version="1.0" encoding="utf-8"?>
+<file path=ppt/slides/slide9.xml><?xml version="1.0" encoding="utf-8"?>
 <p:sld xmlns:a="http://schemas.openxmlformats.org/drawingml/2006/main" xmlns:r="http://schemas.openxmlformats.org/officeDocument/2006/relationships" xmlns:p="http://schemas.openxmlformats.org/presentationml/2006/main">
   <p:cSld>
     <p:spTree>
